--- a/20191009 - topic.pptx
+++ b/20191009 - topic.pptx
@@ -14,6 +14,7 @@
     <p:sldId id="263" r:id="rId8"/>
     <p:sldId id="264" r:id="rId9"/>
     <p:sldId id="265" r:id="rId10"/>
+    <p:sldId id="266" r:id="rId11"/>
   </p:sldIdLst>
   <p:sldSz cx="12192000" cy="6858000"/>
   <p:notesSz cx="6858000" cy="9144000"/>
@@ -1060,6 +1061,236 @@
 </p:sld>
 </file>
 
+<file path=ppt/slides/slide10.xml><?xml version="1.0" encoding="utf-8"?>
+<p:sld xmlns:a="http://schemas.openxmlformats.org/drawingml/2006/main" xmlns:r="http://schemas.openxmlformats.org/officeDocument/2006/relationships" xmlns:p="http://schemas.openxmlformats.org/presentationml/2006/main">
+  <p:cSld>
+    <p:spTree>
+      <p:nvGrpSpPr>
+        <p:cNvPr id="1" name=""/>
+        <p:cNvGrpSpPr/>
+        <p:nvPr/>
+      </p:nvGrpSpPr>
+      <p:grpSpPr>
+        <a:xfrm>
+          <a:off x="0" y="0"/>
+          <a:ext cx="0" cy="0"/>
+          <a:chOff x="0" y="0"/>
+          <a:chExt cx="0" cy="0"/>
+        </a:xfrm>
+      </p:grpSpPr>
+      <p:pic>
+        <p:nvPicPr>
+          <p:cNvPr id="10" name="内容占位符 9"/>
+          <p:cNvPicPr>
+            <a:picLocks noGrp="1" noChangeAspect="1"/>
+          </p:cNvPicPr>
+          <p:nvPr>
+            <p:ph idx="1"/>
+          </p:nvPr>
+        </p:nvPicPr>
+        <p:blipFill>
+          <a:blip r:embed="rId2"/>
+          <a:stretch>
+            <a:fillRect/>
+          </a:stretch>
+        </p:blipFill>
+        <p:spPr>
+          <a:xfrm>
+            <a:off x="6438243" y="3231649"/>
+            <a:ext cx="2771775" cy="1657350"/>
+          </a:xfrm>
+          <a:prstGeom prst="rect">
+            <a:avLst/>
+          </a:prstGeom>
+        </p:spPr>
+      </p:pic>
+      <p:sp>
+        <p:nvSpPr>
+          <p:cNvPr id="3" name="标题 2"/>
+          <p:cNvSpPr>
+            <a:spLocks noGrp="1"/>
+          </p:cNvSpPr>
+          <p:nvPr>
+            <p:ph type="title"/>
+          </p:nvPr>
+        </p:nvSpPr>
+        <p:spPr/>
+        <p:txBody>
+          <a:bodyPr>
+            <a:normAutofit/>
+          </a:bodyPr>
+          <a:lstStyle/>
+          <a:p>
+            <a:r>
+              <a:rPr lang="zh-CN" altLang="en-US" dirty="0"/>
+              <a:t>深圳艾孚</a:t>
+            </a:r>
+            <a:r>
+              <a:rPr lang="zh-CN" altLang="en-US" dirty="0" smtClean="0"/>
+              <a:t>光电</a:t>
+            </a:r>
+            <a:endParaRPr lang="zh-CN" altLang="en-US" dirty="0"/>
+          </a:p>
+        </p:txBody>
+      </p:sp>
+      <p:sp>
+        <p:nvSpPr>
+          <p:cNvPr id="4" name="矩形 3">
+            <a:extLst>
+              <a:ext uri="{FF2B5EF4-FFF2-40B4-BE49-F238E27FC236}">
+                <a16:creationId xmlns:a16="http://schemas.microsoft.com/office/drawing/2014/main" id="{2371BEFC-7128-46C4-B819-8EBE6D04A6B1}"/>
+              </a:ext>
+            </a:extLst>
+          </p:cNvPr>
+          <p:cNvSpPr/>
+          <p:nvPr/>
+        </p:nvSpPr>
+        <p:spPr>
+          <a:xfrm>
+            <a:off x="4390148" y="838546"/>
+            <a:ext cx="1705852" cy="341632"/>
+          </a:xfrm>
+          <a:prstGeom prst="rect">
+            <a:avLst/>
+          </a:prstGeom>
+        </p:spPr>
+        <p:txBody>
+          <a:bodyPr wrap="none">
+            <a:spAutoFit/>
+          </a:bodyPr>
+          <a:lstStyle/>
+          <a:p>
+            <a:pPr>
+              <a:lnSpc>
+                <a:spcPct val="90000"/>
+              </a:lnSpc>
+              <a:spcBef>
+                <a:spcPts val="1000"/>
+              </a:spcBef>
+            </a:pPr>
+            <a:r>
+              <a:rPr lang="en-US" altLang="zh-CN" dirty="0" smtClean="0">
+                <a:latin typeface="微软雅黑" panose="020B0503020204020204" pitchFamily="34" charset="-122"/>
+                <a:ea typeface="微软雅黑" panose="020B0503020204020204" pitchFamily="34" charset="-122"/>
+              </a:rPr>
+              <a:t>efprecise.com</a:t>
+            </a:r>
+            <a:endParaRPr lang="en-US" altLang="zh-CN" dirty="0">
+              <a:latin typeface="微软雅黑" panose="020B0503020204020204" pitchFamily="34" charset="-122"/>
+              <a:ea typeface="微软雅黑" panose="020B0503020204020204" pitchFamily="34" charset="-122"/>
+            </a:endParaRPr>
+          </a:p>
+        </p:txBody>
+      </p:sp>
+      <p:pic>
+        <p:nvPicPr>
+          <p:cNvPr id="6" name="图片 5"/>
+          <p:cNvPicPr>
+            <a:picLocks noChangeAspect="1"/>
+          </p:cNvPicPr>
+          <p:nvPr/>
+        </p:nvPicPr>
+        <p:blipFill>
+          <a:blip r:embed="rId3"/>
+          <a:stretch>
+            <a:fillRect/>
+          </a:stretch>
+        </p:blipFill>
+        <p:spPr>
+          <a:xfrm>
+            <a:off x="838200" y="2605271"/>
+            <a:ext cx="2171700" cy="1371600"/>
+          </a:xfrm>
+          <a:prstGeom prst="rect">
+            <a:avLst/>
+          </a:prstGeom>
+        </p:spPr>
+      </p:pic>
+      <p:pic>
+        <p:nvPicPr>
+          <p:cNvPr id="7" name="图片 6"/>
+          <p:cNvPicPr>
+            <a:picLocks noChangeAspect="1"/>
+          </p:cNvPicPr>
+          <p:nvPr/>
+        </p:nvPicPr>
+        <p:blipFill>
+          <a:blip r:embed="rId4"/>
+          <a:stretch>
+            <a:fillRect/>
+          </a:stretch>
+        </p:blipFill>
+        <p:spPr>
+          <a:xfrm>
+            <a:off x="3299535" y="2624321"/>
+            <a:ext cx="2181225" cy="1333500"/>
+          </a:xfrm>
+          <a:prstGeom prst="rect">
+            <a:avLst/>
+          </a:prstGeom>
+        </p:spPr>
+      </p:pic>
+      <p:pic>
+        <p:nvPicPr>
+          <p:cNvPr id="8" name="图片 7"/>
+          <p:cNvPicPr>
+            <a:picLocks noChangeAspect="1"/>
+          </p:cNvPicPr>
+          <p:nvPr/>
+        </p:nvPicPr>
+        <p:blipFill>
+          <a:blip r:embed="rId5"/>
+          <a:stretch>
+            <a:fillRect/>
+          </a:stretch>
+        </p:blipFill>
+        <p:spPr>
+          <a:xfrm>
+            <a:off x="847725" y="4227012"/>
+            <a:ext cx="2162175" cy="1343025"/>
+          </a:xfrm>
+          <a:prstGeom prst="rect">
+            <a:avLst/>
+          </a:prstGeom>
+        </p:spPr>
+      </p:pic>
+      <p:pic>
+        <p:nvPicPr>
+          <p:cNvPr id="9" name="图片 8"/>
+          <p:cNvPicPr>
+            <a:picLocks noChangeAspect="1"/>
+          </p:cNvPicPr>
+          <p:nvPr/>
+        </p:nvPicPr>
+        <p:blipFill>
+          <a:blip r:embed="rId6"/>
+          <a:stretch>
+            <a:fillRect/>
+          </a:stretch>
+        </p:blipFill>
+        <p:spPr>
+          <a:xfrm>
+            <a:off x="3299535" y="4207962"/>
+            <a:ext cx="2190750" cy="1362075"/>
+          </a:xfrm>
+          <a:prstGeom prst="rect">
+            <a:avLst/>
+          </a:prstGeom>
+        </p:spPr>
+      </p:pic>
+    </p:spTree>
+    <p:extLst>
+      <p:ext uri="{BB962C8B-B14F-4D97-AF65-F5344CB8AC3E}">
+        <p14:creationId xmlns:p14="http://schemas.microsoft.com/office/powerpoint/2010/main" val="1049470588"/>
+      </p:ext>
+    </p:extLst>
+  </p:cSld>
+  <p:clrMapOvr>
+    <a:masterClrMapping/>
+  </p:clrMapOvr>
+</p:sld>
+</file>
+
 <file path=ppt/slides/slide2.xml><?xml version="1.0" encoding="utf-8"?>
 <p:sld xmlns:a="http://schemas.openxmlformats.org/drawingml/2006/main" xmlns:r="http://schemas.openxmlformats.org/officeDocument/2006/relationships" xmlns:p="http://schemas.openxmlformats.org/presentationml/2006/main">
   <p:cSld>
@@ -1133,8 +1364,14 @@
           </a:p>
           <a:p>
             <a:r>
-              <a:rPr lang="en-US" altLang="zh-CN" dirty="0" err="1"/>
+              <a:rPr lang="en-US" altLang="zh-CN" dirty="0" smtClean="0"/>
               <a:t>IDIL</a:t>
+            </a:r>
+          </a:p>
+          <a:p>
+            <a:r>
+              <a:rPr lang="zh-CN" altLang="en-US" dirty="0" smtClean="0"/>
+              <a:t>深圳艾孚光电</a:t>
             </a:r>
             <a:endParaRPr lang="zh-CN" altLang="en-US" dirty="0"/>
           </a:p>
@@ -2876,17 +3113,43 @@
             </a:r>
             <a:r>
               <a:rPr lang="en-US" altLang="zh-CN" dirty="0"/>
-              <a:t>), graded index, cleave, splice and others.</a:t>
-            </a:r>
-          </a:p>
-          <a:p>
+              <a:t>), graded </a:t>
+            </a:r>
+            <a:r>
+              <a:rPr lang="en-US" altLang="zh-CN" dirty="0" smtClean="0"/>
+              <a:t>index(</a:t>
+            </a:r>
+            <a:r>
+              <a:rPr lang="zh-CN" altLang="en-US" dirty="0" smtClean="0"/>
+              <a:t>折射率渐变</a:t>
+            </a:r>
+            <a:r>
+              <a:rPr lang="en-US" altLang="zh-CN" dirty="0" smtClean="0"/>
+              <a:t>), cleave(</a:t>
+            </a:r>
+            <a:r>
+              <a:rPr lang="zh-CN" altLang="en-US" dirty="0" smtClean="0"/>
+              <a:t>劈开</a:t>
+            </a:r>
+            <a:r>
+              <a:rPr lang="en-US" altLang="zh-CN" dirty="0" smtClean="0"/>
+              <a:t>), splice (</a:t>
+            </a:r>
+            <a:r>
+              <a:rPr lang="zh-CN" altLang="en-US" dirty="0" smtClean="0"/>
+              <a:t>拼接</a:t>
+            </a:r>
+            <a:r>
+              <a:rPr lang="en-US" altLang="zh-CN" dirty="0" smtClean="0"/>
+              <a:t>) </a:t>
+            </a:r>
             <a:r>
               <a:rPr lang="en-US" altLang="zh-CN" dirty="0"/>
-              <a:t>(to </a:t>
-            </a:r>
-            <a:r>
-              <a:rPr lang="en-US" altLang="zh-CN"/>
-              <a:t>be continued)</a:t>
+              <a:t>and others</a:t>
+            </a:r>
+            <a:r>
+              <a:rPr lang="en-US" altLang="zh-CN" dirty="0" smtClean="0"/>
+              <a:t>.</a:t>
             </a:r>
             <a:endParaRPr lang="zh-CN" altLang="en-US" dirty="0"/>
           </a:p>
@@ -2966,6 +3229,47 @@
           </a:p>
         </p:txBody>
       </p:sp>
+      <p:pic>
+        <p:nvPicPr>
+          <p:cNvPr id="1026" name="Picture 2" descr="https://www.idil-fibres-optiques.com/wp-content/uploads/2017/09/End-fiber-shaping-schema.png"/>
+          <p:cNvPicPr>
+            <a:picLocks noChangeAspect="1" noChangeArrowheads="1"/>
+          </p:cNvPicPr>
+          <p:nvPr/>
+        </p:nvPicPr>
+        <p:blipFill>
+          <a:blip r:embed="rId2">
+            <a:extLst>
+              <a:ext uri="{28A0092B-C50C-407E-A947-70E740481C1C}">
+                <a14:useLocalDpi xmlns:a14="http://schemas.microsoft.com/office/drawing/2010/main" val="0"/>
+              </a:ext>
+            </a:extLst>
+          </a:blip>
+          <a:srcRect/>
+          <a:stretch>
+            <a:fillRect/>
+          </a:stretch>
+        </p:blipFill>
+        <p:spPr bwMode="auto">
+          <a:xfrm>
+            <a:off x="3898547" y="3453468"/>
+            <a:ext cx="3829050" cy="2552700"/>
+          </a:xfrm>
+          <a:prstGeom prst="rect">
+            <a:avLst/>
+          </a:prstGeom>
+          <a:noFill/>
+          <a:extLst>
+            <a:ext uri="{909E8E84-426E-40DD-AFC4-6F175D3DCCD1}">
+              <a14:hiddenFill xmlns:a14="http://schemas.microsoft.com/office/drawing/2010/main">
+                <a:solidFill>
+                  <a:srgbClr val="FFFFFF"/>
+                </a:solidFill>
+              </a14:hiddenFill>
+            </a:ext>
+          </a:extLst>
+        </p:spPr>
+      </p:pic>
     </p:spTree>
     <p:extLst>
       <p:ext uri="{BB962C8B-B14F-4D97-AF65-F5344CB8AC3E}">

--- a/20191009 - topic.pptx
+++ b/20191009 - topic.pptx
@@ -15,6 +15,9 @@
     <p:sldId id="264" r:id="rId9"/>
     <p:sldId id="265" r:id="rId10"/>
     <p:sldId id="266" r:id="rId11"/>
+    <p:sldId id="267" r:id="rId12"/>
+    <p:sldId id="268" r:id="rId13"/>
+    <p:sldId id="269" r:id="rId14"/>
   </p:sldIdLst>
   <p:sldSz cx="12192000" cy="6858000"/>
   <p:notesSz cx="6858000" cy="9144000"/>
@@ -1123,13 +1126,8 @@
           <a:p>
             <a:r>
               <a:rPr lang="zh-CN" altLang="en-US" dirty="0"/>
-              <a:t>深圳艾孚</a:t>
-            </a:r>
-            <a:r>
-              <a:rPr lang="zh-CN" altLang="en-US" dirty="0" smtClean="0"/>
-              <a:t>光电</a:t>
-            </a:r>
-            <a:endParaRPr lang="zh-CN" altLang="en-US" dirty="0"/>
+              <a:t>深圳艾孚光电</a:t>
+            </a:r>
           </a:p>
         </p:txBody>
       </p:sp>
@@ -1169,16 +1167,12 @@
               </a:spcBef>
             </a:pPr>
             <a:r>
-              <a:rPr lang="en-US" altLang="zh-CN" dirty="0" smtClean="0">
+              <a:rPr lang="en-US" altLang="zh-CN" dirty="0">
                 <a:latin typeface="微软雅黑" panose="020B0503020204020204" pitchFamily="34" charset="-122"/>
                 <a:ea typeface="微软雅黑" panose="020B0503020204020204" pitchFamily="34" charset="-122"/>
               </a:rPr>
               <a:t>efprecise.com</a:t>
             </a:r>
-            <a:endParaRPr lang="en-US" altLang="zh-CN" dirty="0">
-              <a:latin typeface="微软雅黑" panose="020B0503020204020204" pitchFamily="34" charset="-122"/>
-              <a:ea typeface="微软雅黑" panose="020B0503020204020204" pitchFamily="34" charset="-122"/>
-            </a:endParaRPr>
           </a:p>
         </p:txBody>
       </p:sp>
@@ -1291,6 +1285,350 @@
 </p:sld>
 </file>
 
+<file path=ppt/slides/slide11.xml><?xml version="1.0" encoding="utf-8"?>
+<p:sld xmlns:a="http://schemas.openxmlformats.org/drawingml/2006/main" xmlns:r="http://schemas.openxmlformats.org/officeDocument/2006/relationships" xmlns:p="http://schemas.openxmlformats.org/presentationml/2006/main">
+  <p:cSld>
+    <p:spTree>
+      <p:nvGrpSpPr>
+        <p:cNvPr id="1" name=""/>
+        <p:cNvGrpSpPr/>
+        <p:nvPr/>
+      </p:nvGrpSpPr>
+      <p:grpSpPr>
+        <a:xfrm>
+          <a:off x="0" y="0"/>
+          <a:ext cx="0" cy="0"/>
+          <a:chOff x="0" y="0"/>
+          <a:chExt cx="0" cy="0"/>
+        </a:xfrm>
+      </p:grpSpPr>
+      <p:sp>
+        <p:nvSpPr>
+          <p:cNvPr id="2" name="标题 1">
+            <a:extLst>
+              <a:ext uri="{FF2B5EF4-FFF2-40B4-BE49-F238E27FC236}">
+                <a16:creationId xmlns:a16="http://schemas.microsoft.com/office/drawing/2014/main" id="{AD9676DD-42B4-4C8B-A392-6196CD3075BB}"/>
+              </a:ext>
+            </a:extLst>
+          </p:cNvPr>
+          <p:cNvSpPr>
+            <a:spLocks noGrp="1"/>
+          </p:cNvSpPr>
+          <p:nvPr>
+            <p:ph type="ctrTitle"/>
+          </p:nvPr>
+        </p:nvSpPr>
+        <p:spPr/>
+        <p:txBody>
+          <a:bodyPr/>
+          <a:lstStyle/>
+          <a:p>
+            <a:r>
+              <a:rPr lang="zh-CN" altLang="en-US" dirty="0"/>
+              <a:t>神经网络典型值</a:t>
+            </a:r>
+          </a:p>
+        </p:txBody>
+      </p:sp>
+      <p:sp>
+        <p:nvSpPr>
+          <p:cNvPr id="3" name="副标题 2">
+            <a:extLst>
+              <a:ext uri="{FF2B5EF4-FFF2-40B4-BE49-F238E27FC236}">
+                <a16:creationId xmlns:a16="http://schemas.microsoft.com/office/drawing/2014/main" id="{81BC2099-85EA-48FA-A50C-C50AFEB5C24C}"/>
+              </a:ext>
+            </a:extLst>
+          </p:cNvPr>
+          <p:cNvSpPr>
+            <a:spLocks noGrp="1"/>
+          </p:cNvSpPr>
+          <p:nvPr>
+            <p:ph type="subTitle" idx="1"/>
+          </p:nvPr>
+        </p:nvSpPr>
+        <p:spPr/>
+        <p:txBody>
+          <a:bodyPr/>
+          <a:lstStyle/>
+          <a:p>
+            <a:endParaRPr lang="zh-CN" altLang="en-US"/>
+          </a:p>
+        </p:txBody>
+      </p:sp>
+    </p:spTree>
+    <p:extLst>
+      <p:ext uri="{BB962C8B-B14F-4D97-AF65-F5344CB8AC3E}">
+        <p14:creationId xmlns:p14="http://schemas.microsoft.com/office/powerpoint/2010/main" val="1760024302"/>
+      </p:ext>
+    </p:extLst>
+  </p:cSld>
+  <p:clrMapOvr>
+    <a:masterClrMapping/>
+  </p:clrMapOvr>
+</p:sld>
+</file>
+
+<file path=ppt/slides/slide12.xml><?xml version="1.0" encoding="utf-8"?>
+<p:sld xmlns:a="http://schemas.openxmlformats.org/drawingml/2006/main" xmlns:r="http://schemas.openxmlformats.org/officeDocument/2006/relationships" xmlns:p="http://schemas.openxmlformats.org/presentationml/2006/main">
+  <p:cSld>
+    <p:spTree>
+      <p:nvGrpSpPr>
+        <p:cNvPr id="1" name=""/>
+        <p:cNvGrpSpPr/>
+        <p:nvPr/>
+      </p:nvGrpSpPr>
+      <p:grpSpPr>
+        <a:xfrm>
+          <a:off x="0" y="0"/>
+          <a:ext cx="0" cy="0"/>
+          <a:chOff x="0" y="0"/>
+          <a:chExt cx="0" cy="0"/>
+        </a:xfrm>
+      </p:grpSpPr>
+      <p:pic>
+        <p:nvPicPr>
+          <p:cNvPr id="4" name="内容占位符 3">
+            <a:extLst>
+              <a:ext uri="{FF2B5EF4-FFF2-40B4-BE49-F238E27FC236}">
+                <a16:creationId xmlns:a16="http://schemas.microsoft.com/office/drawing/2014/main" id="{409B4683-EEF1-42FE-8038-AB19BE6F3FB7}"/>
+              </a:ext>
+            </a:extLst>
+          </p:cNvPr>
+          <p:cNvPicPr>
+            <a:picLocks noGrp="1" noChangeAspect="1"/>
+          </p:cNvPicPr>
+          <p:nvPr>
+            <p:ph idx="1"/>
+          </p:nvPr>
+        </p:nvPicPr>
+        <p:blipFill>
+          <a:blip r:embed="rId2"/>
+          <a:stretch>
+            <a:fillRect/>
+          </a:stretch>
+        </p:blipFill>
+        <p:spPr>
+          <a:xfrm>
+            <a:off x="1128126" y="2085975"/>
+            <a:ext cx="2085975" cy="1343025"/>
+          </a:xfrm>
+          <a:prstGeom prst="rect">
+            <a:avLst/>
+          </a:prstGeom>
+        </p:spPr>
+      </p:pic>
+      <p:sp>
+        <p:nvSpPr>
+          <p:cNvPr id="3" name="标题 2">
+            <a:extLst>
+              <a:ext uri="{FF2B5EF4-FFF2-40B4-BE49-F238E27FC236}">
+                <a16:creationId xmlns:a16="http://schemas.microsoft.com/office/drawing/2014/main" id="{769B6D67-FC96-42A2-A26A-0E2DC91224F2}"/>
+              </a:ext>
+            </a:extLst>
+          </p:cNvPr>
+          <p:cNvSpPr>
+            <a:spLocks noGrp="1"/>
+          </p:cNvSpPr>
+          <p:nvPr>
+            <p:ph type="title"/>
+          </p:nvPr>
+        </p:nvSpPr>
+        <p:spPr/>
+        <p:txBody>
+          <a:bodyPr/>
+          <a:lstStyle/>
+          <a:p>
+            <a:endParaRPr lang="zh-CN" altLang="en-US"/>
+          </a:p>
+        </p:txBody>
+      </p:sp>
+      <p:pic>
+        <p:nvPicPr>
+          <p:cNvPr id="5" name="图片 4">
+            <a:extLst>
+              <a:ext uri="{FF2B5EF4-FFF2-40B4-BE49-F238E27FC236}">
+                <a16:creationId xmlns:a16="http://schemas.microsoft.com/office/drawing/2014/main" id="{478CA8EE-08D0-4971-94E6-17CE1EC8A726}"/>
+              </a:ext>
+            </a:extLst>
+          </p:cNvPr>
+          <p:cNvPicPr>
+            <a:picLocks noChangeAspect="1"/>
+          </p:cNvPicPr>
+          <p:nvPr/>
+        </p:nvPicPr>
+        <p:blipFill>
+          <a:blip r:embed="rId3"/>
+          <a:stretch>
+            <a:fillRect/>
+          </a:stretch>
+        </p:blipFill>
+        <p:spPr>
+          <a:xfrm>
+            <a:off x="3499485" y="2066925"/>
+            <a:ext cx="2266950" cy="1362075"/>
+          </a:xfrm>
+          <a:prstGeom prst="rect">
+            <a:avLst/>
+          </a:prstGeom>
+        </p:spPr>
+      </p:pic>
+      <p:pic>
+        <p:nvPicPr>
+          <p:cNvPr id="6" name="图片 5">
+            <a:extLst>
+              <a:ext uri="{FF2B5EF4-FFF2-40B4-BE49-F238E27FC236}">
+                <a16:creationId xmlns:a16="http://schemas.microsoft.com/office/drawing/2014/main" id="{9295A5C5-4208-4207-9A7C-DB09768A53B6}"/>
+              </a:ext>
+            </a:extLst>
+          </p:cNvPr>
+          <p:cNvPicPr>
+            <a:picLocks noChangeAspect="1"/>
+          </p:cNvPicPr>
+          <p:nvPr/>
+        </p:nvPicPr>
+        <p:blipFill>
+          <a:blip r:embed="rId4"/>
+          <a:stretch>
+            <a:fillRect/>
+          </a:stretch>
+        </p:blipFill>
+        <p:spPr>
+          <a:xfrm>
+            <a:off x="6126847" y="2076449"/>
+            <a:ext cx="2286000" cy="1362075"/>
+          </a:xfrm>
+          <a:prstGeom prst="rect">
+            <a:avLst/>
+          </a:prstGeom>
+        </p:spPr>
+      </p:pic>
+    </p:spTree>
+    <p:extLst>
+      <p:ext uri="{BB962C8B-B14F-4D97-AF65-F5344CB8AC3E}">
+        <p14:creationId xmlns:p14="http://schemas.microsoft.com/office/powerpoint/2010/main" val="3407979499"/>
+      </p:ext>
+    </p:extLst>
+  </p:cSld>
+  <p:clrMapOvr>
+    <a:masterClrMapping/>
+  </p:clrMapOvr>
+</p:sld>
+</file>
+
+<file path=ppt/slides/slide13.xml><?xml version="1.0" encoding="utf-8"?>
+<p:sld xmlns:a="http://schemas.openxmlformats.org/drawingml/2006/main" xmlns:r="http://schemas.openxmlformats.org/officeDocument/2006/relationships" xmlns:p="http://schemas.openxmlformats.org/presentationml/2006/main">
+  <p:cSld>
+    <p:spTree>
+      <p:nvGrpSpPr>
+        <p:cNvPr id="1" name=""/>
+        <p:cNvGrpSpPr/>
+        <p:nvPr/>
+      </p:nvGrpSpPr>
+      <p:grpSpPr>
+        <a:xfrm>
+          <a:off x="0" y="0"/>
+          <a:ext cx="0" cy="0"/>
+          <a:chOff x="0" y="0"/>
+          <a:chExt cx="0" cy="0"/>
+        </a:xfrm>
+      </p:grpSpPr>
+      <p:sp>
+        <p:nvSpPr>
+          <p:cNvPr id="2" name="内容占位符 1">
+            <a:extLst>
+              <a:ext uri="{FF2B5EF4-FFF2-40B4-BE49-F238E27FC236}">
+                <a16:creationId xmlns:a16="http://schemas.microsoft.com/office/drawing/2014/main" id="{64DC423C-ACA9-4C89-9E30-669910ECC95E}"/>
+              </a:ext>
+            </a:extLst>
+          </p:cNvPr>
+          <p:cNvSpPr>
+            <a:spLocks noGrp="1"/>
+          </p:cNvSpPr>
+          <p:nvPr>
+            <p:ph idx="1"/>
+          </p:nvPr>
+        </p:nvSpPr>
+        <p:spPr/>
+        <p:txBody>
+          <a:bodyPr/>
+          <a:lstStyle/>
+          <a:p>
+            <a:endParaRPr lang="zh-CN" altLang="en-US"/>
+          </a:p>
+        </p:txBody>
+      </p:sp>
+      <p:sp>
+        <p:nvSpPr>
+          <p:cNvPr id="3" name="标题 2">
+            <a:extLst>
+              <a:ext uri="{FF2B5EF4-FFF2-40B4-BE49-F238E27FC236}">
+                <a16:creationId xmlns:a16="http://schemas.microsoft.com/office/drawing/2014/main" id="{AFCCD4E3-7097-42C8-AB06-018A0EF5B29C}"/>
+              </a:ext>
+            </a:extLst>
+          </p:cNvPr>
+          <p:cNvSpPr>
+            <a:spLocks noGrp="1"/>
+          </p:cNvSpPr>
+          <p:nvPr>
+            <p:ph type="title"/>
+          </p:nvPr>
+        </p:nvSpPr>
+        <p:spPr/>
+        <p:txBody>
+          <a:bodyPr/>
+          <a:lstStyle/>
+          <a:p>
+            <a:r>
+              <a:rPr lang="en-US" altLang="zh-CN" dirty="0" err="1"/>
+              <a:t>Perceptrons</a:t>
+            </a:r>
+            <a:endParaRPr lang="zh-CN" altLang="en-US" dirty="0"/>
+          </a:p>
+        </p:txBody>
+      </p:sp>
+      <p:pic>
+        <p:nvPicPr>
+          <p:cNvPr id="4" name="图片 3">
+            <a:extLst>
+              <a:ext uri="{FF2B5EF4-FFF2-40B4-BE49-F238E27FC236}">
+                <a16:creationId xmlns:a16="http://schemas.microsoft.com/office/drawing/2014/main" id="{32776240-DA65-4842-8E8D-00EB9164E490}"/>
+              </a:ext>
+            </a:extLst>
+          </p:cNvPr>
+          <p:cNvPicPr>
+            <a:picLocks noChangeAspect="1"/>
+          </p:cNvPicPr>
+          <p:nvPr/>
+        </p:nvPicPr>
+        <p:blipFill>
+          <a:blip r:embed="rId2"/>
+          <a:stretch>
+            <a:fillRect/>
+          </a:stretch>
+        </p:blipFill>
+        <p:spPr>
+          <a:xfrm>
+            <a:off x="856957" y="1510748"/>
+            <a:ext cx="8388034" cy="4713900"/>
+          </a:xfrm>
+          <a:prstGeom prst="rect">
+            <a:avLst/>
+          </a:prstGeom>
+        </p:spPr>
+      </p:pic>
+    </p:spTree>
+    <p:extLst>
+      <p:ext uri="{BB962C8B-B14F-4D97-AF65-F5344CB8AC3E}">
+        <p14:creationId xmlns:p14="http://schemas.microsoft.com/office/powerpoint/2010/main" val="1349458951"/>
+      </p:ext>
+    </p:extLst>
+  </p:cSld>
+  <p:clrMapOvr>
+    <a:masterClrMapping/>
+  </p:clrMapOvr>
+</p:sld>
+</file>
+
 <file path=ppt/slides/slide2.xml><?xml version="1.0" encoding="utf-8"?>
 <p:sld xmlns:a="http://schemas.openxmlformats.org/drawingml/2006/main" xmlns:r="http://schemas.openxmlformats.org/officeDocument/2006/relationships" xmlns:p="http://schemas.openxmlformats.org/presentationml/2006/main">
   <p:cSld>
@@ -1364,16 +1702,15 @@
           </a:p>
           <a:p>
             <a:r>
-              <a:rPr lang="en-US" altLang="zh-CN" dirty="0" smtClean="0"/>
+              <a:rPr lang="en-US" altLang="zh-CN" dirty="0"/>
               <a:t>IDIL</a:t>
             </a:r>
           </a:p>
           <a:p>
             <a:r>
-              <a:rPr lang="zh-CN" altLang="en-US" dirty="0" smtClean="0"/>
+              <a:rPr lang="zh-CN" altLang="en-US" dirty="0"/>
               <a:t>深圳艾孚光电</a:t>
             </a:r>
-            <a:endParaRPr lang="zh-CN" altLang="en-US" dirty="0"/>
           </a:p>
         </p:txBody>
       </p:sp>
@@ -3113,43 +3450,31 @@
             </a:r>
             <a:r>
               <a:rPr lang="en-US" altLang="zh-CN" dirty="0"/>
-              <a:t>), graded </a:t>
-            </a:r>
-            <a:r>
-              <a:rPr lang="en-US" altLang="zh-CN" dirty="0" smtClean="0"/>
-              <a:t>index(</a:t>
-            </a:r>
-            <a:r>
-              <a:rPr lang="zh-CN" altLang="en-US" dirty="0" smtClean="0"/>
+              <a:t>), graded index(</a:t>
+            </a:r>
+            <a:r>
+              <a:rPr lang="zh-CN" altLang="en-US" dirty="0"/>
               <a:t>折射率渐变</a:t>
             </a:r>
             <a:r>
-              <a:rPr lang="en-US" altLang="zh-CN" dirty="0" smtClean="0"/>
+              <a:rPr lang="en-US" altLang="zh-CN" dirty="0"/>
               <a:t>), cleave(</a:t>
             </a:r>
             <a:r>
-              <a:rPr lang="zh-CN" altLang="en-US" dirty="0" smtClean="0"/>
+              <a:rPr lang="zh-CN" altLang="en-US" dirty="0"/>
               <a:t>劈开</a:t>
             </a:r>
             <a:r>
-              <a:rPr lang="en-US" altLang="zh-CN" dirty="0" smtClean="0"/>
+              <a:rPr lang="en-US" altLang="zh-CN" dirty="0"/>
               <a:t>), splice (</a:t>
             </a:r>
             <a:r>
-              <a:rPr lang="zh-CN" altLang="en-US" dirty="0" smtClean="0"/>
+              <a:rPr lang="zh-CN" altLang="en-US" dirty="0"/>
               <a:t>拼接</a:t>
             </a:r>
             <a:r>
-              <a:rPr lang="en-US" altLang="zh-CN" dirty="0" smtClean="0"/>
-              <a:t>) </a:t>
-            </a:r>
-            <a:r>
               <a:rPr lang="en-US" altLang="zh-CN" dirty="0"/>
-              <a:t>and others</a:t>
-            </a:r>
-            <a:r>
-              <a:rPr lang="en-US" altLang="zh-CN" dirty="0" smtClean="0"/>
-              <a:t>.</a:t>
+              <a:t>) and others.</a:t>
             </a:r>
             <a:endParaRPr lang="zh-CN" altLang="en-US" dirty="0"/>
           </a:p>

--- a/20191009 - topic.pptx
+++ b/20191009 - topic.pptx
@@ -4,6 +4,9 @@
   <p:sldMasterIdLst>
     <p:sldMasterId id="2147483648" r:id="rId1"/>
   </p:sldMasterIdLst>
+  <p:notesMasterIdLst>
+    <p:notesMasterId r:id="rId19"/>
+  </p:notesMasterIdLst>
   <p:sldIdLst>
     <p:sldId id="256" r:id="rId2"/>
     <p:sldId id="257" r:id="rId3"/>
@@ -18,6 +21,10 @@
     <p:sldId id="267" r:id="rId12"/>
     <p:sldId id="268" r:id="rId13"/>
     <p:sldId id="269" r:id="rId14"/>
+    <p:sldId id="270" r:id="rId15"/>
+    <p:sldId id="271" r:id="rId16"/>
+    <p:sldId id="272" r:id="rId17"/>
+    <p:sldId id="273" r:id="rId18"/>
   </p:sldIdLst>
   <p:sldSz cx="12192000" cy="6858000"/>
   <p:notesSz cx="6858000" cy="9144000"/>
@@ -122,6 +129,439 @@
     </p:ext>
   </p:extLst>
 </p:presentation>
+</file>
+
+<file path=ppt/notesMasters/notesMaster1.xml><?xml version="1.0" encoding="utf-8"?>
+<p:notesMaster xmlns:a="http://schemas.openxmlformats.org/drawingml/2006/main" xmlns:r="http://schemas.openxmlformats.org/officeDocument/2006/relationships" xmlns:p="http://schemas.openxmlformats.org/presentationml/2006/main">
+  <p:cSld>
+    <p:bg>
+      <p:bgRef idx="1001">
+        <a:schemeClr val="bg1"/>
+      </p:bgRef>
+    </p:bg>
+    <p:spTree>
+      <p:nvGrpSpPr>
+        <p:cNvPr id="1" name=""/>
+        <p:cNvGrpSpPr/>
+        <p:nvPr/>
+      </p:nvGrpSpPr>
+      <p:grpSpPr>
+        <a:xfrm>
+          <a:off x="0" y="0"/>
+          <a:ext cx="0" cy="0"/>
+          <a:chOff x="0" y="0"/>
+          <a:chExt cx="0" cy="0"/>
+        </a:xfrm>
+      </p:grpSpPr>
+      <p:sp>
+        <p:nvSpPr>
+          <p:cNvPr id="2" name="页眉占位符 1"/>
+          <p:cNvSpPr>
+            <a:spLocks noGrp="1"/>
+          </p:cNvSpPr>
+          <p:nvPr>
+            <p:ph type="hdr" sz="quarter"/>
+          </p:nvPr>
+        </p:nvSpPr>
+        <p:spPr>
+          <a:xfrm>
+            <a:off x="0" y="0"/>
+            <a:ext cx="2971800" cy="458788"/>
+          </a:xfrm>
+          <a:prstGeom prst="rect">
+            <a:avLst/>
+          </a:prstGeom>
+        </p:spPr>
+        <p:txBody>
+          <a:bodyPr vert="horz" lIns="91440" tIns="45720" rIns="91440" bIns="45720" rtlCol="0"/>
+          <a:lstStyle>
+            <a:lvl1pPr algn="l">
+              <a:defRPr sz="1200"/>
+            </a:lvl1pPr>
+          </a:lstStyle>
+          <a:p>
+            <a:endParaRPr lang="zh-CN" altLang="en-US"/>
+          </a:p>
+        </p:txBody>
+      </p:sp>
+      <p:sp>
+        <p:nvSpPr>
+          <p:cNvPr id="3" name="日期占位符 2"/>
+          <p:cNvSpPr>
+            <a:spLocks noGrp="1"/>
+          </p:cNvSpPr>
+          <p:nvPr>
+            <p:ph type="dt" idx="1"/>
+          </p:nvPr>
+        </p:nvSpPr>
+        <p:spPr>
+          <a:xfrm>
+            <a:off x="3884613" y="0"/>
+            <a:ext cx="2971800" cy="458788"/>
+          </a:xfrm>
+          <a:prstGeom prst="rect">
+            <a:avLst/>
+          </a:prstGeom>
+        </p:spPr>
+        <p:txBody>
+          <a:bodyPr vert="horz" lIns="91440" tIns="45720" rIns="91440" bIns="45720" rtlCol="0"/>
+          <a:lstStyle>
+            <a:lvl1pPr algn="r">
+              <a:defRPr sz="1200"/>
+            </a:lvl1pPr>
+          </a:lstStyle>
+          <a:p>
+            <a:fld id="{BB820BFD-C71F-40CB-931B-FC7E5FAABDB3}" type="datetimeFigureOut">
+              <a:rPr lang="zh-CN" altLang="en-US" smtClean="0"/>
+              <a:t>2019/10/10</a:t>
+            </a:fld>
+            <a:endParaRPr lang="zh-CN" altLang="en-US"/>
+          </a:p>
+        </p:txBody>
+      </p:sp>
+      <p:sp>
+        <p:nvSpPr>
+          <p:cNvPr id="4" name="幻灯片图像占位符 3"/>
+          <p:cNvSpPr>
+            <a:spLocks noGrp="1" noRot="1" noChangeAspect="1"/>
+          </p:cNvSpPr>
+          <p:nvPr>
+            <p:ph type="sldImg" idx="2"/>
+          </p:nvPr>
+        </p:nvSpPr>
+        <p:spPr>
+          <a:xfrm>
+            <a:off x="685800" y="1143000"/>
+            <a:ext cx="5486400" cy="3086100"/>
+          </a:xfrm>
+          <a:prstGeom prst="rect">
+            <a:avLst/>
+          </a:prstGeom>
+          <a:noFill/>
+          <a:ln w="12700">
+            <a:solidFill>
+              <a:prstClr val="black"/>
+            </a:solidFill>
+          </a:ln>
+        </p:spPr>
+        <p:txBody>
+          <a:bodyPr vert="horz" lIns="91440" tIns="45720" rIns="91440" bIns="45720" rtlCol="0" anchor="ctr"/>
+          <a:lstStyle/>
+          <a:p>
+            <a:endParaRPr lang="zh-CN" altLang="en-US"/>
+          </a:p>
+        </p:txBody>
+      </p:sp>
+      <p:sp>
+        <p:nvSpPr>
+          <p:cNvPr id="5" name="备注占位符 4"/>
+          <p:cNvSpPr>
+            <a:spLocks noGrp="1"/>
+          </p:cNvSpPr>
+          <p:nvPr>
+            <p:ph type="body" sz="quarter" idx="3"/>
+          </p:nvPr>
+        </p:nvSpPr>
+        <p:spPr>
+          <a:xfrm>
+            <a:off x="685800" y="4400550"/>
+            <a:ext cx="5486400" cy="3600450"/>
+          </a:xfrm>
+          <a:prstGeom prst="rect">
+            <a:avLst/>
+          </a:prstGeom>
+        </p:spPr>
+        <p:txBody>
+          <a:bodyPr vert="horz" lIns="91440" tIns="45720" rIns="91440" bIns="45720" rtlCol="0"/>
+          <a:lstStyle/>
+          <a:p>
+            <a:pPr lvl="0"/>
+            <a:r>
+              <a:rPr lang="zh-CN" altLang="en-US"/>
+              <a:t>单击此处编辑母版文本样式</a:t>
+            </a:r>
+          </a:p>
+          <a:p>
+            <a:pPr lvl="1"/>
+            <a:r>
+              <a:rPr lang="zh-CN" altLang="en-US"/>
+              <a:t>二级</a:t>
+            </a:r>
+          </a:p>
+          <a:p>
+            <a:pPr lvl="2"/>
+            <a:r>
+              <a:rPr lang="zh-CN" altLang="en-US"/>
+              <a:t>三级</a:t>
+            </a:r>
+          </a:p>
+          <a:p>
+            <a:pPr lvl="3"/>
+            <a:r>
+              <a:rPr lang="zh-CN" altLang="en-US"/>
+              <a:t>四级</a:t>
+            </a:r>
+          </a:p>
+          <a:p>
+            <a:pPr lvl="4"/>
+            <a:r>
+              <a:rPr lang="zh-CN" altLang="en-US"/>
+              <a:t>五级</a:t>
+            </a:r>
+          </a:p>
+        </p:txBody>
+      </p:sp>
+      <p:sp>
+        <p:nvSpPr>
+          <p:cNvPr id="6" name="页脚占位符 5"/>
+          <p:cNvSpPr>
+            <a:spLocks noGrp="1"/>
+          </p:cNvSpPr>
+          <p:nvPr>
+            <p:ph type="ftr" sz="quarter" idx="4"/>
+          </p:nvPr>
+        </p:nvSpPr>
+        <p:spPr>
+          <a:xfrm>
+            <a:off x="0" y="8685213"/>
+            <a:ext cx="2971800" cy="458787"/>
+          </a:xfrm>
+          <a:prstGeom prst="rect">
+            <a:avLst/>
+          </a:prstGeom>
+        </p:spPr>
+        <p:txBody>
+          <a:bodyPr vert="horz" lIns="91440" tIns="45720" rIns="91440" bIns="45720" rtlCol="0" anchor="b"/>
+          <a:lstStyle>
+            <a:lvl1pPr algn="l">
+              <a:defRPr sz="1200"/>
+            </a:lvl1pPr>
+          </a:lstStyle>
+          <a:p>
+            <a:endParaRPr lang="zh-CN" altLang="en-US"/>
+          </a:p>
+        </p:txBody>
+      </p:sp>
+      <p:sp>
+        <p:nvSpPr>
+          <p:cNvPr id="7" name="灯片编号占位符 6"/>
+          <p:cNvSpPr>
+            <a:spLocks noGrp="1"/>
+          </p:cNvSpPr>
+          <p:nvPr>
+            <p:ph type="sldNum" sz="quarter" idx="5"/>
+          </p:nvPr>
+        </p:nvSpPr>
+        <p:spPr>
+          <a:xfrm>
+            <a:off x="3884613" y="8685213"/>
+            <a:ext cx="2971800" cy="458787"/>
+          </a:xfrm>
+          <a:prstGeom prst="rect">
+            <a:avLst/>
+          </a:prstGeom>
+        </p:spPr>
+        <p:txBody>
+          <a:bodyPr vert="horz" lIns="91440" tIns="45720" rIns="91440" bIns="45720" rtlCol="0" anchor="b"/>
+          <a:lstStyle>
+            <a:lvl1pPr algn="r">
+              <a:defRPr sz="1200"/>
+            </a:lvl1pPr>
+          </a:lstStyle>
+          <a:p>
+            <a:fld id="{973189DF-3124-4FD1-B088-03E83B82E1DE}" type="slidenum">
+              <a:rPr lang="zh-CN" altLang="en-US" smtClean="0"/>
+              <a:t>‹#›</a:t>
+            </a:fld>
+            <a:endParaRPr lang="zh-CN" altLang="en-US"/>
+          </a:p>
+        </p:txBody>
+      </p:sp>
+    </p:spTree>
+    <p:extLst>
+      <p:ext uri="{BB962C8B-B14F-4D97-AF65-F5344CB8AC3E}">
+        <p14:creationId xmlns:p14="http://schemas.microsoft.com/office/powerpoint/2010/main" val="492201681"/>
+      </p:ext>
+    </p:extLst>
+  </p:cSld>
+  <p:clrMap bg1="lt1" tx1="dk1" bg2="lt2" tx2="dk2" accent1="accent1" accent2="accent2" accent3="accent3" accent4="accent4" accent5="accent5" accent6="accent6" hlink="hlink" folHlink="folHlink"/>
+  <p:notesStyle>
+    <a:lvl1pPr marL="0" algn="l" defTabSz="914400" rtl="0" eaLnBrk="1" latinLnBrk="0" hangingPunct="1">
+      <a:defRPr sz="1200" kern="1200">
+        <a:solidFill>
+          <a:schemeClr val="tx1"/>
+        </a:solidFill>
+        <a:latin typeface="+mn-lt"/>
+        <a:ea typeface="+mn-ea"/>
+        <a:cs typeface="+mn-cs"/>
+      </a:defRPr>
+    </a:lvl1pPr>
+    <a:lvl2pPr marL="457200" algn="l" defTabSz="914400" rtl="0" eaLnBrk="1" latinLnBrk="0" hangingPunct="1">
+      <a:defRPr sz="1200" kern="1200">
+        <a:solidFill>
+          <a:schemeClr val="tx1"/>
+        </a:solidFill>
+        <a:latin typeface="+mn-lt"/>
+        <a:ea typeface="+mn-ea"/>
+        <a:cs typeface="+mn-cs"/>
+      </a:defRPr>
+    </a:lvl2pPr>
+    <a:lvl3pPr marL="914400" algn="l" defTabSz="914400" rtl="0" eaLnBrk="1" latinLnBrk="0" hangingPunct="1">
+      <a:defRPr sz="1200" kern="1200">
+        <a:solidFill>
+          <a:schemeClr val="tx1"/>
+        </a:solidFill>
+        <a:latin typeface="+mn-lt"/>
+        <a:ea typeface="+mn-ea"/>
+        <a:cs typeface="+mn-cs"/>
+      </a:defRPr>
+    </a:lvl3pPr>
+    <a:lvl4pPr marL="1371600" algn="l" defTabSz="914400" rtl="0" eaLnBrk="1" latinLnBrk="0" hangingPunct="1">
+      <a:defRPr sz="1200" kern="1200">
+        <a:solidFill>
+          <a:schemeClr val="tx1"/>
+        </a:solidFill>
+        <a:latin typeface="+mn-lt"/>
+        <a:ea typeface="+mn-ea"/>
+        <a:cs typeface="+mn-cs"/>
+      </a:defRPr>
+    </a:lvl4pPr>
+    <a:lvl5pPr marL="1828800" algn="l" defTabSz="914400" rtl="0" eaLnBrk="1" latinLnBrk="0" hangingPunct="1">
+      <a:defRPr sz="1200" kern="1200">
+        <a:solidFill>
+          <a:schemeClr val="tx1"/>
+        </a:solidFill>
+        <a:latin typeface="+mn-lt"/>
+        <a:ea typeface="+mn-ea"/>
+        <a:cs typeface="+mn-cs"/>
+      </a:defRPr>
+    </a:lvl5pPr>
+    <a:lvl6pPr marL="2286000" algn="l" defTabSz="914400" rtl="0" eaLnBrk="1" latinLnBrk="0" hangingPunct="1">
+      <a:defRPr sz="1200" kern="1200">
+        <a:solidFill>
+          <a:schemeClr val="tx1"/>
+        </a:solidFill>
+        <a:latin typeface="+mn-lt"/>
+        <a:ea typeface="+mn-ea"/>
+        <a:cs typeface="+mn-cs"/>
+      </a:defRPr>
+    </a:lvl6pPr>
+    <a:lvl7pPr marL="2743200" algn="l" defTabSz="914400" rtl="0" eaLnBrk="1" latinLnBrk="0" hangingPunct="1">
+      <a:defRPr sz="1200" kern="1200">
+        <a:solidFill>
+          <a:schemeClr val="tx1"/>
+        </a:solidFill>
+        <a:latin typeface="+mn-lt"/>
+        <a:ea typeface="+mn-ea"/>
+        <a:cs typeface="+mn-cs"/>
+      </a:defRPr>
+    </a:lvl7pPr>
+    <a:lvl8pPr marL="3200400" algn="l" defTabSz="914400" rtl="0" eaLnBrk="1" latinLnBrk="0" hangingPunct="1">
+      <a:defRPr sz="1200" kern="1200">
+        <a:solidFill>
+          <a:schemeClr val="tx1"/>
+        </a:solidFill>
+        <a:latin typeface="+mn-lt"/>
+        <a:ea typeface="+mn-ea"/>
+        <a:cs typeface="+mn-cs"/>
+      </a:defRPr>
+    </a:lvl8pPr>
+    <a:lvl9pPr marL="3657600" algn="l" defTabSz="914400" rtl="0" eaLnBrk="1" latinLnBrk="0" hangingPunct="1">
+      <a:defRPr sz="1200" kern="1200">
+        <a:solidFill>
+          <a:schemeClr val="tx1"/>
+        </a:solidFill>
+        <a:latin typeface="+mn-lt"/>
+        <a:ea typeface="+mn-ea"/>
+        <a:cs typeface="+mn-cs"/>
+      </a:defRPr>
+    </a:lvl9pPr>
+  </p:notesStyle>
+</p:notesMaster>
+</file>
+
+<file path=ppt/notesSlides/notesSlide1.xml><?xml version="1.0" encoding="utf-8"?>
+<p:notes xmlns:a="http://schemas.openxmlformats.org/drawingml/2006/main" xmlns:r="http://schemas.openxmlformats.org/officeDocument/2006/relationships" xmlns:p="http://schemas.openxmlformats.org/presentationml/2006/main">
+  <p:cSld>
+    <p:spTree>
+      <p:nvGrpSpPr>
+        <p:cNvPr id="1" name=""/>
+        <p:cNvGrpSpPr/>
+        <p:nvPr/>
+      </p:nvGrpSpPr>
+      <p:grpSpPr>
+        <a:xfrm>
+          <a:off x="0" y="0"/>
+          <a:ext cx="0" cy="0"/>
+          <a:chOff x="0" y="0"/>
+          <a:chExt cx="0" cy="0"/>
+        </a:xfrm>
+      </p:grpSpPr>
+      <p:sp>
+        <p:nvSpPr>
+          <p:cNvPr id="2" name="幻灯片图像占位符 1"/>
+          <p:cNvSpPr>
+            <a:spLocks noGrp="1" noRot="1" noChangeAspect="1"/>
+          </p:cNvSpPr>
+          <p:nvPr>
+            <p:ph type="sldImg"/>
+          </p:nvPr>
+        </p:nvSpPr>
+        <p:spPr/>
+      </p:sp>
+      <p:sp>
+        <p:nvSpPr>
+          <p:cNvPr id="3" name="备注占位符 2"/>
+          <p:cNvSpPr>
+            <a:spLocks noGrp="1"/>
+          </p:cNvSpPr>
+          <p:nvPr>
+            <p:ph type="body" idx="1"/>
+          </p:nvPr>
+        </p:nvSpPr>
+        <p:spPr/>
+        <p:txBody>
+          <a:bodyPr/>
+          <a:lstStyle/>
+          <a:p>
+            <a:endParaRPr lang="zh-CN" altLang="en-US" dirty="0"/>
+          </a:p>
+        </p:txBody>
+      </p:sp>
+      <p:sp>
+        <p:nvSpPr>
+          <p:cNvPr id="4" name="灯片编号占位符 3"/>
+          <p:cNvSpPr>
+            <a:spLocks noGrp="1"/>
+          </p:cNvSpPr>
+          <p:nvPr>
+            <p:ph type="sldNum" sz="quarter" idx="5"/>
+          </p:nvPr>
+        </p:nvSpPr>
+        <p:spPr/>
+        <p:txBody>
+          <a:bodyPr/>
+          <a:lstStyle/>
+          <a:p>
+            <a:fld id="{973189DF-3124-4FD1-B088-03E83B82E1DE}" type="slidenum">
+              <a:rPr lang="zh-CN" altLang="en-US" smtClean="0"/>
+              <a:t>17</a:t>
+            </a:fld>
+            <a:endParaRPr lang="zh-CN" altLang="en-US"/>
+          </a:p>
+        </p:txBody>
+      </p:sp>
+    </p:spTree>
+    <p:extLst>
+      <p:ext uri="{BB962C8B-B14F-4D97-AF65-F5344CB8AC3E}">
+        <p14:creationId xmlns:p14="http://schemas.microsoft.com/office/powerpoint/2010/main" val="2734792958"/>
+      </p:ext>
+    </p:extLst>
+  </p:cSld>
+  <p:clrMapOvr>
+    <a:masterClrMapping/>
+  </p:clrMapOvr>
+</p:notes>
 </file>
 
 <file path=ppt/slideLayouts/slideLayout1.xml><?xml version="1.0" encoding="utf-8"?>
@@ -1620,6 +2060,878 @@
     <p:extLst>
       <p:ext uri="{BB962C8B-B14F-4D97-AF65-F5344CB8AC3E}">
         <p14:creationId xmlns:p14="http://schemas.microsoft.com/office/powerpoint/2010/main" val="1349458951"/>
+      </p:ext>
+    </p:extLst>
+  </p:cSld>
+  <p:clrMapOvr>
+    <a:masterClrMapping/>
+  </p:clrMapOvr>
+</p:sld>
+</file>
+
+<file path=ppt/slides/slide14.xml><?xml version="1.0" encoding="utf-8"?>
+<p:sld xmlns:a="http://schemas.openxmlformats.org/drawingml/2006/main" xmlns:r="http://schemas.openxmlformats.org/officeDocument/2006/relationships" xmlns:p="http://schemas.openxmlformats.org/presentationml/2006/main">
+  <p:cSld>
+    <p:spTree>
+      <p:nvGrpSpPr>
+        <p:cNvPr id="1" name=""/>
+        <p:cNvGrpSpPr/>
+        <p:nvPr/>
+      </p:nvGrpSpPr>
+      <p:grpSpPr>
+        <a:xfrm>
+          <a:off x="0" y="0"/>
+          <a:ext cx="0" cy="0"/>
+          <a:chOff x="0" y="0"/>
+          <a:chExt cx="0" cy="0"/>
+        </a:xfrm>
+      </p:grpSpPr>
+      <p:sp>
+        <p:nvSpPr>
+          <p:cNvPr id="2" name="内容占位符 1">
+            <a:extLst>
+              <a:ext uri="{FF2B5EF4-FFF2-40B4-BE49-F238E27FC236}">
+                <a16:creationId xmlns:a16="http://schemas.microsoft.com/office/drawing/2014/main" id="{84FBF3BC-D5EB-41AB-8E77-FE6B2405C1F9}"/>
+              </a:ext>
+            </a:extLst>
+          </p:cNvPr>
+          <p:cNvSpPr>
+            <a:spLocks noGrp="1"/>
+          </p:cNvSpPr>
+          <p:nvPr>
+            <p:ph idx="1"/>
+          </p:nvPr>
+        </p:nvSpPr>
+        <p:spPr/>
+        <p:txBody>
+          <a:bodyPr/>
+          <a:lstStyle/>
+          <a:p>
+            <a:endParaRPr lang="en-US" altLang="zh-CN" dirty="0"/>
+          </a:p>
+          <a:p>
+            <a:r>
+              <a:rPr lang="en-US" altLang="zh-CN" dirty="0"/>
+              <a:t>input vector: 30000 – 200000</a:t>
+            </a:r>
+          </a:p>
+          <a:p>
+            <a:r>
+              <a:rPr lang="en-US" altLang="zh-CN" dirty="0"/>
+              <a:t>size of hidden layer: 30 – 500</a:t>
+            </a:r>
+          </a:p>
+          <a:p>
+            <a:r>
+              <a:rPr lang="en-US" altLang="zh-CN" dirty="0"/>
+              <a:t>starting learning rate: 0.1</a:t>
+            </a:r>
+            <a:endParaRPr lang="zh-CN" altLang="en-US" dirty="0"/>
+          </a:p>
+        </p:txBody>
+      </p:sp>
+      <p:sp>
+        <p:nvSpPr>
+          <p:cNvPr id="3" name="标题 2">
+            <a:extLst>
+              <a:ext uri="{FF2B5EF4-FFF2-40B4-BE49-F238E27FC236}">
+                <a16:creationId xmlns:a16="http://schemas.microsoft.com/office/drawing/2014/main" id="{699ACCD2-F319-4164-A8A2-2522CCD61EA7}"/>
+              </a:ext>
+            </a:extLst>
+          </p:cNvPr>
+          <p:cNvSpPr>
+            <a:spLocks noGrp="1"/>
+          </p:cNvSpPr>
+          <p:nvPr>
+            <p:ph type="title"/>
+          </p:nvPr>
+        </p:nvSpPr>
+        <p:spPr/>
+        <p:txBody>
+          <a:bodyPr>
+            <a:noAutofit/>
+          </a:bodyPr>
+          <a:lstStyle/>
+          <a:p>
+            <a:r>
+              <a:rPr lang="en-US" altLang="zh-CN" sz="2800" dirty="0"/>
+              <a:t>Recurrent neural network based language model</a:t>
+            </a:r>
+            <a:endParaRPr lang="zh-CN" altLang="en-US" sz="2800" dirty="0"/>
+          </a:p>
+        </p:txBody>
+      </p:sp>
+      <p:sp>
+        <p:nvSpPr>
+          <p:cNvPr id="4" name="文本框 3">
+            <a:extLst>
+              <a:ext uri="{FF2B5EF4-FFF2-40B4-BE49-F238E27FC236}">
+                <a16:creationId xmlns:a16="http://schemas.microsoft.com/office/drawing/2014/main" id="{808E790B-A98A-43E5-BFA7-AD5596C74B1F}"/>
+              </a:ext>
+            </a:extLst>
+          </p:cNvPr>
+          <p:cNvSpPr txBox="1"/>
+          <p:nvPr/>
+        </p:nvSpPr>
+        <p:spPr>
+          <a:xfrm>
+            <a:off x="2588822" y="6544068"/>
+            <a:ext cx="7014356" cy="313932"/>
+          </a:xfrm>
+          <a:prstGeom prst="rect">
+            <a:avLst/>
+          </a:prstGeom>
+          <a:noFill/>
+        </p:spPr>
+        <p:txBody>
+          <a:bodyPr wrap="none" rtlCol="0">
+            <a:spAutoFit/>
+          </a:bodyPr>
+          <a:lstStyle/>
+          <a:p>
+            <a:pPr>
+              <a:lnSpc>
+                <a:spcPct val="90000"/>
+              </a:lnSpc>
+              <a:spcBef>
+                <a:spcPts val="1000"/>
+              </a:spcBef>
+            </a:pPr>
+            <a:r>
+              <a:rPr lang="en-US" altLang="zh-CN" sz="1600" dirty="0">
+                <a:latin typeface="微软雅黑" panose="020B0503020204020204" pitchFamily="34" charset="-122"/>
+                <a:ea typeface="微软雅黑" panose="020B0503020204020204" pitchFamily="34" charset="-122"/>
+              </a:rPr>
+              <a:t>https://www.isca-speech.org/archive/interspeech_2010/i10_1045.html</a:t>
+            </a:r>
+            <a:endParaRPr lang="zh-CN" altLang="en-US" sz="1600" dirty="0">
+              <a:latin typeface="微软雅黑" panose="020B0503020204020204" pitchFamily="34" charset="-122"/>
+              <a:ea typeface="微软雅黑" panose="020B0503020204020204" pitchFamily="34" charset="-122"/>
+            </a:endParaRPr>
+          </a:p>
+        </p:txBody>
+      </p:sp>
+    </p:spTree>
+    <p:extLst>
+      <p:ext uri="{BB962C8B-B14F-4D97-AF65-F5344CB8AC3E}">
+        <p14:creationId xmlns:p14="http://schemas.microsoft.com/office/powerpoint/2010/main" val="579162120"/>
+      </p:ext>
+    </p:extLst>
+  </p:cSld>
+  <p:clrMapOvr>
+    <a:masterClrMapping/>
+  </p:clrMapOvr>
+</p:sld>
+</file>
+
+<file path=ppt/slides/slide15.xml><?xml version="1.0" encoding="utf-8"?>
+<p:sld xmlns:a="http://schemas.openxmlformats.org/drawingml/2006/main" xmlns:r="http://schemas.openxmlformats.org/officeDocument/2006/relationships" xmlns:p="http://schemas.openxmlformats.org/presentationml/2006/main">
+  <p:cSld>
+    <p:spTree>
+      <p:nvGrpSpPr>
+        <p:cNvPr id="1" name=""/>
+        <p:cNvGrpSpPr/>
+        <p:nvPr/>
+      </p:nvGrpSpPr>
+      <p:grpSpPr>
+        <a:xfrm>
+          <a:off x="0" y="0"/>
+          <a:ext cx="0" cy="0"/>
+          <a:chOff x="0" y="0"/>
+          <a:chExt cx="0" cy="0"/>
+        </a:xfrm>
+      </p:grpSpPr>
+      <p:sp>
+        <p:nvSpPr>
+          <p:cNvPr id="3" name="标题 2">
+            <a:extLst>
+              <a:ext uri="{FF2B5EF4-FFF2-40B4-BE49-F238E27FC236}">
+                <a16:creationId xmlns:a16="http://schemas.microsoft.com/office/drawing/2014/main" id="{F622A923-6CA7-4078-A97A-D83E193ED7CD}"/>
+              </a:ext>
+            </a:extLst>
+          </p:cNvPr>
+          <p:cNvSpPr>
+            <a:spLocks noGrp="1"/>
+          </p:cNvSpPr>
+          <p:nvPr>
+            <p:ph type="title"/>
+          </p:nvPr>
+        </p:nvSpPr>
+        <p:spPr/>
+        <p:txBody>
+          <a:bodyPr>
+            <a:noAutofit/>
+          </a:bodyPr>
+          <a:lstStyle/>
+          <a:p>
+            <a:r>
+              <a:rPr lang="en-US" altLang="zh-CN" sz="2800" dirty="0"/>
+              <a:t>Long Short-Term Memory Recurrent Neural Network Architectures for Large Scale Acoustic Modeling </a:t>
+            </a:r>
+            <a:endParaRPr lang="zh-CN" altLang="en-US" sz="2800" dirty="0"/>
+          </a:p>
+        </p:txBody>
+      </p:sp>
+      <p:pic>
+        <p:nvPicPr>
+          <p:cNvPr id="4" name="图片 3">
+            <a:extLst>
+              <a:ext uri="{FF2B5EF4-FFF2-40B4-BE49-F238E27FC236}">
+                <a16:creationId xmlns:a16="http://schemas.microsoft.com/office/drawing/2014/main" id="{DBAE6140-878C-4E12-A08F-5AB03E780642}"/>
+              </a:ext>
+            </a:extLst>
+          </p:cNvPr>
+          <p:cNvPicPr>
+            <a:picLocks noChangeAspect="1"/>
+          </p:cNvPicPr>
+          <p:nvPr/>
+        </p:nvPicPr>
+        <p:blipFill>
+          <a:blip r:embed="rId2"/>
+          <a:stretch>
+            <a:fillRect/>
+          </a:stretch>
+        </p:blipFill>
+        <p:spPr>
+          <a:xfrm>
+            <a:off x="1427387" y="1858210"/>
+            <a:ext cx="3797755" cy="2675691"/>
+          </a:xfrm>
+          <a:prstGeom prst="rect">
+            <a:avLst/>
+          </a:prstGeom>
+        </p:spPr>
+      </p:pic>
+      <p:sp>
+        <p:nvSpPr>
+          <p:cNvPr id="5" name="文本框 4">
+            <a:extLst>
+              <a:ext uri="{FF2B5EF4-FFF2-40B4-BE49-F238E27FC236}">
+                <a16:creationId xmlns:a16="http://schemas.microsoft.com/office/drawing/2014/main" id="{BBDF38DE-8A12-4668-83DA-5949753B5621}"/>
+              </a:ext>
+            </a:extLst>
+          </p:cNvPr>
+          <p:cNvSpPr txBox="1"/>
+          <p:nvPr/>
+        </p:nvSpPr>
+        <p:spPr>
+          <a:xfrm>
+            <a:off x="6388915" y="5204298"/>
+            <a:ext cx="4964885" cy="1179810"/>
+          </a:xfrm>
+          <a:prstGeom prst="rect">
+            <a:avLst/>
+          </a:prstGeom>
+          <a:noFill/>
+        </p:spPr>
+        <p:txBody>
+          <a:bodyPr wrap="none" rtlCol="0">
+            <a:spAutoFit/>
+          </a:bodyPr>
+          <a:lstStyle/>
+          <a:p>
+            <a:pPr algn="l">
+              <a:lnSpc>
+                <a:spcPct val="90000"/>
+              </a:lnSpc>
+              <a:spcBef>
+                <a:spcPts val="1000"/>
+              </a:spcBef>
+            </a:pPr>
+            <a:r>
+              <a:rPr lang="en-US" altLang="zh-CN" sz="2000" dirty="0">
+                <a:latin typeface="微软雅黑" panose="020B0503020204020204" pitchFamily="34" charset="-122"/>
+                <a:ea typeface="微软雅黑" panose="020B0503020204020204" pitchFamily="34" charset="-122"/>
+              </a:rPr>
+              <a:t>C: number of memory cells </a:t>
+            </a:r>
+          </a:p>
+          <a:p>
+            <a:pPr algn="l">
+              <a:lnSpc>
+                <a:spcPct val="90000"/>
+              </a:lnSpc>
+              <a:spcBef>
+                <a:spcPts val="1000"/>
+              </a:spcBef>
+            </a:pPr>
+            <a:r>
+              <a:rPr lang="en-US" altLang="zh-CN" sz="2000" dirty="0">
+                <a:latin typeface="微软雅黑" panose="020B0503020204020204" pitchFamily="34" charset="-122"/>
+                <a:ea typeface="微软雅黑" panose="020B0503020204020204" pitchFamily="34" charset="-122"/>
+              </a:rPr>
+              <a:t>P: number of recurrent projection units</a:t>
+            </a:r>
+          </a:p>
+          <a:p>
+            <a:pPr algn="l">
+              <a:lnSpc>
+                <a:spcPct val="90000"/>
+              </a:lnSpc>
+              <a:spcBef>
+                <a:spcPts val="1000"/>
+              </a:spcBef>
+            </a:pPr>
+            <a:r>
+              <a:rPr lang="en-US" altLang="zh-CN" sz="2000" dirty="0">
+                <a:latin typeface="微软雅黑" panose="020B0503020204020204" pitchFamily="34" charset="-122"/>
+                <a:ea typeface="微软雅黑" panose="020B0503020204020204" pitchFamily="34" charset="-122"/>
+              </a:rPr>
+              <a:t>N: total number of parameters</a:t>
+            </a:r>
+            <a:endParaRPr lang="zh-CN" altLang="en-US" sz="2000" dirty="0">
+              <a:latin typeface="微软雅黑" panose="020B0503020204020204" pitchFamily="34" charset="-122"/>
+              <a:ea typeface="微软雅黑" panose="020B0503020204020204" pitchFamily="34" charset="-122"/>
+            </a:endParaRPr>
+          </a:p>
+        </p:txBody>
+      </p:sp>
+      <p:pic>
+        <p:nvPicPr>
+          <p:cNvPr id="9" name="内容占位符 8">
+            <a:extLst>
+              <a:ext uri="{FF2B5EF4-FFF2-40B4-BE49-F238E27FC236}">
+                <a16:creationId xmlns:a16="http://schemas.microsoft.com/office/drawing/2014/main" id="{758AA9C1-67DF-47A3-AF12-7FB6192C678F}"/>
+              </a:ext>
+            </a:extLst>
+          </p:cNvPr>
+          <p:cNvPicPr>
+            <a:picLocks noGrp="1" noChangeAspect="1"/>
+          </p:cNvPicPr>
+          <p:nvPr>
+            <p:ph idx="1"/>
+          </p:nvPr>
+        </p:nvPicPr>
+        <p:blipFill>
+          <a:blip r:embed="rId3"/>
+          <a:stretch>
+            <a:fillRect/>
+          </a:stretch>
+        </p:blipFill>
+        <p:spPr>
+          <a:xfrm>
+            <a:off x="7206345" y="2088873"/>
+            <a:ext cx="3400425" cy="1419225"/>
+          </a:xfrm>
+          <a:prstGeom prst="rect">
+            <a:avLst/>
+          </a:prstGeom>
+        </p:spPr>
+      </p:pic>
+      <p:sp>
+        <p:nvSpPr>
+          <p:cNvPr id="11" name="文本框 10">
+            <a:extLst>
+              <a:ext uri="{FF2B5EF4-FFF2-40B4-BE49-F238E27FC236}">
+                <a16:creationId xmlns:a16="http://schemas.microsoft.com/office/drawing/2014/main" id="{3CE76E85-966D-43AE-847B-4A5A6D819C62}"/>
+              </a:ext>
+            </a:extLst>
+          </p:cNvPr>
+          <p:cNvSpPr txBox="1"/>
+          <p:nvPr/>
+        </p:nvSpPr>
+        <p:spPr>
+          <a:xfrm>
+            <a:off x="2588822" y="6544068"/>
+            <a:ext cx="7014356" cy="313932"/>
+          </a:xfrm>
+          <a:prstGeom prst="rect">
+            <a:avLst/>
+          </a:prstGeom>
+          <a:noFill/>
+        </p:spPr>
+        <p:txBody>
+          <a:bodyPr wrap="none" rtlCol="0">
+            <a:spAutoFit/>
+          </a:bodyPr>
+          <a:lstStyle/>
+          <a:p>
+            <a:pPr>
+              <a:lnSpc>
+                <a:spcPct val="90000"/>
+              </a:lnSpc>
+              <a:spcBef>
+                <a:spcPts val="1000"/>
+              </a:spcBef>
+            </a:pPr>
+            <a:r>
+              <a:rPr lang="en-US" altLang="zh-CN" sz="1600" dirty="0">
+                <a:latin typeface="微软雅黑" panose="020B0503020204020204" pitchFamily="34" charset="-122"/>
+                <a:ea typeface="微软雅黑" panose="020B0503020204020204" pitchFamily="34" charset="-122"/>
+              </a:rPr>
+              <a:t>https://www.isca-speech.org/archive/interspeech_2014/i14_0338.html</a:t>
+            </a:r>
+            <a:endParaRPr lang="zh-CN" altLang="en-US" sz="1600" dirty="0">
+              <a:latin typeface="微软雅黑" panose="020B0503020204020204" pitchFamily="34" charset="-122"/>
+              <a:ea typeface="微软雅黑" panose="020B0503020204020204" pitchFamily="34" charset="-122"/>
+            </a:endParaRPr>
+          </a:p>
+        </p:txBody>
+      </p:sp>
+      <p:sp>
+        <p:nvSpPr>
+          <p:cNvPr id="12" name="文本框 11">
+            <a:extLst>
+              <a:ext uri="{FF2B5EF4-FFF2-40B4-BE49-F238E27FC236}">
+                <a16:creationId xmlns:a16="http://schemas.microsoft.com/office/drawing/2014/main" id="{A7A219DF-7DFF-426A-90DD-7BCE26B713C0}"/>
+              </a:ext>
+            </a:extLst>
+          </p:cNvPr>
+          <p:cNvSpPr txBox="1"/>
+          <p:nvPr/>
+        </p:nvSpPr>
+        <p:spPr>
+          <a:xfrm>
+            <a:off x="612896" y="4563493"/>
+            <a:ext cx="5483104" cy="313932"/>
+          </a:xfrm>
+          <a:prstGeom prst="rect">
+            <a:avLst/>
+          </a:prstGeom>
+          <a:noFill/>
+        </p:spPr>
+        <p:txBody>
+          <a:bodyPr wrap="none" rtlCol="0">
+            <a:spAutoFit/>
+          </a:bodyPr>
+          <a:lstStyle/>
+          <a:p>
+            <a:pPr>
+              <a:lnSpc>
+                <a:spcPct val="90000"/>
+              </a:lnSpc>
+              <a:spcBef>
+                <a:spcPts val="1000"/>
+              </a:spcBef>
+            </a:pPr>
+            <a:r>
+              <a:rPr lang="en-US" altLang="zh-CN" sz="1600" dirty="0">
+                <a:latin typeface="微软雅黑" panose="020B0503020204020204" pitchFamily="34" charset="-122"/>
+                <a:ea typeface="微软雅黑" panose="020B0503020204020204" pitchFamily="34" charset="-122"/>
+              </a:rPr>
+              <a:t>Experiments with LSTM and </a:t>
+            </a:r>
+            <a:r>
+              <a:rPr lang="en-US" altLang="zh-CN" sz="1600" dirty="0" err="1">
+                <a:latin typeface="微软雅黑" panose="020B0503020204020204" pitchFamily="34" charset="-122"/>
+                <a:ea typeface="微软雅黑" panose="020B0503020204020204" pitchFamily="34" charset="-122"/>
+              </a:rPr>
+              <a:t>LSTMP</a:t>
+            </a:r>
+            <a:r>
+              <a:rPr lang="en-US" altLang="zh-CN" sz="1600" dirty="0">
+                <a:latin typeface="微软雅黑" panose="020B0503020204020204" pitchFamily="34" charset="-122"/>
+                <a:ea typeface="微软雅黑" panose="020B0503020204020204" pitchFamily="34" charset="-122"/>
+              </a:rPr>
+              <a:t> </a:t>
+            </a:r>
+            <a:r>
+              <a:rPr lang="en-US" altLang="zh-CN" sz="1600" dirty="0" err="1">
+                <a:latin typeface="微软雅黑" panose="020B0503020204020204" pitchFamily="34" charset="-122"/>
+                <a:ea typeface="微软雅黑" panose="020B0503020204020204" pitchFamily="34" charset="-122"/>
+              </a:rPr>
+              <a:t>RNN</a:t>
+            </a:r>
+            <a:r>
+              <a:rPr lang="en-US" altLang="zh-CN" sz="1600" dirty="0">
+                <a:latin typeface="微软雅黑" panose="020B0503020204020204" pitchFamily="34" charset="-122"/>
+                <a:ea typeface="微软雅黑" panose="020B0503020204020204" pitchFamily="34" charset="-122"/>
+              </a:rPr>
+              <a:t> architectures</a:t>
+            </a:r>
+            <a:endParaRPr lang="zh-CN" altLang="en-US" sz="1600" dirty="0">
+              <a:latin typeface="微软雅黑" panose="020B0503020204020204" pitchFamily="34" charset="-122"/>
+              <a:ea typeface="微软雅黑" panose="020B0503020204020204" pitchFamily="34" charset="-122"/>
+            </a:endParaRPr>
+          </a:p>
+        </p:txBody>
+      </p:sp>
+      <p:sp>
+        <p:nvSpPr>
+          <p:cNvPr id="13" name="文本框 12">
+            <a:extLst>
+              <a:ext uri="{FF2B5EF4-FFF2-40B4-BE49-F238E27FC236}">
+                <a16:creationId xmlns:a16="http://schemas.microsoft.com/office/drawing/2014/main" id="{54E664C3-47BF-4F04-8C55-B348764143B5}"/>
+              </a:ext>
+            </a:extLst>
+          </p:cNvPr>
+          <p:cNvSpPr txBox="1"/>
+          <p:nvPr/>
+        </p:nvSpPr>
+        <p:spPr>
+          <a:xfrm>
+            <a:off x="6682775" y="3668058"/>
+            <a:ext cx="4447564" cy="313932"/>
+          </a:xfrm>
+          <a:prstGeom prst="rect">
+            <a:avLst/>
+          </a:prstGeom>
+          <a:noFill/>
+        </p:spPr>
+        <p:txBody>
+          <a:bodyPr wrap="none" rtlCol="0">
+            <a:spAutoFit/>
+          </a:bodyPr>
+          <a:lstStyle/>
+          <a:p>
+            <a:pPr>
+              <a:lnSpc>
+                <a:spcPct val="90000"/>
+              </a:lnSpc>
+              <a:spcBef>
+                <a:spcPts val="1000"/>
+              </a:spcBef>
+            </a:pPr>
+            <a:r>
+              <a:rPr lang="en-US" altLang="zh-CN" sz="1600" dirty="0">
+                <a:latin typeface="微软雅黑" panose="020B0503020204020204" pitchFamily="34" charset="-122"/>
+                <a:ea typeface="微软雅黑" panose="020B0503020204020204" pitchFamily="34" charset="-122"/>
+              </a:rPr>
+              <a:t>Experiments with </a:t>
+            </a:r>
+            <a:r>
+              <a:rPr lang="en-US" altLang="zh-CN" sz="1600" dirty="0" err="1">
+                <a:latin typeface="微软雅黑" panose="020B0503020204020204" pitchFamily="34" charset="-122"/>
+                <a:ea typeface="微软雅黑" panose="020B0503020204020204" pitchFamily="34" charset="-122"/>
+              </a:rPr>
+              <a:t>LSTMP</a:t>
+            </a:r>
+            <a:r>
+              <a:rPr lang="en-US" altLang="zh-CN" sz="1600" dirty="0">
+                <a:latin typeface="微软雅黑" panose="020B0503020204020204" pitchFamily="34" charset="-122"/>
+                <a:ea typeface="微软雅黑" panose="020B0503020204020204" pitchFamily="34" charset="-122"/>
+              </a:rPr>
+              <a:t> </a:t>
+            </a:r>
+            <a:r>
+              <a:rPr lang="en-US" altLang="zh-CN" sz="1600" dirty="0" err="1">
+                <a:latin typeface="微软雅黑" panose="020B0503020204020204" pitchFamily="34" charset="-122"/>
+                <a:ea typeface="微软雅黑" panose="020B0503020204020204" pitchFamily="34" charset="-122"/>
+              </a:rPr>
+              <a:t>RNN</a:t>
+            </a:r>
+            <a:r>
+              <a:rPr lang="en-US" altLang="zh-CN" sz="1600" dirty="0">
+                <a:latin typeface="微软雅黑" panose="020B0503020204020204" pitchFamily="34" charset="-122"/>
+                <a:ea typeface="微软雅黑" panose="020B0503020204020204" pitchFamily="34" charset="-122"/>
+              </a:rPr>
+              <a:t> architectures</a:t>
+            </a:r>
+            <a:endParaRPr lang="zh-CN" altLang="en-US" sz="1600" dirty="0">
+              <a:latin typeface="微软雅黑" panose="020B0503020204020204" pitchFamily="34" charset="-122"/>
+              <a:ea typeface="微软雅黑" panose="020B0503020204020204" pitchFamily="34" charset="-122"/>
+            </a:endParaRPr>
+          </a:p>
+        </p:txBody>
+      </p:sp>
+    </p:spTree>
+    <p:extLst>
+      <p:ext uri="{BB962C8B-B14F-4D97-AF65-F5344CB8AC3E}">
+        <p14:creationId xmlns:p14="http://schemas.microsoft.com/office/powerpoint/2010/main" val="1898421632"/>
+      </p:ext>
+    </p:extLst>
+  </p:cSld>
+  <p:clrMapOvr>
+    <a:masterClrMapping/>
+  </p:clrMapOvr>
+</p:sld>
+</file>
+
+<file path=ppt/slides/slide16.xml><?xml version="1.0" encoding="utf-8"?>
+<p:sld xmlns:a="http://schemas.openxmlformats.org/drawingml/2006/main" xmlns:r="http://schemas.openxmlformats.org/officeDocument/2006/relationships" xmlns:p="http://schemas.openxmlformats.org/presentationml/2006/main">
+  <p:cSld>
+    <p:spTree>
+      <p:nvGrpSpPr>
+        <p:cNvPr id="1" name=""/>
+        <p:cNvGrpSpPr/>
+        <p:nvPr/>
+      </p:nvGrpSpPr>
+      <p:grpSpPr>
+        <a:xfrm>
+          <a:off x="0" y="0"/>
+          <a:ext cx="0" cy="0"/>
+          <a:chOff x="0" y="0"/>
+          <a:chExt cx="0" cy="0"/>
+        </a:xfrm>
+      </p:grpSpPr>
+      <p:sp>
+        <p:nvSpPr>
+          <p:cNvPr id="2" name="内容占位符 1">
+            <a:extLst>
+              <a:ext uri="{FF2B5EF4-FFF2-40B4-BE49-F238E27FC236}">
+                <a16:creationId xmlns:a16="http://schemas.microsoft.com/office/drawing/2014/main" id="{295CD6D9-F3EC-4757-BB59-29EC7248F107}"/>
+              </a:ext>
+            </a:extLst>
+          </p:cNvPr>
+          <p:cNvSpPr>
+            <a:spLocks noGrp="1"/>
+          </p:cNvSpPr>
+          <p:nvPr>
+            <p:ph idx="1"/>
+          </p:nvPr>
+        </p:nvSpPr>
+        <p:spPr/>
+        <p:txBody>
+          <a:bodyPr>
+            <a:normAutofit/>
+          </a:bodyPr>
+          <a:lstStyle/>
+          <a:p>
+            <a:r>
+              <a:rPr lang="en-US" altLang="zh-CN" sz="2400" dirty="0"/>
+              <a:t>1-of-K coding (K: number of words in the vocabulary)</a:t>
+            </a:r>
+          </a:p>
+          <a:p>
+            <a:r>
+              <a:rPr lang="en-US" altLang="zh-CN" sz="2400" dirty="0"/>
+              <a:t>150 hidden nodes corresponds to 7.6 M parameters</a:t>
+            </a:r>
+          </a:p>
+          <a:p>
+            <a:r>
+              <a:rPr lang="en-US" altLang="zh-CN" sz="2400" dirty="0"/>
+              <a:t>350 hidden nodes corresponds to 7.1 M parameters</a:t>
+            </a:r>
+            <a:endParaRPr lang="zh-CN" altLang="en-US" sz="2400" dirty="0"/>
+          </a:p>
+        </p:txBody>
+      </p:sp>
+      <p:sp>
+        <p:nvSpPr>
+          <p:cNvPr id="3" name="标题 2">
+            <a:extLst>
+              <a:ext uri="{FF2B5EF4-FFF2-40B4-BE49-F238E27FC236}">
+                <a16:creationId xmlns:a16="http://schemas.microsoft.com/office/drawing/2014/main" id="{BFD8858C-5CAF-4CB9-9C7C-D9323EA60ED6}"/>
+              </a:ext>
+            </a:extLst>
+          </p:cNvPr>
+          <p:cNvSpPr>
+            <a:spLocks noGrp="1"/>
+          </p:cNvSpPr>
+          <p:nvPr>
+            <p:ph type="title"/>
+          </p:nvPr>
+        </p:nvSpPr>
+        <p:spPr/>
+        <p:txBody>
+          <a:bodyPr>
+            <a:noAutofit/>
+          </a:bodyPr>
+          <a:lstStyle/>
+          <a:p>
+            <a:r>
+              <a:rPr lang="en-US" altLang="zh-CN" sz="2800" dirty="0"/>
+              <a:t>LSTM Neural Networks for Language Modeling</a:t>
+            </a:r>
+            <a:endParaRPr lang="zh-CN" altLang="en-US" sz="2800" dirty="0"/>
+          </a:p>
+        </p:txBody>
+      </p:sp>
+      <p:pic>
+        <p:nvPicPr>
+          <p:cNvPr id="4" name="图片 3">
+            <a:extLst>
+              <a:ext uri="{FF2B5EF4-FFF2-40B4-BE49-F238E27FC236}">
+                <a16:creationId xmlns:a16="http://schemas.microsoft.com/office/drawing/2014/main" id="{E87D2478-3DEB-4FE1-834C-EFD5535F07BD}"/>
+              </a:ext>
+            </a:extLst>
+          </p:cNvPr>
+          <p:cNvPicPr>
+            <a:picLocks noChangeAspect="1"/>
+          </p:cNvPicPr>
+          <p:nvPr/>
+        </p:nvPicPr>
+        <p:blipFill>
+          <a:blip r:embed="rId2"/>
+          <a:stretch>
+            <a:fillRect/>
+          </a:stretch>
+        </p:blipFill>
+        <p:spPr>
+          <a:xfrm>
+            <a:off x="7639050" y="1510748"/>
+            <a:ext cx="3714750" cy="2981325"/>
+          </a:xfrm>
+          <a:prstGeom prst="rect">
+            <a:avLst/>
+          </a:prstGeom>
+        </p:spPr>
+      </p:pic>
+      <p:sp>
+        <p:nvSpPr>
+          <p:cNvPr id="8" name="文本框 7">
+            <a:extLst>
+              <a:ext uri="{FF2B5EF4-FFF2-40B4-BE49-F238E27FC236}">
+                <a16:creationId xmlns:a16="http://schemas.microsoft.com/office/drawing/2014/main" id="{F49069FD-104C-40B1-AADA-1534C47C36AA}"/>
+              </a:ext>
+            </a:extLst>
+          </p:cNvPr>
+          <p:cNvSpPr txBox="1"/>
+          <p:nvPr/>
+        </p:nvSpPr>
+        <p:spPr>
+          <a:xfrm>
+            <a:off x="2588822" y="6544068"/>
+            <a:ext cx="7014356" cy="313932"/>
+          </a:xfrm>
+          <a:prstGeom prst="rect">
+            <a:avLst/>
+          </a:prstGeom>
+          <a:noFill/>
+        </p:spPr>
+        <p:txBody>
+          <a:bodyPr wrap="none" rtlCol="0">
+            <a:spAutoFit/>
+          </a:bodyPr>
+          <a:lstStyle/>
+          <a:p>
+            <a:pPr>
+              <a:lnSpc>
+                <a:spcPct val="90000"/>
+              </a:lnSpc>
+              <a:spcBef>
+                <a:spcPts val="1000"/>
+              </a:spcBef>
+            </a:pPr>
+            <a:r>
+              <a:rPr lang="en-US" altLang="zh-CN" sz="1600" dirty="0">
+                <a:latin typeface="微软雅黑" panose="020B0503020204020204" pitchFamily="34" charset="-122"/>
+                <a:ea typeface="微软雅黑" panose="020B0503020204020204" pitchFamily="34" charset="-122"/>
+              </a:rPr>
+              <a:t>https://www.isca-speech.org/archive/interspeech_2012/i12_0194.html</a:t>
+            </a:r>
+            <a:endParaRPr lang="zh-CN" altLang="en-US" sz="1600" dirty="0">
+              <a:latin typeface="微软雅黑" panose="020B0503020204020204" pitchFamily="34" charset="-122"/>
+              <a:ea typeface="微软雅黑" panose="020B0503020204020204" pitchFamily="34" charset="-122"/>
+            </a:endParaRPr>
+          </a:p>
+        </p:txBody>
+      </p:sp>
+    </p:spTree>
+    <p:extLst>
+      <p:ext uri="{BB962C8B-B14F-4D97-AF65-F5344CB8AC3E}">
+        <p14:creationId xmlns:p14="http://schemas.microsoft.com/office/powerpoint/2010/main" val="3049842718"/>
+      </p:ext>
+    </p:extLst>
+  </p:cSld>
+  <p:clrMapOvr>
+    <a:masterClrMapping/>
+  </p:clrMapOvr>
+</p:sld>
+</file>
+
+<file path=ppt/slides/slide17.xml><?xml version="1.0" encoding="utf-8"?>
+<p:sld xmlns:a="http://schemas.openxmlformats.org/drawingml/2006/main" xmlns:r="http://schemas.openxmlformats.org/officeDocument/2006/relationships" xmlns:p="http://schemas.openxmlformats.org/presentationml/2006/main">
+  <p:cSld>
+    <p:spTree>
+      <p:nvGrpSpPr>
+        <p:cNvPr id="1" name=""/>
+        <p:cNvGrpSpPr/>
+        <p:nvPr/>
+      </p:nvGrpSpPr>
+      <p:grpSpPr>
+        <a:xfrm>
+          <a:off x="0" y="0"/>
+          <a:ext cx="0" cy="0"/>
+          <a:chOff x="0" y="0"/>
+          <a:chExt cx="0" cy="0"/>
+        </a:xfrm>
+      </p:grpSpPr>
+      <p:sp>
+        <p:nvSpPr>
+          <p:cNvPr id="2" name="内容占位符 1">
+            <a:extLst>
+              <a:ext uri="{FF2B5EF4-FFF2-40B4-BE49-F238E27FC236}">
+                <a16:creationId xmlns:a16="http://schemas.microsoft.com/office/drawing/2014/main" id="{B6107B67-C906-4A86-88EB-3DE2B37EA27C}"/>
+              </a:ext>
+            </a:extLst>
+          </p:cNvPr>
+          <p:cNvSpPr>
+            <a:spLocks noGrp="1"/>
+          </p:cNvSpPr>
+          <p:nvPr>
+            <p:ph idx="1"/>
+          </p:nvPr>
+        </p:nvSpPr>
+        <p:spPr/>
+        <p:txBody>
+          <a:bodyPr/>
+          <a:lstStyle/>
+          <a:p>
+            <a:r>
+              <a:rPr lang="en-US" altLang="zh-CN" dirty="0"/>
+              <a:t>input feature vector: 355 dimensions</a:t>
+            </a:r>
+            <a:endParaRPr lang="zh-CN" altLang="en-US" dirty="0"/>
+          </a:p>
+        </p:txBody>
+      </p:sp>
+      <p:sp>
+        <p:nvSpPr>
+          <p:cNvPr id="3" name="标题 2">
+            <a:extLst>
+              <a:ext uri="{FF2B5EF4-FFF2-40B4-BE49-F238E27FC236}">
+                <a16:creationId xmlns:a16="http://schemas.microsoft.com/office/drawing/2014/main" id="{002EF8A8-DDD7-4727-B071-D30E0DBDA32F}"/>
+              </a:ext>
+            </a:extLst>
+          </p:cNvPr>
+          <p:cNvSpPr>
+            <a:spLocks noGrp="1"/>
+          </p:cNvSpPr>
+          <p:nvPr>
+            <p:ph type="title"/>
+          </p:nvPr>
+        </p:nvSpPr>
+        <p:spPr/>
+        <p:txBody>
+          <a:bodyPr>
+            <a:noAutofit/>
+          </a:bodyPr>
+          <a:lstStyle/>
+          <a:p>
+            <a:r>
+              <a:rPr lang="en-US" altLang="zh-CN" sz="2800" dirty="0"/>
+              <a:t>TTS Synthesis with Bidirectional LSTM based Recurrent Neural Networks</a:t>
+            </a:r>
+            <a:endParaRPr lang="zh-CN" altLang="en-US" sz="2800" dirty="0"/>
+          </a:p>
+        </p:txBody>
+      </p:sp>
+      <p:pic>
+        <p:nvPicPr>
+          <p:cNvPr id="5" name="图片 4">
+            <a:extLst>
+              <a:ext uri="{FF2B5EF4-FFF2-40B4-BE49-F238E27FC236}">
+                <a16:creationId xmlns:a16="http://schemas.microsoft.com/office/drawing/2014/main" id="{EF0DEFDA-9FFB-452C-9FC8-8E2CE37121C6}"/>
+              </a:ext>
+            </a:extLst>
+          </p:cNvPr>
+          <p:cNvPicPr>
+            <a:picLocks noChangeAspect="1"/>
+          </p:cNvPicPr>
+          <p:nvPr/>
+        </p:nvPicPr>
+        <p:blipFill>
+          <a:blip r:embed="rId3"/>
+          <a:stretch>
+            <a:fillRect/>
+          </a:stretch>
+        </p:blipFill>
+        <p:spPr>
+          <a:xfrm>
+            <a:off x="838200" y="2230382"/>
+            <a:ext cx="5257800" cy="4058104"/>
+          </a:xfrm>
+          <a:prstGeom prst="rect">
+            <a:avLst/>
+          </a:prstGeom>
+        </p:spPr>
+      </p:pic>
+    </p:spTree>
+    <p:extLst>
+      <p:ext uri="{BB962C8B-B14F-4D97-AF65-F5344CB8AC3E}">
+        <p14:creationId xmlns:p14="http://schemas.microsoft.com/office/powerpoint/2010/main" val="2343116736"/>
       </p:ext>
     </p:extLst>
   </p:cSld>
@@ -3924,4 +5236,299 @@
     </a:ext>
   </a:extLst>
 </a:theme>
+</file>
+
+<file path=ppt/theme/theme2.xml><?xml version="1.0" encoding="utf-8"?>
+<a:theme xmlns:a="http://schemas.openxmlformats.org/drawingml/2006/main" name="Office 主题​​">
+  <a:themeElements>
+    <a:clrScheme name="Office">
+      <a:dk1>
+        <a:sysClr val="windowText" lastClr="000000"/>
+      </a:dk1>
+      <a:lt1>
+        <a:sysClr val="window" lastClr="FFFFFF"/>
+      </a:lt1>
+      <a:dk2>
+        <a:srgbClr val="44546A"/>
+      </a:dk2>
+      <a:lt2>
+        <a:srgbClr val="E7E6E6"/>
+      </a:lt2>
+      <a:accent1>
+        <a:srgbClr val="4472C4"/>
+      </a:accent1>
+      <a:accent2>
+        <a:srgbClr val="ED7D31"/>
+      </a:accent2>
+      <a:accent3>
+        <a:srgbClr val="A5A5A5"/>
+      </a:accent3>
+      <a:accent4>
+        <a:srgbClr val="FFC000"/>
+      </a:accent4>
+      <a:accent5>
+        <a:srgbClr val="5B9BD5"/>
+      </a:accent5>
+      <a:accent6>
+        <a:srgbClr val="70AD47"/>
+      </a:accent6>
+      <a:hlink>
+        <a:srgbClr val="0563C1"/>
+      </a:hlink>
+      <a:folHlink>
+        <a:srgbClr val="954F72"/>
+      </a:folHlink>
+    </a:clrScheme>
+    <a:fontScheme name="Office">
+      <a:majorFont>
+        <a:latin typeface="等线 Light" panose="020F0302020204030204"/>
+        <a:ea typeface=""/>
+        <a:cs typeface=""/>
+        <a:font script="Jpan" typeface="游ゴシック Light"/>
+        <a:font script="Hang" typeface="맑은 고딕"/>
+        <a:font script="Hans" typeface="等线 Light"/>
+        <a:font script="Hant" typeface="新細明體"/>
+        <a:font script="Arab" typeface="Times New Roman"/>
+        <a:font script="Hebr" typeface="Times New Roman"/>
+        <a:font script="Thai" typeface="Angsana New"/>
+        <a:font script="Ethi" typeface="Nyala"/>
+        <a:font script="Beng" typeface="Vrinda"/>
+        <a:font script="Gujr" typeface="Shruti"/>
+        <a:font script="Khmr" typeface="MoolBoran"/>
+        <a:font script="Knda" typeface="Tunga"/>
+        <a:font script="Guru" typeface="Raavi"/>
+        <a:font script="Cans" typeface="Euphemia"/>
+        <a:font script="Cher" typeface="Plantagenet Cherokee"/>
+        <a:font script="Yiii" typeface="Microsoft Yi Baiti"/>
+        <a:font script="Tibt" typeface="Microsoft Himalaya"/>
+        <a:font script="Thaa" typeface="MV Boli"/>
+        <a:font script="Deva" typeface="Mangal"/>
+        <a:font script="Telu" typeface="Gautami"/>
+        <a:font script="Taml" typeface="Latha"/>
+        <a:font script="Syrc" typeface="Estrangelo Edessa"/>
+        <a:font script="Orya" typeface="Kalinga"/>
+        <a:font script="Mlym" typeface="Kartika"/>
+        <a:font script="Laoo" typeface="DokChampa"/>
+        <a:font script="Sinh" typeface="Iskoola Pota"/>
+        <a:font script="Mong" typeface="Mongolian Baiti"/>
+        <a:font script="Viet" typeface="Times New Roman"/>
+        <a:font script="Uigh" typeface="Microsoft Uighur"/>
+        <a:font script="Geor" typeface="Sylfaen"/>
+        <a:font script="Armn" typeface="Arial"/>
+        <a:font script="Bugi" typeface="Leelawadee UI"/>
+        <a:font script="Bopo" typeface="Microsoft JhengHei"/>
+        <a:font script="Java" typeface="Javanese Text"/>
+        <a:font script="Lisu" typeface="Segoe UI"/>
+        <a:font script="Mymr" typeface="Myanmar Text"/>
+        <a:font script="Nkoo" typeface="Ebrima"/>
+        <a:font script="Olck" typeface="Nirmala UI"/>
+        <a:font script="Osma" typeface="Ebrima"/>
+        <a:font script="Phag" typeface="Phagspa"/>
+        <a:font script="Syrn" typeface="Estrangelo Edessa"/>
+        <a:font script="Syrj" typeface="Estrangelo Edessa"/>
+        <a:font script="Syre" typeface="Estrangelo Edessa"/>
+        <a:font script="Sora" typeface="Nirmala UI"/>
+        <a:font script="Tale" typeface="Microsoft Tai Le"/>
+        <a:font script="Talu" typeface="Microsoft New Tai Lue"/>
+        <a:font script="Tfng" typeface="Ebrima"/>
+      </a:majorFont>
+      <a:minorFont>
+        <a:latin typeface="等线" panose="020F0502020204030204"/>
+        <a:ea typeface=""/>
+        <a:cs typeface=""/>
+        <a:font script="Jpan" typeface="游ゴシック"/>
+        <a:font script="Hang" typeface="맑은 고딕"/>
+        <a:font script="Hans" typeface="等线"/>
+        <a:font script="Hant" typeface="新細明體"/>
+        <a:font script="Arab" typeface="Arial"/>
+        <a:font script="Hebr" typeface="Arial"/>
+        <a:font script="Thai" typeface="Cordia New"/>
+        <a:font script="Ethi" typeface="Nyala"/>
+        <a:font script="Beng" typeface="Vrinda"/>
+        <a:font script="Gujr" typeface="Shruti"/>
+        <a:font script="Khmr" typeface="DaunPenh"/>
+        <a:font script="Knda" typeface="Tunga"/>
+        <a:font script="Guru" typeface="Raavi"/>
+        <a:font script="Cans" typeface="Euphemia"/>
+        <a:font script="Cher" typeface="Plantagenet Cherokee"/>
+        <a:font script="Yiii" typeface="Microsoft Yi Baiti"/>
+        <a:font script="Tibt" typeface="Microsoft Himalaya"/>
+        <a:font script="Thaa" typeface="MV Boli"/>
+        <a:font script="Deva" typeface="Mangal"/>
+        <a:font script="Telu" typeface="Gautami"/>
+        <a:font script="Taml" typeface="Latha"/>
+        <a:font script="Syrc" typeface="Estrangelo Edessa"/>
+        <a:font script="Orya" typeface="Kalinga"/>
+        <a:font script="Mlym" typeface="Kartika"/>
+        <a:font script="Laoo" typeface="DokChampa"/>
+        <a:font script="Sinh" typeface="Iskoola Pota"/>
+        <a:font script="Mong" typeface="Mongolian Baiti"/>
+        <a:font script="Viet" typeface="Arial"/>
+        <a:font script="Uigh" typeface="Microsoft Uighur"/>
+        <a:font script="Geor" typeface="Sylfaen"/>
+        <a:font script="Armn" typeface="Arial"/>
+        <a:font script="Bugi" typeface="Leelawadee UI"/>
+        <a:font script="Bopo" typeface="Microsoft JhengHei"/>
+        <a:font script="Java" typeface="Javanese Text"/>
+        <a:font script="Lisu" typeface="Segoe UI"/>
+        <a:font script="Mymr" typeface="Myanmar Text"/>
+        <a:font script="Nkoo" typeface="Ebrima"/>
+        <a:font script="Olck" typeface="Nirmala UI"/>
+        <a:font script="Osma" typeface="Ebrima"/>
+        <a:font script="Phag" typeface="Phagspa"/>
+        <a:font script="Syrn" typeface="Estrangelo Edessa"/>
+        <a:font script="Syrj" typeface="Estrangelo Edessa"/>
+        <a:font script="Syre" typeface="Estrangelo Edessa"/>
+        <a:font script="Sora" typeface="Nirmala UI"/>
+        <a:font script="Tale" typeface="Microsoft Tai Le"/>
+        <a:font script="Talu" typeface="Microsoft New Tai Lue"/>
+        <a:font script="Tfng" typeface="Ebrima"/>
+      </a:minorFont>
+    </a:fontScheme>
+    <a:fmtScheme name="Office">
+      <a:fillStyleLst>
+        <a:solidFill>
+          <a:schemeClr val="phClr"/>
+        </a:solidFill>
+        <a:gradFill rotWithShape="1">
+          <a:gsLst>
+            <a:gs pos="0">
+              <a:schemeClr val="phClr">
+                <a:lumMod val="110000"/>
+                <a:satMod val="105000"/>
+                <a:tint val="67000"/>
+              </a:schemeClr>
+            </a:gs>
+            <a:gs pos="50000">
+              <a:schemeClr val="phClr">
+                <a:lumMod val="105000"/>
+                <a:satMod val="103000"/>
+                <a:tint val="73000"/>
+              </a:schemeClr>
+            </a:gs>
+            <a:gs pos="100000">
+              <a:schemeClr val="phClr">
+                <a:lumMod val="105000"/>
+                <a:satMod val="109000"/>
+                <a:tint val="81000"/>
+              </a:schemeClr>
+            </a:gs>
+          </a:gsLst>
+          <a:lin ang="5400000" scaled="0"/>
+        </a:gradFill>
+        <a:gradFill rotWithShape="1">
+          <a:gsLst>
+            <a:gs pos="0">
+              <a:schemeClr val="phClr">
+                <a:satMod val="103000"/>
+                <a:lumMod val="102000"/>
+                <a:tint val="94000"/>
+              </a:schemeClr>
+            </a:gs>
+            <a:gs pos="50000">
+              <a:schemeClr val="phClr">
+                <a:satMod val="110000"/>
+                <a:lumMod val="100000"/>
+                <a:shade val="100000"/>
+              </a:schemeClr>
+            </a:gs>
+            <a:gs pos="100000">
+              <a:schemeClr val="phClr">
+                <a:lumMod val="99000"/>
+                <a:satMod val="120000"/>
+                <a:shade val="78000"/>
+              </a:schemeClr>
+            </a:gs>
+          </a:gsLst>
+          <a:lin ang="5400000" scaled="0"/>
+        </a:gradFill>
+      </a:fillStyleLst>
+      <a:lnStyleLst>
+        <a:ln w="6350" cap="flat" cmpd="sng" algn="ctr">
+          <a:solidFill>
+            <a:schemeClr val="phClr"/>
+          </a:solidFill>
+          <a:prstDash val="solid"/>
+          <a:miter lim="800000"/>
+        </a:ln>
+        <a:ln w="12700" cap="flat" cmpd="sng" algn="ctr">
+          <a:solidFill>
+            <a:schemeClr val="phClr"/>
+          </a:solidFill>
+          <a:prstDash val="solid"/>
+          <a:miter lim="800000"/>
+        </a:ln>
+        <a:ln w="19050" cap="flat" cmpd="sng" algn="ctr">
+          <a:solidFill>
+            <a:schemeClr val="phClr"/>
+          </a:solidFill>
+          <a:prstDash val="solid"/>
+          <a:miter lim="800000"/>
+        </a:ln>
+      </a:lnStyleLst>
+      <a:effectStyleLst>
+        <a:effectStyle>
+          <a:effectLst/>
+        </a:effectStyle>
+        <a:effectStyle>
+          <a:effectLst/>
+        </a:effectStyle>
+        <a:effectStyle>
+          <a:effectLst>
+            <a:outerShdw blurRad="57150" dist="19050" dir="5400000" algn="ctr" rotWithShape="0">
+              <a:srgbClr val="000000">
+                <a:alpha val="63000"/>
+              </a:srgbClr>
+            </a:outerShdw>
+          </a:effectLst>
+        </a:effectStyle>
+      </a:effectStyleLst>
+      <a:bgFillStyleLst>
+        <a:solidFill>
+          <a:schemeClr val="phClr"/>
+        </a:solidFill>
+        <a:solidFill>
+          <a:schemeClr val="phClr">
+            <a:tint val="95000"/>
+            <a:satMod val="170000"/>
+          </a:schemeClr>
+        </a:solidFill>
+        <a:gradFill rotWithShape="1">
+          <a:gsLst>
+            <a:gs pos="0">
+              <a:schemeClr val="phClr">
+                <a:tint val="93000"/>
+                <a:satMod val="150000"/>
+                <a:shade val="98000"/>
+                <a:lumMod val="102000"/>
+              </a:schemeClr>
+            </a:gs>
+            <a:gs pos="50000">
+              <a:schemeClr val="phClr">
+                <a:tint val="98000"/>
+                <a:satMod val="130000"/>
+                <a:shade val="90000"/>
+                <a:lumMod val="103000"/>
+              </a:schemeClr>
+            </a:gs>
+            <a:gs pos="100000">
+              <a:schemeClr val="phClr">
+                <a:shade val="63000"/>
+                <a:satMod val="120000"/>
+              </a:schemeClr>
+            </a:gs>
+          </a:gsLst>
+          <a:lin ang="5400000" scaled="0"/>
+        </a:gradFill>
+      </a:bgFillStyleLst>
+    </a:fmtScheme>
+  </a:themeElements>
+  <a:objectDefaults/>
+  <a:extraClrSchemeLst/>
+  <a:extLst>
+    <a:ext uri="{05A4C25C-085E-4340-85A3-A5531E510DB2}">
+      <thm15:themeFamily xmlns:thm15="http://schemas.microsoft.com/office/thememl/2012/main" name="Office Theme" id="{62F939B6-93AF-4DB8-9C6B-D6C7DFDC589F}" vid="{4A3C46E8-61CC-4603-A589-7422A47A8E4A}"/>
+    </a:ext>
+  </a:extLst>
+</a:theme>
 </file>
--- a/20191009 - topic.pptx
+++ b/20191009 - topic.pptx
@@ -5,26 +5,23 @@
     <p:sldMasterId id="2147483648" r:id="rId1"/>
   </p:sldMasterIdLst>
   <p:notesMasterIdLst>
-    <p:notesMasterId r:id="rId19"/>
+    <p:notesMasterId r:id="rId16"/>
   </p:notesMasterIdLst>
   <p:sldIdLst>
     <p:sldId id="256" r:id="rId2"/>
     <p:sldId id="257" r:id="rId3"/>
     <p:sldId id="258" r:id="rId4"/>
-    <p:sldId id="260" r:id="rId5"/>
-    <p:sldId id="259" r:id="rId6"/>
-    <p:sldId id="261" r:id="rId7"/>
-    <p:sldId id="263" r:id="rId8"/>
-    <p:sldId id="264" r:id="rId9"/>
+    <p:sldId id="259" r:id="rId5"/>
+    <p:sldId id="261" r:id="rId6"/>
+    <p:sldId id="263" r:id="rId7"/>
+    <p:sldId id="264" r:id="rId8"/>
+    <p:sldId id="274" r:id="rId9"/>
     <p:sldId id="265" r:id="rId10"/>
     <p:sldId id="266" r:id="rId11"/>
     <p:sldId id="267" r:id="rId12"/>
     <p:sldId id="268" r:id="rId13"/>
-    <p:sldId id="269" r:id="rId14"/>
-    <p:sldId id="270" r:id="rId15"/>
-    <p:sldId id="271" r:id="rId16"/>
-    <p:sldId id="272" r:id="rId17"/>
-    <p:sldId id="273" r:id="rId18"/>
+    <p:sldId id="270" r:id="rId14"/>
+    <p:sldId id="272" r:id="rId15"/>
   </p:sldIdLst>
   <p:sldSz cx="12192000" cy="6858000"/>
   <p:notesSz cx="6858000" cy="9144000"/>
@@ -213,7 +210,7 @@
           <a:p>
             <a:fld id="{BB820BFD-C71F-40CB-931B-FC7E5FAABDB3}" type="datetimeFigureOut">
               <a:rPr lang="zh-CN" altLang="en-US" smtClean="0"/>
-              <a:t>2019/10/10</a:t>
+              <a:t>2019.10.11</a:t>
             </a:fld>
             <a:endParaRPr lang="zh-CN" altLang="en-US"/>
           </a:p>
@@ -478,90 +475,6 @@
     </a:lvl9pPr>
   </p:notesStyle>
 </p:notesMaster>
-</file>
-
-<file path=ppt/notesSlides/notesSlide1.xml><?xml version="1.0" encoding="utf-8"?>
-<p:notes xmlns:a="http://schemas.openxmlformats.org/drawingml/2006/main" xmlns:r="http://schemas.openxmlformats.org/officeDocument/2006/relationships" xmlns:p="http://schemas.openxmlformats.org/presentationml/2006/main">
-  <p:cSld>
-    <p:spTree>
-      <p:nvGrpSpPr>
-        <p:cNvPr id="1" name=""/>
-        <p:cNvGrpSpPr/>
-        <p:nvPr/>
-      </p:nvGrpSpPr>
-      <p:grpSpPr>
-        <a:xfrm>
-          <a:off x="0" y="0"/>
-          <a:ext cx="0" cy="0"/>
-          <a:chOff x="0" y="0"/>
-          <a:chExt cx="0" cy="0"/>
-        </a:xfrm>
-      </p:grpSpPr>
-      <p:sp>
-        <p:nvSpPr>
-          <p:cNvPr id="2" name="幻灯片图像占位符 1"/>
-          <p:cNvSpPr>
-            <a:spLocks noGrp="1" noRot="1" noChangeAspect="1"/>
-          </p:cNvSpPr>
-          <p:nvPr>
-            <p:ph type="sldImg"/>
-          </p:nvPr>
-        </p:nvSpPr>
-        <p:spPr/>
-      </p:sp>
-      <p:sp>
-        <p:nvSpPr>
-          <p:cNvPr id="3" name="备注占位符 2"/>
-          <p:cNvSpPr>
-            <a:spLocks noGrp="1"/>
-          </p:cNvSpPr>
-          <p:nvPr>
-            <p:ph type="body" idx="1"/>
-          </p:nvPr>
-        </p:nvSpPr>
-        <p:spPr/>
-        <p:txBody>
-          <a:bodyPr/>
-          <a:lstStyle/>
-          <a:p>
-            <a:endParaRPr lang="zh-CN" altLang="en-US" dirty="0"/>
-          </a:p>
-        </p:txBody>
-      </p:sp>
-      <p:sp>
-        <p:nvSpPr>
-          <p:cNvPr id="4" name="灯片编号占位符 3"/>
-          <p:cNvSpPr>
-            <a:spLocks noGrp="1"/>
-          </p:cNvSpPr>
-          <p:nvPr>
-            <p:ph type="sldNum" sz="quarter" idx="5"/>
-          </p:nvPr>
-        </p:nvSpPr>
-        <p:spPr/>
-        <p:txBody>
-          <a:bodyPr/>
-          <a:lstStyle/>
-          <a:p>
-            <a:fld id="{973189DF-3124-4FD1-B088-03E83B82E1DE}" type="slidenum">
-              <a:rPr lang="zh-CN" altLang="en-US" smtClean="0"/>
-              <a:t>17</a:t>
-            </a:fld>
-            <a:endParaRPr lang="zh-CN" altLang="en-US"/>
-          </a:p>
-        </p:txBody>
-      </p:sp>
-    </p:spTree>
-    <p:extLst>
-      <p:ext uri="{BB962C8B-B14F-4D97-AF65-F5344CB8AC3E}">
-        <p14:creationId xmlns:p14="http://schemas.microsoft.com/office/powerpoint/2010/main" val="2734792958"/>
-      </p:ext>
-    </p:extLst>
-  </p:cSld>
-  <p:clrMapOvr>
-    <a:masterClrMapping/>
-  </p:clrMapOvr>
-</p:notes>
 </file>
 
 <file path=ppt/slideLayouts/slideLayout1.xml><?xml version="1.0" encoding="utf-8"?>
@@ -1462,7 +1375,18 @@
           <a:bodyPr/>
           <a:lstStyle/>
           <a:p>
-            <a:endParaRPr lang="zh-CN" altLang="en-US"/>
+            <a:r>
+              <a:rPr lang="zh-CN" altLang="en-US" dirty="0"/>
+              <a:t>光纤透镜</a:t>
+            </a:r>
+            <a:r>
+              <a:rPr lang="en-US" altLang="zh-CN" dirty="0"/>
+              <a:t>, </a:t>
+            </a:r>
+            <a:r>
+              <a:rPr lang="zh-CN" altLang="en-US" dirty="0"/>
+              <a:t>神经网络大小</a:t>
+            </a:r>
           </a:p>
         </p:txBody>
       </p:sp>
@@ -1539,7 +1463,7 @@
         </p:blipFill>
         <p:spPr>
           <a:xfrm>
-            <a:off x="6438243" y="3231649"/>
+            <a:off x="4981976" y="3071642"/>
             <a:ext cx="2771775" cy="1657350"/>
           </a:xfrm>
           <a:prstGeom prst="rect">
@@ -1632,7 +1556,7 @@
         </p:blipFill>
         <p:spPr>
           <a:xfrm>
-            <a:off x="838200" y="2605271"/>
+            <a:off x="152400" y="2317404"/>
             <a:ext cx="2171700" cy="1371600"/>
           </a:xfrm>
           <a:prstGeom prst="rect">
@@ -1656,7 +1580,7 @@
         </p:blipFill>
         <p:spPr>
           <a:xfrm>
-            <a:off x="3299535" y="2624321"/>
+            <a:off x="2613735" y="2336454"/>
             <a:ext cx="2181225" cy="1333500"/>
           </a:xfrm>
           <a:prstGeom prst="rect">
@@ -1680,7 +1604,7 @@
         </p:blipFill>
         <p:spPr>
           <a:xfrm>
-            <a:off x="847725" y="4227012"/>
+            <a:off x="161925" y="3939145"/>
             <a:ext cx="2162175" cy="1343025"/>
           </a:xfrm>
           <a:prstGeom prst="rect">
@@ -1704,7 +1628,7 @@
         </p:blipFill>
         <p:spPr>
           <a:xfrm>
-            <a:off x="3299535" y="4207962"/>
+            <a:off x="2613735" y="3920095"/>
             <a:ext cx="2190750" cy="1362075"/>
           </a:xfrm>
           <a:prstGeom prst="rect">
@@ -1712,6 +1636,84 @@
           </a:prstGeom>
         </p:spPr>
       </p:pic>
+      <p:sp>
+        <p:nvSpPr>
+          <p:cNvPr id="2" name="文本框 1">
+            <a:extLst>
+              <a:ext uri="{FF2B5EF4-FFF2-40B4-BE49-F238E27FC236}">
+                <a16:creationId xmlns:a16="http://schemas.microsoft.com/office/drawing/2014/main" id="{086F77D7-9FF4-475B-A909-7DF123CCDB9E}"/>
+              </a:ext>
+            </a:extLst>
+          </p:cNvPr>
+          <p:cNvSpPr txBox="1"/>
+          <p:nvPr/>
+        </p:nvSpPr>
+        <p:spPr>
+          <a:xfrm>
+            <a:off x="9699010" y="6083429"/>
+            <a:ext cx="2492990" cy="774571"/>
+          </a:xfrm>
+          <a:prstGeom prst="rect">
+            <a:avLst/>
+          </a:prstGeom>
+          <a:noFill/>
+        </p:spPr>
+        <p:txBody>
+          <a:bodyPr wrap="none" rtlCol="0">
+            <a:spAutoFit/>
+          </a:bodyPr>
+          <a:lstStyle/>
+          <a:p>
+            <a:pPr algn="l">
+              <a:lnSpc>
+                <a:spcPct val="90000"/>
+              </a:lnSpc>
+              <a:spcBef>
+                <a:spcPts val="1000"/>
+              </a:spcBef>
+            </a:pPr>
+            <a:r>
+              <a:rPr lang="zh-CN" altLang="en-US" sz="2000" dirty="0">
+                <a:latin typeface="微软雅黑" panose="020B0503020204020204" pitchFamily="34" charset="-122"/>
+                <a:ea typeface="微软雅黑" panose="020B0503020204020204" pitchFamily="34" charset="-122"/>
+              </a:rPr>
+              <a:t>正在联系</a:t>
+            </a:r>
+            <a:endParaRPr lang="en-US" altLang="zh-CN" sz="2000" dirty="0">
+              <a:latin typeface="微软雅黑" panose="020B0503020204020204" pitchFamily="34" charset="-122"/>
+              <a:ea typeface="微软雅黑" panose="020B0503020204020204" pitchFamily="34" charset="-122"/>
+            </a:endParaRPr>
+          </a:p>
+          <a:p>
+            <a:pPr algn="l">
+              <a:lnSpc>
+                <a:spcPct val="90000"/>
+              </a:lnSpc>
+              <a:spcBef>
+                <a:spcPts val="1000"/>
+              </a:spcBef>
+            </a:pPr>
+            <a:r>
+              <a:rPr lang="zh-CN" altLang="en-US" sz="2000" dirty="0">
+                <a:latin typeface="微软雅黑" panose="020B0503020204020204" pitchFamily="34" charset="-122"/>
+                <a:ea typeface="微软雅黑" panose="020B0503020204020204" pitchFamily="34" charset="-122"/>
+              </a:rPr>
+              <a:t>微信</a:t>
+            </a:r>
+            <a:r>
+              <a:rPr lang="en-US" altLang="zh-CN" sz="2000" dirty="0">
+                <a:latin typeface="微软雅黑" panose="020B0503020204020204" pitchFamily="34" charset="-122"/>
+                <a:ea typeface="微软雅黑" panose="020B0503020204020204" pitchFamily="34" charset="-122"/>
+              </a:rPr>
+              <a:t>: 15361621944</a:t>
+            </a:r>
+            <a:endParaRPr lang="zh-CN" altLang="en-US" sz="2000" dirty="0">
+              <a:latin typeface="微软雅黑" panose="020B0503020204020204" pitchFamily="34" charset="-122"/>
+              <a:ea typeface="微软雅黑" panose="020B0503020204020204" pitchFamily="34" charset="-122"/>
+            </a:endParaRPr>
+          </a:p>
+        </p:txBody>
+      </p:sp>
     </p:spTree>
     <p:extLst>
       <p:ext uri="{BB962C8B-B14F-4D97-AF65-F5344CB8AC3E}">
@@ -1791,7 +1793,7 @@
           <a:bodyPr/>
           <a:lstStyle/>
           <a:p>
-            <a:endParaRPr lang="zh-CN" altLang="en-US"/>
+            <a:endParaRPr lang="zh-CN" altLang="en-US" dirty="0"/>
           </a:p>
         </p:txBody>
       </p:sp>
@@ -1849,7 +1851,7 @@
         </p:blipFill>
         <p:spPr>
           <a:xfrm>
-            <a:off x="1128126" y="2085975"/>
+            <a:off x="899057" y="1351836"/>
             <a:ext cx="2085975" cy="1343025"/>
           </a:xfrm>
           <a:prstGeom prst="rect">
@@ -1875,10 +1877,16 @@
         </p:nvSpPr>
         <p:spPr/>
         <p:txBody>
-          <a:bodyPr/>
+          <a:bodyPr>
+            <a:normAutofit/>
+          </a:bodyPr>
           <a:lstStyle/>
           <a:p>
-            <a:endParaRPr lang="zh-CN" altLang="en-US"/>
+            <a:r>
+              <a:rPr lang="en-US" altLang="zh-CN" dirty="0"/>
+              <a:t>Video: Neural Network 3D Simulation</a:t>
+            </a:r>
+            <a:endParaRPr lang="zh-CN" altLang="en-US" dirty="0"/>
           </a:p>
         </p:txBody>
       </p:sp>
@@ -1904,7 +1912,7 @@
         </p:blipFill>
         <p:spPr>
           <a:xfrm>
-            <a:off x="3499485" y="2066925"/>
+            <a:off x="4824878" y="1348925"/>
             <a:ext cx="2266950" cy="1362075"/>
           </a:xfrm>
           <a:prstGeom prst="rect">
@@ -1934,8 +1942,135 @@
         </p:blipFill>
         <p:spPr>
           <a:xfrm>
-            <a:off x="6126847" y="2076449"/>
+            <a:off x="8759981" y="1348925"/>
             <a:ext cx="2286000" cy="1362075"/>
+          </a:xfrm>
+          <a:prstGeom prst="rect">
+            <a:avLst/>
+          </a:prstGeom>
+        </p:spPr>
+      </p:pic>
+      <p:sp>
+        <p:nvSpPr>
+          <p:cNvPr id="2" name="矩形 1">
+            <a:extLst>
+              <a:ext uri="{FF2B5EF4-FFF2-40B4-BE49-F238E27FC236}">
+                <a16:creationId xmlns:a16="http://schemas.microsoft.com/office/drawing/2014/main" id="{47DD7502-8A12-43A3-A838-49C05E7D008B}"/>
+              </a:ext>
+            </a:extLst>
+          </p:cNvPr>
+          <p:cNvSpPr/>
+          <p:nvPr/>
+        </p:nvSpPr>
+        <p:spPr>
+          <a:xfrm>
+            <a:off x="3555469" y="6492874"/>
+            <a:ext cx="5142755" cy="369332"/>
+          </a:xfrm>
+          <a:prstGeom prst="rect">
+            <a:avLst/>
+          </a:prstGeom>
+        </p:spPr>
+        <p:txBody>
+          <a:bodyPr wrap="none">
+            <a:spAutoFit/>
+          </a:bodyPr>
+          <a:lstStyle/>
+          <a:p>
+            <a:r>
+              <a:rPr lang="en-US" altLang="zh-CN" dirty="0">
+                <a:hlinkClick r:id="rId5"/>
+              </a:rPr>
+              <a:t>https://www.youtube.com/watch?v=3JQ3hYko51Y</a:t>
+            </a:r>
+            <a:endParaRPr lang="zh-CN" altLang="en-US" dirty="0"/>
+          </a:p>
+        </p:txBody>
+      </p:sp>
+      <p:pic>
+        <p:nvPicPr>
+          <p:cNvPr id="7" name="图片 6">
+            <a:extLst>
+              <a:ext uri="{FF2B5EF4-FFF2-40B4-BE49-F238E27FC236}">
+                <a16:creationId xmlns:a16="http://schemas.microsoft.com/office/drawing/2014/main" id="{00A60221-1E13-4D11-B39D-52BAA0B15FCE}"/>
+              </a:ext>
+            </a:extLst>
+          </p:cNvPr>
+          <p:cNvPicPr>
+            <a:picLocks noChangeAspect="1"/>
+          </p:cNvPicPr>
+          <p:nvPr/>
+        </p:nvPicPr>
+        <p:blipFill>
+          <a:blip r:embed="rId6"/>
+          <a:stretch>
+            <a:fillRect/>
+          </a:stretch>
+        </p:blipFill>
+        <p:spPr>
+          <a:xfrm>
+            <a:off x="270805" y="3429000"/>
+            <a:ext cx="3342477" cy="2758202"/>
+          </a:xfrm>
+          <a:prstGeom prst="rect">
+            <a:avLst/>
+          </a:prstGeom>
+        </p:spPr>
+      </p:pic>
+      <p:pic>
+        <p:nvPicPr>
+          <p:cNvPr id="9" name="图片 8">
+            <a:extLst>
+              <a:ext uri="{FF2B5EF4-FFF2-40B4-BE49-F238E27FC236}">
+                <a16:creationId xmlns:a16="http://schemas.microsoft.com/office/drawing/2014/main" id="{FEDC738B-3A10-43DA-B13E-B598EEA77908}"/>
+              </a:ext>
+            </a:extLst>
+          </p:cNvPr>
+          <p:cNvPicPr>
+            <a:picLocks noChangeAspect="1"/>
+          </p:cNvPicPr>
+          <p:nvPr/>
+        </p:nvPicPr>
+        <p:blipFill>
+          <a:blip r:embed="rId7"/>
+          <a:stretch>
+            <a:fillRect/>
+          </a:stretch>
+        </p:blipFill>
+        <p:spPr>
+          <a:xfrm>
+            <a:off x="4210816" y="3429001"/>
+            <a:ext cx="3291875" cy="2758201"/>
+          </a:xfrm>
+          <a:prstGeom prst="rect">
+            <a:avLst/>
+          </a:prstGeom>
+        </p:spPr>
+      </p:pic>
+      <p:pic>
+        <p:nvPicPr>
+          <p:cNvPr id="10" name="图片 9">
+            <a:extLst>
+              <a:ext uri="{FF2B5EF4-FFF2-40B4-BE49-F238E27FC236}">
+                <a16:creationId xmlns:a16="http://schemas.microsoft.com/office/drawing/2014/main" id="{97CFAEF2-23D3-4771-980D-4ED076ADFB00}"/>
+              </a:ext>
+            </a:extLst>
+          </p:cNvPr>
+          <p:cNvPicPr>
+            <a:picLocks noChangeAspect="1"/>
+          </p:cNvPicPr>
+          <p:nvPr/>
+        </p:nvPicPr>
+        <p:blipFill>
+          <a:blip r:embed="rId8"/>
+          <a:stretch>
+            <a:fillRect/>
+          </a:stretch>
+        </p:blipFill>
+        <p:spPr>
+          <a:xfrm>
+            <a:off x="8432208" y="3430362"/>
+            <a:ext cx="2921592" cy="2756840"/>
           </a:xfrm>
           <a:prstGeom prst="rect">
             <a:avLst/>
@@ -1977,7 +2112,7 @@
           <p:cNvPr id="2" name="内容占位符 1">
             <a:extLst>
               <a:ext uri="{FF2B5EF4-FFF2-40B4-BE49-F238E27FC236}">
-                <a16:creationId xmlns:a16="http://schemas.microsoft.com/office/drawing/2014/main" id="{64DC423C-ACA9-4C89-9E30-669910ECC95E}"/>
+                <a16:creationId xmlns:a16="http://schemas.microsoft.com/office/drawing/2014/main" id="{84FBF3BC-D5EB-41AB-8E77-FE6B2405C1F9}"/>
               </a:ext>
             </a:extLst>
           </p:cNvPr>
@@ -1988,12 +2123,35 @@
             <p:ph idx="1"/>
           </p:nvPr>
         </p:nvSpPr>
-        <p:spPr/>
+        <p:spPr>
+          <a:xfrm>
+            <a:off x="143933" y="1984881"/>
+            <a:ext cx="5952067" cy="1274785"/>
+          </a:xfrm>
+        </p:spPr>
         <p:txBody>
-          <a:bodyPr/>
+          <a:bodyPr>
+            <a:normAutofit/>
+          </a:bodyPr>
           <a:lstStyle/>
           <a:p>
-            <a:endParaRPr lang="zh-CN" altLang="en-US"/>
+            <a:r>
+              <a:rPr lang="en-US" altLang="zh-CN" sz="2000" dirty="0"/>
+              <a:t>input vector: 30000 – 200000</a:t>
+            </a:r>
+          </a:p>
+          <a:p>
+            <a:r>
+              <a:rPr lang="en-US" altLang="zh-CN" sz="2000" dirty="0"/>
+              <a:t>size of hidden layer: 30 – 500</a:t>
+            </a:r>
+          </a:p>
+          <a:p>
+            <a:r>
+              <a:rPr lang="en-US" altLang="zh-CN" sz="2000" dirty="0"/>
+              <a:t>starting learning rate: 0.1</a:t>
+            </a:r>
+            <a:endParaRPr lang="zh-CN" altLang="en-US" sz="2000" dirty="0"/>
           </a:p>
         </p:txBody>
       </p:sp>
@@ -2002,7 +2160,7 @@
           <p:cNvPr id="3" name="标题 2">
             <a:extLst>
               <a:ext uri="{FF2B5EF4-FFF2-40B4-BE49-F238E27FC236}">
-                <a16:creationId xmlns:a16="http://schemas.microsoft.com/office/drawing/2014/main" id="{AFCCD4E3-7097-42C8-AB06-018A0EF5B29C}"/>
+                <a16:creationId xmlns:a16="http://schemas.microsoft.com/office/drawing/2014/main" id="{699ACCD2-F319-4164-A8A2-2522CCD61EA7}"/>
               </a:ext>
             </a:extLst>
           </p:cNvPr>
@@ -2013,25 +2171,137 @@
             <p:ph type="title"/>
           </p:nvPr>
         </p:nvSpPr>
-        <p:spPr/>
+        <p:spPr>
+          <a:xfrm>
+            <a:off x="143933" y="365126"/>
+            <a:ext cx="4047067" cy="946840"/>
+          </a:xfrm>
+        </p:spPr>
         <p:txBody>
-          <a:bodyPr/>
+          <a:bodyPr>
+            <a:noAutofit/>
+          </a:bodyPr>
           <a:lstStyle/>
           <a:p>
             <a:r>
-              <a:rPr lang="en-US" altLang="zh-CN" dirty="0" err="1"/>
-              <a:t>Perceptrons</a:t>
-            </a:r>
-            <a:endParaRPr lang="zh-CN" altLang="en-US" dirty="0"/>
+              <a:rPr lang="en-US" altLang="zh-CN" sz="1800" dirty="0"/>
+              <a:t>Recurrent neural network based language model</a:t>
+            </a:r>
+            <a:endParaRPr lang="zh-CN" altLang="en-US" sz="1800" dirty="0"/>
+          </a:p>
+        </p:txBody>
+      </p:sp>
+      <p:sp>
+        <p:nvSpPr>
+          <p:cNvPr id="4" name="文本框 3">
+            <a:extLst>
+              <a:ext uri="{FF2B5EF4-FFF2-40B4-BE49-F238E27FC236}">
+                <a16:creationId xmlns:a16="http://schemas.microsoft.com/office/drawing/2014/main" id="{808E790B-A98A-43E5-BFA7-AD5596C74B1F}"/>
+              </a:ext>
+            </a:extLst>
+          </p:cNvPr>
+          <p:cNvSpPr txBox="1"/>
+          <p:nvPr/>
+        </p:nvSpPr>
+        <p:spPr>
+          <a:xfrm>
+            <a:off x="0" y="6627168"/>
+            <a:ext cx="4891083" cy="244682"/>
+          </a:xfrm>
+          <a:prstGeom prst="rect">
+            <a:avLst/>
+          </a:prstGeom>
+          <a:noFill/>
+        </p:spPr>
+        <p:txBody>
+          <a:bodyPr wrap="none" rtlCol="0">
+            <a:spAutoFit/>
+          </a:bodyPr>
+          <a:lstStyle/>
+          <a:p>
+            <a:pPr>
+              <a:lnSpc>
+                <a:spcPct val="90000"/>
+              </a:lnSpc>
+              <a:spcBef>
+                <a:spcPts val="1000"/>
+              </a:spcBef>
+            </a:pPr>
+            <a:r>
+              <a:rPr lang="en-US" altLang="zh-CN" sz="1100" dirty="0">
+                <a:latin typeface="微软雅黑" panose="020B0503020204020204" pitchFamily="34" charset="-122"/>
+                <a:ea typeface="微软雅黑" panose="020B0503020204020204" pitchFamily="34" charset="-122"/>
+              </a:rPr>
+              <a:t>https://www.isca-speech.org/archive/interspeech_2010/i10_1045.html</a:t>
+            </a:r>
+            <a:endParaRPr lang="zh-CN" altLang="en-US" sz="1100" dirty="0">
+              <a:latin typeface="微软雅黑" panose="020B0503020204020204" pitchFamily="34" charset="-122"/>
+              <a:ea typeface="微软雅黑" panose="020B0503020204020204" pitchFamily="34" charset="-122"/>
+            </a:endParaRPr>
+          </a:p>
+        </p:txBody>
+      </p:sp>
+      <p:sp>
+        <p:nvSpPr>
+          <p:cNvPr id="7" name="标题 2">
+            <a:extLst>
+              <a:ext uri="{FF2B5EF4-FFF2-40B4-BE49-F238E27FC236}">
+                <a16:creationId xmlns:a16="http://schemas.microsoft.com/office/drawing/2014/main" id="{F89798ED-D93F-477F-9119-F238F3CFA577}"/>
+              </a:ext>
+            </a:extLst>
+          </p:cNvPr>
+          <p:cNvSpPr txBox="1">
+            <a:spLocks/>
+          </p:cNvSpPr>
+          <p:nvPr/>
+        </p:nvSpPr>
+        <p:spPr>
+          <a:xfrm>
+            <a:off x="5630333" y="365126"/>
+            <a:ext cx="5952067" cy="946840"/>
+          </a:xfrm>
+          <a:prstGeom prst="rect">
+            <a:avLst/>
+          </a:prstGeom>
+        </p:spPr>
+        <p:txBody>
+          <a:bodyPr vert="horz" lIns="91440" tIns="45720" rIns="91440" bIns="45720" rtlCol="0" anchor="ctr">
+            <a:noAutofit/>
+          </a:bodyPr>
+          <a:lstStyle>
+            <a:lvl1pPr algn="l" defTabSz="914400" rtl="0" eaLnBrk="1" latinLnBrk="0" hangingPunct="1">
+              <a:lnSpc>
+                <a:spcPct val="90000"/>
+              </a:lnSpc>
+              <a:spcBef>
+                <a:spcPct val="0"/>
+              </a:spcBef>
+              <a:buNone/>
+              <a:defRPr sz="4400" kern="1200">
+                <a:solidFill>
+                  <a:schemeClr val="tx1"/>
+                </a:solidFill>
+                <a:latin typeface="微软雅黑" panose="020B0503020204020204" pitchFamily="34" charset="-122"/>
+                <a:ea typeface="微软雅黑" panose="020B0503020204020204" pitchFamily="34" charset="-122"/>
+                <a:cs typeface="+mj-cs"/>
+              </a:defRPr>
+            </a:lvl1pPr>
+          </a:lstStyle>
+          <a:p>
+            <a:r>
+              <a:rPr lang="en-US" altLang="zh-CN" sz="1800" dirty="0"/>
+              <a:t>Long Short-Term Memory Recurrent Neural Network Architectures for Large Scale Acoustic Modeling </a:t>
+            </a:r>
+            <a:endParaRPr lang="zh-CN" altLang="en-US" sz="1800" dirty="0"/>
           </a:p>
         </p:txBody>
       </p:sp>
       <p:pic>
         <p:nvPicPr>
-          <p:cNvPr id="4" name="图片 3">
-            <a:extLst>
-              <a:ext uri="{FF2B5EF4-FFF2-40B4-BE49-F238E27FC236}">
-                <a16:creationId xmlns:a16="http://schemas.microsoft.com/office/drawing/2014/main" id="{32776240-DA65-4842-8E8D-00EB9164E490}"/>
+          <p:cNvPr id="8" name="图片 7">
+            <a:extLst>
+              <a:ext uri="{FF2B5EF4-FFF2-40B4-BE49-F238E27FC236}">
+                <a16:creationId xmlns:a16="http://schemas.microsoft.com/office/drawing/2014/main" id="{3C525B69-BD61-44D0-A0D0-59F690B8B73B}"/>
               </a:ext>
             </a:extLst>
           </p:cNvPr>
@@ -2048,18 +2318,378 @@
         </p:blipFill>
         <p:spPr>
           <a:xfrm>
-            <a:off x="856957" y="1510748"/>
-            <a:ext cx="8388034" cy="4713900"/>
+            <a:off x="4885267" y="1792067"/>
+            <a:ext cx="3031671" cy="2135950"/>
           </a:xfrm>
           <a:prstGeom prst="rect">
             <a:avLst/>
           </a:prstGeom>
         </p:spPr>
       </p:pic>
+      <p:pic>
+        <p:nvPicPr>
+          <p:cNvPr id="9" name="内容占位符 8">
+            <a:extLst>
+              <a:ext uri="{FF2B5EF4-FFF2-40B4-BE49-F238E27FC236}">
+                <a16:creationId xmlns:a16="http://schemas.microsoft.com/office/drawing/2014/main" id="{F8FE1CB8-C6D3-4369-916C-D58E6D2F7F97}"/>
+              </a:ext>
+            </a:extLst>
+          </p:cNvPr>
+          <p:cNvPicPr>
+            <a:picLocks noChangeAspect="1"/>
+          </p:cNvPicPr>
+          <p:nvPr/>
+        </p:nvPicPr>
+        <p:blipFill>
+          <a:blip r:embed="rId3"/>
+          <a:stretch>
+            <a:fillRect/>
+          </a:stretch>
+        </p:blipFill>
+        <p:spPr>
+          <a:xfrm>
+            <a:off x="8433586" y="2150429"/>
+            <a:ext cx="3400425" cy="1419225"/>
+          </a:xfrm>
+          <a:prstGeom prst="rect">
+            <a:avLst/>
+          </a:prstGeom>
+        </p:spPr>
+      </p:pic>
+      <p:sp>
+        <p:nvSpPr>
+          <p:cNvPr id="10" name="文本框 9">
+            <a:extLst>
+              <a:ext uri="{FF2B5EF4-FFF2-40B4-BE49-F238E27FC236}">
+                <a16:creationId xmlns:a16="http://schemas.microsoft.com/office/drawing/2014/main" id="{8998AEB1-1A60-4736-A99A-45E3C2E10810}"/>
+              </a:ext>
+            </a:extLst>
+          </p:cNvPr>
+          <p:cNvSpPr txBox="1"/>
+          <p:nvPr/>
+        </p:nvSpPr>
+        <p:spPr>
+          <a:xfrm>
+            <a:off x="4782820" y="3988510"/>
+            <a:ext cx="3268980" cy="480131"/>
+          </a:xfrm>
+          <a:prstGeom prst="rect">
+            <a:avLst/>
+          </a:prstGeom>
+          <a:noFill/>
+        </p:spPr>
+        <p:txBody>
+          <a:bodyPr wrap="square" rtlCol="0">
+            <a:spAutoFit/>
+          </a:bodyPr>
+          <a:lstStyle/>
+          <a:p>
+            <a:pPr>
+              <a:lnSpc>
+                <a:spcPct val="90000"/>
+              </a:lnSpc>
+              <a:spcBef>
+                <a:spcPts val="1000"/>
+              </a:spcBef>
+            </a:pPr>
+            <a:r>
+              <a:rPr lang="en-US" altLang="zh-CN" sz="1400" dirty="0">
+                <a:latin typeface="微软雅黑" panose="020B0503020204020204" pitchFamily="34" charset="-122"/>
+                <a:ea typeface="微软雅黑" panose="020B0503020204020204" pitchFamily="34" charset="-122"/>
+              </a:rPr>
+              <a:t>Experiments with LSTM and </a:t>
+            </a:r>
+            <a:r>
+              <a:rPr lang="en-US" altLang="zh-CN" sz="1400" dirty="0" err="1">
+                <a:latin typeface="微软雅黑" panose="020B0503020204020204" pitchFamily="34" charset="-122"/>
+                <a:ea typeface="微软雅黑" panose="020B0503020204020204" pitchFamily="34" charset="-122"/>
+              </a:rPr>
+              <a:t>LSTMP</a:t>
+            </a:r>
+            <a:r>
+              <a:rPr lang="en-US" altLang="zh-CN" sz="1400" dirty="0">
+                <a:latin typeface="微软雅黑" panose="020B0503020204020204" pitchFamily="34" charset="-122"/>
+                <a:ea typeface="微软雅黑" panose="020B0503020204020204" pitchFamily="34" charset="-122"/>
+              </a:rPr>
+              <a:t> </a:t>
+            </a:r>
+            <a:r>
+              <a:rPr lang="en-US" altLang="zh-CN" sz="1400" dirty="0" err="1">
+                <a:latin typeface="微软雅黑" panose="020B0503020204020204" pitchFamily="34" charset="-122"/>
+                <a:ea typeface="微软雅黑" panose="020B0503020204020204" pitchFamily="34" charset="-122"/>
+              </a:rPr>
+              <a:t>RNN</a:t>
+            </a:r>
+            <a:r>
+              <a:rPr lang="en-US" altLang="zh-CN" sz="1400" dirty="0">
+                <a:latin typeface="微软雅黑" panose="020B0503020204020204" pitchFamily="34" charset="-122"/>
+                <a:ea typeface="微软雅黑" panose="020B0503020204020204" pitchFamily="34" charset="-122"/>
+              </a:rPr>
+              <a:t> architectures</a:t>
+            </a:r>
+            <a:endParaRPr lang="zh-CN" altLang="en-US" sz="1400" dirty="0">
+              <a:latin typeface="微软雅黑" panose="020B0503020204020204" pitchFamily="34" charset="-122"/>
+              <a:ea typeface="微软雅黑" panose="020B0503020204020204" pitchFamily="34" charset="-122"/>
+            </a:endParaRPr>
+          </a:p>
+        </p:txBody>
+      </p:sp>
+      <p:cxnSp>
+        <p:nvCxnSpPr>
+          <p:cNvPr id="13" name="直接连接符 12">
+            <a:extLst>
+              <a:ext uri="{FF2B5EF4-FFF2-40B4-BE49-F238E27FC236}">
+                <a16:creationId xmlns:a16="http://schemas.microsoft.com/office/drawing/2014/main" id="{1EAF102F-C681-471C-BB45-10B6E6CEB0C6}"/>
+              </a:ext>
+            </a:extLst>
+          </p:cNvPr>
+          <p:cNvCxnSpPr/>
+          <p:nvPr/>
+        </p:nvCxnSpPr>
+        <p:spPr>
+          <a:xfrm>
+            <a:off x="4521200" y="237067"/>
+            <a:ext cx="0" cy="6383866"/>
+          </a:xfrm>
+          <a:prstGeom prst="line">
+            <a:avLst/>
+          </a:prstGeom>
+        </p:spPr>
+        <p:style>
+          <a:lnRef idx="1">
+            <a:schemeClr val="accent1"/>
+          </a:lnRef>
+          <a:fillRef idx="0">
+            <a:schemeClr val="accent1"/>
+          </a:fillRef>
+          <a:effectRef idx="0">
+            <a:schemeClr val="accent1"/>
+          </a:effectRef>
+          <a:fontRef idx="minor">
+            <a:schemeClr val="tx1"/>
+          </a:fontRef>
+        </p:style>
+      </p:cxnSp>
+      <p:sp>
+        <p:nvSpPr>
+          <p:cNvPr id="14" name="矩形 13">
+            <a:extLst>
+              <a:ext uri="{FF2B5EF4-FFF2-40B4-BE49-F238E27FC236}">
+                <a16:creationId xmlns:a16="http://schemas.microsoft.com/office/drawing/2014/main" id="{D623BA68-C3E7-4389-8F93-0695E054E42C}"/>
+              </a:ext>
+            </a:extLst>
+          </p:cNvPr>
+          <p:cNvSpPr/>
+          <p:nvPr/>
+        </p:nvSpPr>
+        <p:spPr>
+          <a:xfrm>
+            <a:off x="8175667" y="4085459"/>
+            <a:ext cx="3916265" cy="286232"/>
+          </a:xfrm>
+          <a:prstGeom prst="rect">
+            <a:avLst/>
+          </a:prstGeom>
+        </p:spPr>
+        <p:txBody>
+          <a:bodyPr wrap="none">
+            <a:spAutoFit/>
+          </a:bodyPr>
+          <a:lstStyle/>
+          <a:p>
+            <a:pPr>
+              <a:lnSpc>
+                <a:spcPct val="90000"/>
+              </a:lnSpc>
+              <a:spcBef>
+                <a:spcPts val="1000"/>
+              </a:spcBef>
+            </a:pPr>
+            <a:r>
+              <a:rPr lang="en-US" altLang="zh-CN" sz="1400" dirty="0">
+                <a:latin typeface="微软雅黑" panose="020B0503020204020204" pitchFamily="34" charset="-122"/>
+                <a:ea typeface="微软雅黑" panose="020B0503020204020204" pitchFamily="34" charset="-122"/>
+              </a:rPr>
+              <a:t>Experiments with </a:t>
+            </a:r>
+            <a:r>
+              <a:rPr lang="en-US" altLang="zh-CN" sz="1400" dirty="0" err="1">
+                <a:latin typeface="微软雅黑" panose="020B0503020204020204" pitchFamily="34" charset="-122"/>
+                <a:ea typeface="微软雅黑" panose="020B0503020204020204" pitchFamily="34" charset="-122"/>
+              </a:rPr>
+              <a:t>LSTMP</a:t>
+            </a:r>
+            <a:r>
+              <a:rPr lang="en-US" altLang="zh-CN" sz="1400" dirty="0">
+                <a:latin typeface="微软雅黑" panose="020B0503020204020204" pitchFamily="34" charset="-122"/>
+                <a:ea typeface="微软雅黑" panose="020B0503020204020204" pitchFamily="34" charset="-122"/>
+              </a:rPr>
+              <a:t> </a:t>
+            </a:r>
+            <a:r>
+              <a:rPr lang="en-US" altLang="zh-CN" sz="1400" dirty="0" err="1">
+                <a:latin typeface="微软雅黑" panose="020B0503020204020204" pitchFamily="34" charset="-122"/>
+                <a:ea typeface="微软雅黑" panose="020B0503020204020204" pitchFamily="34" charset="-122"/>
+              </a:rPr>
+              <a:t>RNN</a:t>
+            </a:r>
+            <a:r>
+              <a:rPr lang="en-US" altLang="zh-CN" sz="1400" dirty="0">
+                <a:latin typeface="微软雅黑" panose="020B0503020204020204" pitchFamily="34" charset="-122"/>
+                <a:ea typeface="微软雅黑" panose="020B0503020204020204" pitchFamily="34" charset="-122"/>
+              </a:rPr>
+              <a:t> architectures</a:t>
+            </a:r>
+            <a:endParaRPr lang="zh-CN" altLang="en-US" sz="1400" dirty="0">
+              <a:latin typeface="微软雅黑" panose="020B0503020204020204" pitchFamily="34" charset="-122"/>
+              <a:ea typeface="微软雅黑" panose="020B0503020204020204" pitchFamily="34" charset="-122"/>
+            </a:endParaRPr>
+          </a:p>
+        </p:txBody>
+      </p:sp>
+      <p:sp>
+        <p:nvSpPr>
+          <p:cNvPr id="15" name="文本框 14">
+            <a:extLst>
+              <a:ext uri="{FF2B5EF4-FFF2-40B4-BE49-F238E27FC236}">
+                <a16:creationId xmlns:a16="http://schemas.microsoft.com/office/drawing/2014/main" id="{26CD58B7-4BCB-4D5A-9B5F-18E383A1AD0A}"/>
+              </a:ext>
+            </a:extLst>
+          </p:cNvPr>
+          <p:cNvSpPr txBox="1"/>
+          <p:nvPr/>
+        </p:nvSpPr>
+        <p:spPr>
+          <a:xfrm>
+            <a:off x="6160824" y="6620933"/>
+            <a:ext cx="4891083" cy="244682"/>
+          </a:xfrm>
+          <a:prstGeom prst="rect">
+            <a:avLst/>
+          </a:prstGeom>
+          <a:noFill/>
+        </p:spPr>
+        <p:txBody>
+          <a:bodyPr wrap="none" rtlCol="0">
+            <a:spAutoFit/>
+          </a:bodyPr>
+          <a:lstStyle/>
+          <a:p>
+            <a:pPr>
+              <a:lnSpc>
+                <a:spcPct val="90000"/>
+              </a:lnSpc>
+              <a:spcBef>
+                <a:spcPts val="1000"/>
+              </a:spcBef>
+            </a:pPr>
+            <a:r>
+              <a:rPr lang="en-US" altLang="zh-CN" sz="1100" dirty="0">
+                <a:latin typeface="微软雅黑" panose="020B0503020204020204" pitchFamily="34" charset="-122"/>
+                <a:ea typeface="微软雅黑" panose="020B0503020204020204" pitchFamily="34" charset="-122"/>
+              </a:rPr>
+              <a:t>https://www.isca-speech.org/archive/interspeech_2014/i14_0338.html</a:t>
+            </a:r>
+            <a:endParaRPr lang="zh-CN" altLang="en-US" sz="1100" dirty="0">
+              <a:latin typeface="微软雅黑" panose="020B0503020204020204" pitchFamily="34" charset="-122"/>
+              <a:ea typeface="微软雅黑" panose="020B0503020204020204" pitchFamily="34" charset="-122"/>
+            </a:endParaRPr>
+          </a:p>
+        </p:txBody>
+      </p:sp>
+      <p:sp>
+        <p:nvSpPr>
+          <p:cNvPr id="16" name="文本框 15">
+            <a:extLst>
+              <a:ext uri="{FF2B5EF4-FFF2-40B4-BE49-F238E27FC236}">
+                <a16:creationId xmlns:a16="http://schemas.microsoft.com/office/drawing/2014/main" id="{388BE3BA-9BF3-408A-9052-A130560B3B5C}"/>
+              </a:ext>
+            </a:extLst>
+          </p:cNvPr>
+          <p:cNvSpPr txBox="1"/>
+          <p:nvPr/>
+        </p:nvSpPr>
+        <p:spPr>
+          <a:xfrm>
+            <a:off x="4900246" y="4887496"/>
+            <a:ext cx="3533340" cy="930511"/>
+          </a:xfrm>
+          <a:prstGeom prst="rect">
+            <a:avLst/>
+          </a:prstGeom>
+          <a:noFill/>
+          <a:ln>
+            <a:solidFill>
+              <a:srgbClr val="003399"/>
+            </a:solidFill>
+          </a:ln>
+        </p:spPr>
+        <p:txBody>
+          <a:bodyPr wrap="none" rtlCol="0">
+            <a:spAutoFit/>
+          </a:bodyPr>
+          <a:lstStyle/>
+          <a:p>
+            <a:pPr algn="l">
+              <a:lnSpc>
+                <a:spcPct val="90000"/>
+              </a:lnSpc>
+              <a:spcBef>
+                <a:spcPts val="1000"/>
+              </a:spcBef>
+            </a:pPr>
+            <a:r>
+              <a:rPr lang="en-US" altLang="zh-CN" sz="1400" dirty="0">
+                <a:latin typeface="微软雅黑" panose="020B0503020204020204" pitchFamily="34" charset="-122"/>
+                <a:ea typeface="微软雅黑" panose="020B0503020204020204" pitchFamily="34" charset="-122"/>
+              </a:rPr>
+              <a:t>C: number of memory cells </a:t>
+            </a:r>
+          </a:p>
+          <a:p>
+            <a:pPr algn="l">
+              <a:lnSpc>
+                <a:spcPct val="90000"/>
+              </a:lnSpc>
+              <a:spcBef>
+                <a:spcPts val="1000"/>
+              </a:spcBef>
+            </a:pPr>
+            <a:r>
+              <a:rPr lang="en-US" altLang="zh-CN" sz="1400" dirty="0">
+                <a:latin typeface="微软雅黑" panose="020B0503020204020204" pitchFamily="34" charset="-122"/>
+                <a:ea typeface="微软雅黑" panose="020B0503020204020204" pitchFamily="34" charset="-122"/>
+              </a:rPr>
+              <a:t>P: number of recurrent projection units</a:t>
+            </a:r>
+          </a:p>
+          <a:p>
+            <a:pPr algn="l">
+              <a:lnSpc>
+                <a:spcPct val="90000"/>
+              </a:lnSpc>
+              <a:spcBef>
+                <a:spcPts val="1000"/>
+              </a:spcBef>
+            </a:pPr>
+            <a:r>
+              <a:rPr lang="en-US" altLang="zh-CN" sz="1400" dirty="0">
+                <a:latin typeface="微软雅黑" panose="020B0503020204020204" pitchFamily="34" charset="-122"/>
+                <a:ea typeface="微软雅黑" panose="020B0503020204020204" pitchFamily="34" charset="-122"/>
+              </a:rPr>
+              <a:t>N: total number of parameters</a:t>
+            </a:r>
+            <a:endParaRPr lang="zh-CN" altLang="en-US" sz="1400" dirty="0">
+              <a:latin typeface="微软雅黑" panose="020B0503020204020204" pitchFamily="34" charset="-122"/>
+              <a:ea typeface="微软雅黑" panose="020B0503020204020204" pitchFamily="34" charset="-122"/>
+            </a:endParaRPr>
+          </a:p>
+        </p:txBody>
+      </p:sp>
     </p:spTree>
     <p:extLst>
       <p:ext uri="{BB962C8B-B14F-4D97-AF65-F5344CB8AC3E}">
-        <p14:creationId xmlns:p14="http://schemas.microsoft.com/office/powerpoint/2010/main" val="1349458951"/>
+        <p14:creationId xmlns:p14="http://schemas.microsoft.com/office/powerpoint/2010/main" val="579162120"/>
       </p:ext>
     </p:extLst>
   </p:cSld>
@@ -2091,7 +2721,7 @@
           <p:cNvPr id="2" name="内容占位符 1">
             <a:extLst>
               <a:ext uri="{FF2B5EF4-FFF2-40B4-BE49-F238E27FC236}">
-                <a16:creationId xmlns:a16="http://schemas.microsoft.com/office/drawing/2014/main" id="{84FBF3BC-D5EB-41AB-8E77-FE6B2405C1F9}"/>
+                <a16:creationId xmlns:a16="http://schemas.microsoft.com/office/drawing/2014/main" id="{295CD6D9-F3EC-4757-BB59-29EC7248F107}"/>
               </a:ext>
             </a:extLst>
           </p:cNvPr>
@@ -2102,31 +2732,35 @@
             <p:ph idx="1"/>
           </p:nvPr>
         </p:nvSpPr>
-        <p:spPr/>
+        <p:spPr>
+          <a:xfrm>
+            <a:off x="414867" y="4820391"/>
+            <a:ext cx="6002865" cy="1225726"/>
+          </a:xfrm>
+        </p:spPr>
         <p:txBody>
-          <a:bodyPr/>
+          <a:bodyPr>
+            <a:normAutofit/>
+          </a:bodyPr>
           <a:lstStyle/>
           <a:p>
-            <a:endParaRPr lang="en-US" altLang="zh-CN" dirty="0"/>
-          </a:p>
-          <a:p>
-            <a:r>
-              <a:rPr lang="en-US" altLang="zh-CN" dirty="0"/>
-              <a:t>input vector: 30000 – 200000</a:t>
-            </a:r>
-          </a:p>
-          <a:p>
-            <a:r>
-              <a:rPr lang="en-US" altLang="zh-CN" dirty="0"/>
-              <a:t>size of hidden layer: 30 – 500</a:t>
-            </a:r>
-          </a:p>
-          <a:p>
-            <a:r>
-              <a:rPr lang="en-US" altLang="zh-CN" dirty="0"/>
-              <a:t>starting learning rate: 0.1</a:t>
-            </a:r>
-            <a:endParaRPr lang="zh-CN" altLang="en-US" dirty="0"/>
+            <a:r>
+              <a:rPr lang="en-US" altLang="zh-CN" sz="1600" dirty="0"/>
+              <a:t>1-of-K coding (K: number of words in the vocabulary)</a:t>
+            </a:r>
+          </a:p>
+          <a:p>
+            <a:r>
+              <a:rPr lang="en-US" altLang="zh-CN" sz="1600" dirty="0"/>
+              <a:t>150 hidden nodes corresponds to 7.6 M parameters</a:t>
+            </a:r>
+          </a:p>
+          <a:p>
+            <a:r>
+              <a:rPr lang="en-US" altLang="zh-CN" sz="1600" dirty="0"/>
+              <a:t>350 hidden nodes corresponds to 7.1 M parameters</a:t>
+            </a:r>
+            <a:endParaRPr lang="zh-CN" altLang="en-US" sz="1600" dirty="0"/>
           </a:p>
         </p:txBody>
       </p:sp>
@@ -2135,7 +2769,7 @@
           <p:cNvPr id="3" name="标题 2">
             <a:extLst>
               <a:ext uri="{FF2B5EF4-FFF2-40B4-BE49-F238E27FC236}">
-                <a16:creationId xmlns:a16="http://schemas.microsoft.com/office/drawing/2014/main" id="{699ACCD2-F319-4164-A8A2-2522CCD61EA7}"/>
+                <a16:creationId xmlns:a16="http://schemas.microsoft.com/office/drawing/2014/main" id="{BFD8858C-5CAF-4CB9-9C7C-D9323EA60ED6}"/>
               </a:ext>
             </a:extLst>
           </p:cNvPr>
@@ -2146,7 +2780,12 @@
             <p:ph type="title"/>
           </p:nvPr>
         </p:nvSpPr>
-        <p:spPr/>
+        <p:spPr>
+          <a:xfrm>
+            <a:off x="93134" y="394418"/>
+            <a:ext cx="6002866" cy="946840"/>
+          </a:xfrm>
+        </p:spPr>
         <p:txBody>
           <a:bodyPr>
             <a:noAutofit/>
@@ -2154,121 +2793,10 @@
           <a:lstStyle/>
           <a:p>
             <a:r>
-              <a:rPr lang="en-US" altLang="zh-CN" sz="2800" dirty="0"/>
-              <a:t>Recurrent neural network based language model</a:t>
-            </a:r>
-            <a:endParaRPr lang="zh-CN" altLang="en-US" sz="2800" dirty="0"/>
-          </a:p>
-        </p:txBody>
-      </p:sp>
-      <p:sp>
-        <p:nvSpPr>
-          <p:cNvPr id="4" name="文本框 3">
-            <a:extLst>
-              <a:ext uri="{FF2B5EF4-FFF2-40B4-BE49-F238E27FC236}">
-                <a16:creationId xmlns:a16="http://schemas.microsoft.com/office/drawing/2014/main" id="{808E790B-A98A-43E5-BFA7-AD5596C74B1F}"/>
-              </a:ext>
-            </a:extLst>
-          </p:cNvPr>
-          <p:cNvSpPr txBox="1"/>
-          <p:nvPr/>
-        </p:nvSpPr>
-        <p:spPr>
-          <a:xfrm>
-            <a:off x="2588822" y="6544068"/>
-            <a:ext cx="7014356" cy="313932"/>
-          </a:xfrm>
-          <a:prstGeom prst="rect">
-            <a:avLst/>
-          </a:prstGeom>
-          <a:noFill/>
-        </p:spPr>
-        <p:txBody>
-          <a:bodyPr wrap="none" rtlCol="0">
-            <a:spAutoFit/>
-          </a:bodyPr>
-          <a:lstStyle/>
-          <a:p>
-            <a:pPr>
-              <a:lnSpc>
-                <a:spcPct val="90000"/>
-              </a:lnSpc>
-              <a:spcBef>
-                <a:spcPts val="1000"/>
-              </a:spcBef>
-            </a:pPr>
-            <a:r>
-              <a:rPr lang="en-US" altLang="zh-CN" sz="1600" dirty="0">
-                <a:latin typeface="微软雅黑" panose="020B0503020204020204" pitchFamily="34" charset="-122"/>
-                <a:ea typeface="微软雅黑" panose="020B0503020204020204" pitchFamily="34" charset="-122"/>
-              </a:rPr>
-              <a:t>https://www.isca-speech.org/archive/interspeech_2010/i10_1045.html</a:t>
-            </a:r>
-            <a:endParaRPr lang="zh-CN" altLang="en-US" sz="1600" dirty="0">
-              <a:latin typeface="微软雅黑" panose="020B0503020204020204" pitchFamily="34" charset="-122"/>
-              <a:ea typeface="微软雅黑" panose="020B0503020204020204" pitchFamily="34" charset="-122"/>
-            </a:endParaRPr>
-          </a:p>
-        </p:txBody>
-      </p:sp>
-    </p:spTree>
-    <p:extLst>
-      <p:ext uri="{BB962C8B-B14F-4D97-AF65-F5344CB8AC3E}">
-        <p14:creationId xmlns:p14="http://schemas.microsoft.com/office/powerpoint/2010/main" val="579162120"/>
-      </p:ext>
-    </p:extLst>
-  </p:cSld>
-  <p:clrMapOvr>
-    <a:masterClrMapping/>
-  </p:clrMapOvr>
-</p:sld>
-</file>
-
-<file path=ppt/slides/slide15.xml><?xml version="1.0" encoding="utf-8"?>
-<p:sld xmlns:a="http://schemas.openxmlformats.org/drawingml/2006/main" xmlns:r="http://schemas.openxmlformats.org/officeDocument/2006/relationships" xmlns:p="http://schemas.openxmlformats.org/presentationml/2006/main">
-  <p:cSld>
-    <p:spTree>
-      <p:nvGrpSpPr>
-        <p:cNvPr id="1" name=""/>
-        <p:cNvGrpSpPr/>
-        <p:nvPr/>
-      </p:nvGrpSpPr>
-      <p:grpSpPr>
-        <a:xfrm>
-          <a:off x="0" y="0"/>
-          <a:ext cx="0" cy="0"/>
-          <a:chOff x="0" y="0"/>
-          <a:chExt cx="0" cy="0"/>
-        </a:xfrm>
-      </p:grpSpPr>
-      <p:sp>
-        <p:nvSpPr>
-          <p:cNvPr id="3" name="标题 2">
-            <a:extLst>
-              <a:ext uri="{FF2B5EF4-FFF2-40B4-BE49-F238E27FC236}">
-                <a16:creationId xmlns:a16="http://schemas.microsoft.com/office/drawing/2014/main" id="{F622A923-6CA7-4078-A97A-D83E193ED7CD}"/>
-              </a:ext>
-            </a:extLst>
-          </p:cNvPr>
-          <p:cNvSpPr>
-            <a:spLocks noGrp="1"/>
-          </p:cNvSpPr>
-          <p:nvPr>
-            <p:ph type="title"/>
-          </p:nvPr>
-        </p:nvSpPr>
-        <p:spPr/>
-        <p:txBody>
-          <a:bodyPr>
-            <a:noAutofit/>
-          </a:bodyPr>
-          <a:lstStyle/>
-          <a:p>
-            <a:r>
-              <a:rPr lang="en-US" altLang="zh-CN" sz="2800" dirty="0"/>
-              <a:t>Long Short-Term Memory Recurrent Neural Network Architectures for Large Scale Acoustic Modeling </a:t>
-            </a:r>
-            <a:endParaRPr lang="zh-CN" altLang="en-US" sz="2800" dirty="0"/>
+              <a:rPr lang="en-US" altLang="zh-CN" sz="1800" dirty="0"/>
+              <a:t>LSTM Neural Networks for Language Modeling</a:t>
+            </a:r>
+            <a:endParaRPr lang="zh-CN" altLang="en-US" sz="1800" dirty="0"/>
           </a:p>
         </p:txBody>
       </p:sp>
@@ -2277,7 +2805,7 @@
           <p:cNvPr id="4" name="图片 3">
             <a:extLst>
               <a:ext uri="{FF2B5EF4-FFF2-40B4-BE49-F238E27FC236}">
-                <a16:creationId xmlns:a16="http://schemas.microsoft.com/office/drawing/2014/main" id="{DBAE6140-878C-4E12-A08F-5AB03E780642}"/>
+                <a16:creationId xmlns:a16="http://schemas.microsoft.com/office/drawing/2014/main" id="{E87D2478-3DEB-4FE1-834C-EFD5535F07BD}"/>
               </a:ext>
             </a:extLst>
           </p:cNvPr>
@@ -2294,8 +2822,8 @@
         </p:blipFill>
         <p:spPr>
           <a:xfrm>
-            <a:off x="1427387" y="1858210"/>
-            <a:ext cx="3797755" cy="2675691"/>
+            <a:off x="1018117" y="1424746"/>
+            <a:ext cx="3714750" cy="2981325"/>
           </a:xfrm>
           <a:prstGeom prst="rect">
             <a:avLst/>
@@ -2304,10 +2832,10 @@
       </p:pic>
       <p:sp>
         <p:nvSpPr>
-          <p:cNvPr id="5" name="文本框 4">
-            <a:extLst>
-              <a:ext uri="{FF2B5EF4-FFF2-40B4-BE49-F238E27FC236}">
-                <a16:creationId xmlns:a16="http://schemas.microsoft.com/office/drawing/2014/main" id="{BBDF38DE-8A12-4668-83DA-5949753B5621}"/>
+          <p:cNvPr id="8" name="文本框 7">
+            <a:extLst>
+              <a:ext uri="{FF2B5EF4-FFF2-40B4-BE49-F238E27FC236}">
+                <a16:creationId xmlns:a16="http://schemas.microsoft.com/office/drawing/2014/main" id="{F49069FD-104C-40B1-AADA-1534C47C36AA}"/>
               </a:ext>
             </a:extLst>
           </p:cNvPr>
@@ -2316,124 +2844,8 @@
         </p:nvSpPr>
         <p:spPr>
           <a:xfrm>
-            <a:off x="6388915" y="5204298"/>
-            <a:ext cx="4964885" cy="1179810"/>
-          </a:xfrm>
-          <a:prstGeom prst="rect">
-            <a:avLst/>
-          </a:prstGeom>
-          <a:noFill/>
-        </p:spPr>
-        <p:txBody>
-          <a:bodyPr wrap="none" rtlCol="0">
-            <a:spAutoFit/>
-          </a:bodyPr>
-          <a:lstStyle/>
-          <a:p>
-            <a:pPr algn="l">
-              <a:lnSpc>
-                <a:spcPct val="90000"/>
-              </a:lnSpc>
-              <a:spcBef>
-                <a:spcPts val="1000"/>
-              </a:spcBef>
-            </a:pPr>
-            <a:r>
-              <a:rPr lang="en-US" altLang="zh-CN" sz="2000" dirty="0">
-                <a:latin typeface="微软雅黑" panose="020B0503020204020204" pitchFamily="34" charset="-122"/>
-                <a:ea typeface="微软雅黑" panose="020B0503020204020204" pitchFamily="34" charset="-122"/>
-              </a:rPr>
-              <a:t>C: number of memory cells </a:t>
-            </a:r>
-          </a:p>
-          <a:p>
-            <a:pPr algn="l">
-              <a:lnSpc>
-                <a:spcPct val="90000"/>
-              </a:lnSpc>
-              <a:spcBef>
-                <a:spcPts val="1000"/>
-              </a:spcBef>
-            </a:pPr>
-            <a:r>
-              <a:rPr lang="en-US" altLang="zh-CN" sz="2000" dirty="0">
-                <a:latin typeface="微软雅黑" panose="020B0503020204020204" pitchFamily="34" charset="-122"/>
-                <a:ea typeface="微软雅黑" panose="020B0503020204020204" pitchFamily="34" charset="-122"/>
-              </a:rPr>
-              <a:t>P: number of recurrent projection units</a:t>
-            </a:r>
-          </a:p>
-          <a:p>
-            <a:pPr algn="l">
-              <a:lnSpc>
-                <a:spcPct val="90000"/>
-              </a:lnSpc>
-              <a:spcBef>
-                <a:spcPts val="1000"/>
-              </a:spcBef>
-            </a:pPr>
-            <a:r>
-              <a:rPr lang="en-US" altLang="zh-CN" sz="2000" dirty="0">
-                <a:latin typeface="微软雅黑" panose="020B0503020204020204" pitchFamily="34" charset="-122"/>
-                <a:ea typeface="微软雅黑" panose="020B0503020204020204" pitchFamily="34" charset="-122"/>
-              </a:rPr>
-              <a:t>N: total number of parameters</a:t>
-            </a:r>
-            <a:endParaRPr lang="zh-CN" altLang="en-US" sz="2000" dirty="0">
-              <a:latin typeface="微软雅黑" panose="020B0503020204020204" pitchFamily="34" charset="-122"/>
-              <a:ea typeface="微软雅黑" panose="020B0503020204020204" pitchFamily="34" charset="-122"/>
-            </a:endParaRPr>
-          </a:p>
-        </p:txBody>
-      </p:sp>
-      <p:pic>
-        <p:nvPicPr>
-          <p:cNvPr id="9" name="内容占位符 8">
-            <a:extLst>
-              <a:ext uri="{FF2B5EF4-FFF2-40B4-BE49-F238E27FC236}">
-                <a16:creationId xmlns:a16="http://schemas.microsoft.com/office/drawing/2014/main" id="{758AA9C1-67DF-47A3-AF12-7FB6192C678F}"/>
-              </a:ext>
-            </a:extLst>
-          </p:cNvPr>
-          <p:cNvPicPr>
-            <a:picLocks noGrp="1" noChangeAspect="1"/>
-          </p:cNvPicPr>
-          <p:nvPr>
-            <p:ph idx="1"/>
-          </p:nvPr>
-        </p:nvPicPr>
-        <p:blipFill>
-          <a:blip r:embed="rId3"/>
-          <a:stretch>
-            <a:fillRect/>
-          </a:stretch>
-        </p:blipFill>
-        <p:spPr>
-          <a:xfrm>
-            <a:off x="7206345" y="2088873"/>
-            <a:ext cx="3400425" cy="1419225"/>
-          </a:xfrm>
-          <a:prstGeom prst="rect">
-            <a:avLst/>
-          </a:prstGeom>
-        </p:spPr>
-      </p:pic>
-      <p:sp>
-        <p:nvSpPr>
-          <p:cNvPr id="11" name="文本框 10">
-            <a:extLst>
-              <a:ext uri="{FF2B5EF4-FFF2-40B4-BE49-F238E27FC236}">
-                <a16:creationId xmlns:a16="http://schemas.microsoft.com/office/drawing/2014/main" id="{3CE76E85-966D-43AE-847B-4A5A6D819C62}"/>
-              </a:ext>
-            </a:extLst>
-          </p:cNvPr>
-          <p:cNvSpPr txBox="1"/>
-          <p:nvPr/>
-        </p:nvSpPr>
-        <p:spPr>
-          <a:xfrm>
-            <a:off x="2588822" y="6544068"/>
-            <a:ext cx="7014356" cy="313932"/>
+            <a:off x="649025" y="6613318"/>
+            <a:ext cx="4891083" cy="244682"/>
           </a:xfrm>
           <a:prstGeom prst="rect">
             <a:avLst/>
@@ -2455,13 +2867,13 @@
               </a:spcBef>
             </a:pPr>
             <a:r>
-              <a:rPr lang="en-US" altLang="zh-CN" sz="1600" dirty="0">
+              <a:rPr lang="en-US" altLang="zh-CN" sz="1100" dirty="0">
                 <a:latin typeface="微软雅黑" panose="020B0503020204020204" pitchFamily="34" charset="-122"/>
                 <a:ea typeface="微软雅黑" panose="020B0503020204020204" pitchFamily="34" charset="-122"/>
               </a:rPr>
-              <a:t>https://www.isca-speech.org/archive/interspeech_2014/i14_0338.html</a:t>
-            </a:r>
-            <a:endParaRPr lang="zh-CN" altLang="en-US" sz="1600" dirty="0">
+              <a:t>https://www.isca-speech.org/archive/interspeech_2012/i12_0194.html</a:t>
+            </a:r>
+            <a:endParaRPr lang="zh-CN" altLang="en-US" sz="1100" dirty="0">
               <a:latin typeface="微软雅黑" panose="020B0503020204020204" pitchFamily="34" charset="-122"/>
               <a:ea typeface="微软雅黑" panose="020B0503020204020204" pitchFamily="34" charset="-122"/>
             </a:endParaRPr>
@@ -2470,440 +2882,301 @@
       </p:sp>
       <p:sp>
         <p:nvSpPr>
-          <p:cNvPr id="12" name="文本框 11">
-            <a:extLst>
-              <a:ext uri="{FF2B5EF4-FFF2-40B4-BE49-F238E27FC236}">
-                <a16:creationId xmlns:a16="http://schemas.microsoft.com/office/drawing/2014/main" id="{A7A219DF-7DFF-426A-90DD-7BCE26B713C0}"/>
-              </a:ext>
-            </a:extLst>
-          </p:cNvPr>
-          <p:cNvSpPr txBox="1"/>
+          <p:cNvPr id="7" name="标题 2">
+            <a:extLst>
+              <a:ext uri="{FF2B5EF4-FFF2-40B4-BE49-F238E27FC236}">
+                <a16:creationId xmlns:a16="http://schemas.microsoft.com/office/drawing/2014/main" id="{9656890C-5B41-44DB-AF96-BCADB224CC16}"/>
+              </a:ext>
+            </a:extLst>
+          </p:cNvPr>
+          <p:cNvSpPr txBox="1">
+            <a:spLocks/>
+          </p:cNvSpPr>
           <p:nvPr/>
         </p:nvSpPr>
         <p:spPr>
           <a:xfrm>
-            <a:off x="612896" y="4563493"/>
-            <a:ext cx="5483104" cy="313932"/>
+            <a:off x="6095999" y="365126"/>
+            <a:ext cx="5909733" cy="946840"/>
           </a:xfrm>
           <a:prstGeom prst="rect">
             <a:avLst/>
           </a:prstGeom>
-          <a:noFill/>
         </p:spPr>
         <p:txBody>
-          <a:bodyPr wrap="none" rtlCol="0">
-            <a:spAutoFit/>
+          <a:bodyPr vert="horz" lIns="91440" tIns="45720" rIns="91440" bIns="45720" rtlCol="0" anchor="ctr">
+            <a:noAutofit/>
           </a:bodyPr>
-          <a:lstStyle/>
-          <a:p>
-            <a:pPr>
+          <a:lstStyle>
+            <a:lvl1pPr algn="l" defTabSz="914400" rtl="0" eaLnBrk="1" latinLnBrk="0" hangingPunct="1">
+              <a:lnSpc>
+                <a:spcPct val="90000"/>
+              </a:lnSpc>
+              <a:spcBef>
+                <a:spcPct val="0"/>
+              </a:spcBef>
+              <a:buNone/>
+              <a:defRPr sz="4400" kern="1200">
+                <a:solidFill>
+                  <a:schemeClr val="tx1"/>
+                </a:solidFill>
+                <a:latin typeface="微软雅黑" panose="020B0503020204020204" pitchFamily="34" charset="-122"/>
+                <a:ea typeface="微软雅黑" panose="020B0503020204020204" pitchFamily="34" charset="-122"/>
+                <a:cs typeface="+mj-cs"/>
+              </a:defRPr>
+            </a:lvl1pPr>
+          </a:lstStyle>
+          <a:p>
+            <a:r>
+              <a:rPr lang="en-US" altLang="zh-CN" sz="1800" dirty="0"/>
+              <a:t>TTS Synthesis with Bidirectional LSTM based Recurrent Neural Networks</a:t>
+            </a:r>
+            <a:endParaRPr lang="zh-CN" altLang="en-US" sz="1800" dirty="0"/>
+          </a:p>
+        </p:txBody>
+      </p:sp>
+      <p:cxnSp>
+        <p:nvCxnSpPr>
+          <p:cNvPr id="9" name="直接连接符 8">
+            <a:extLst>
+              <a:ext uri="{FF2B5EF4-FFF2-40B4-BE49-F238E27FC236}">
+                <a16:creationId xmlns:a16="http://schemas.microsoft.com/office/drawing/2014/main" id="{674FBA42-107E-44B9-8F53-C1C684D594E8}"/>
+              </a:ext>
+            </a:extLst>
+          </p:cNvPr>
+          <p:cNvCxnSpPr/>
+          <p:nvPr/>
+        </p:nvCxnSpPr>
+        <p:spPr>
+          <a:xfrm>
+            <a:off x="5740400" y="310930"/>
+            <a:ext cx="0" cy="6394670"/>
+          </a:xfrm>
+          <a:prstGeom prst="line">
+            <a:avLst/>
+          </a:prstGeom>
+        </p:spPr>
+        <p:style>
+          <a:lnRef idx="1">
+            <a:schemeClr val="accent1"/>
+          </a:lnRef>
+          <a:fillRef idx="0">
+            <a:schemeClr val="accent1"/>
+          </a:fillRef>
+          <a:effectRef idx="0">
+            <a:schemeClr val="accent1"/>
+          </a:effectRef>
+          <a:fontRef idx="minor">
+            <a:schemeClr val="tx1"/>
+          </a:fontRef>
+        </p:style>
+      </p:cxnSp>
+      <p:sp>
+        <p:nvSpPr>
+          <p:cNvPr id="10" name="内容占位符 1">
+            <a:extLst>
+              <a:ext uri="{FF2B5EF4-FFF2-40B4-BE49-F238E27FC236}">
+                <a16:creationId xmlns:a16="http://schemas.microsoft.com/office/drawing/2014/main" id="{1ED1461A-CC8B-4816-9A21-A2A012494EF7}"/>
+              </a:ext>
+            </a:extLst>
+          </p:cNvPr>
+          <p:cNvSpPr txBox="1">
+            <a:spLocks/>
+          </p:cNvSpPr>
+          <p:nvPr/>
+        </p:nvSpPr>
+        <p:spPr>
+          <a:xfrm>
+            <a:off x="6282265" y="1502281"/>
+            <a:ext cx="5537200" cy="445052"/>
+          </a:xfrm>
+          <a:prstGeom prst="rect">
+            <a:avLst/>
+          </a:prstGeom>
+        </p:spPr>
+        <p:txBody>
+          <a:bodyPr vert="horz" lIns="91440" tIns="45720" rIns="91440" bIns="45720" rtlCol="0">
+            <a:normAutofit/>
+          </a:bodyPr>
+          <a:lstStyle>
+            <a:lvl1pPr marL="0" indent="0" algn="l" defTabSz="914400" rtl="0" eaLnBrk="1" latinLnBrk="0" hangingPunct="1">
               <a:lnSpc>
                 <a:spcPct val="90000"/>
               </a:lnSpc>
               <a:spcBef>
                 <a:spcPts val="1000"/>
               </a:spcBef>
-            </a:pPr>
-            <a:r>
-              <a:rPr lang="en-US" altLang="zh-CN" sz="1600" dirty="0">
-                <a:latin typeface="微软雅黑" panose="020B0503020204020204" pitchFamily="34" charset="-122"/>
+              <a:buFont typeface="Arial" panose="020B0604020202020204" pitchFamily="34" charset="0"/>
+              <a:buNone/>
+              <a:defRPr sz="2800" kern="1200">
+                <a:solidFill>
+                  <a:schemeClr val="tx1"/>
+                </a:solidFill>
+                <a:latin typeface="Times New Roman" panose="02020603050405020304" pitchFamily="18" charset="0"/>
                 <a:ea typeface="微软雅黑" panose="020B0503020204020204" pitchFamily="34" charset="-122"/>
-              </a:rPr>
-              <a:t>Experiments with LSTM and </a:t>
-            </a:r>
-            <a:r>
-              <a:rPr lang="en-US" altLang="zh-CN" sz="1600" dirty="0" err="1">
-                <a:latin typeface="微软雅黑" panose="020B0503020204020204" pitchFamily="34" charset="-122"/>
-                <a:ea typeface="微软雅黑" panose="020B0503020204020204" pitchFamily="34" charset="-122"/>
-              </a:rPr>
-              <a:t>LSTMP</a:t>
-            </a:r>
-            <a:r>
-              <a:rPr lang="en-US" altLang="zh-CN" sz="1600" dirty="0">
-                <a:latin typeface="微软雅黑" panose="020B0503020204020204" pitchFamily="34" charset="-122"/>
-                <a:ea typeface="微软雅黑" panose="020B0503020204020204" pitchFamily="34" charset="-122"/>
-              </a:rPr>
-              <a:t> </a:t>
-            </a:r>
-            <a:r>
-              <a:rPr lang="en-US" altLang="zh-CN" sz="1600" dirty="0" err="1">
-                <a:latin typeface="微软雅黑" panose="020B0503020204020204" pitchFamily="34" charset="-122"/>
-                <a:ea typeface="微软雅黑" panose="020B0503020204020204" pitchFamily="34" charset="-122"/>
-              </a:rPr>
-              <a:t>RNN</a:t>
-            </a:r>
-            <a:r>
-              <a:rPr lang="en-US" altLang="zh-CN" sz="1600" dirty="0">
-                <a:latin typeface="微软雅黑" panose="020B0503020204020204" pitchFamily="34" charset="-122"/>
-                <a:ea typeface="微软雅黑" panose="020B0503020204020204" pitchFamily="34" charset="-122"/>
-              </a:rPr>
-              <a:t> architectures</a:t>
-            </a:r>
-            <a:endParaRPr lang="zh-CN" altLang="en-US" sz="1600" dirty="0">
-              <a:latin typeface="微软雅黑" panose="020B0503020204020204" pitchFamily="34" charset="-122"/>
-              <a:ea typeface="微软雅黑" panose="020B0503020204020204" pitchFamily="34" charset="-122"/>
-            </a:endParaRPr>
-          </a:p>
-        </p:txBody>
-      </p:sp>
-      <p:sp>
-        <p:nvSpPr>
-          <p:cNvPr id="13" name="文本框 12">
-            <a:extLst>
-              <a:ext uri="{FF2B5EF4-FFF2-40B4-BE49-F238E27FC236}">
-                <a16:creationId xmlns:a16="http://schemas.microsoft.com/office/drawing/2014/main" id="{54E664C3-47BF-4F04-8C55-B348764143B5}"/>
-              </a:ext>
-            </a:extLst>
-          </p:cNvPr>
-          <p:cNvSpPr txBox="1"/>
-          <p:nvPr/>
-        </p:nvSpPr>
-        <p:spPr>
-          <a:xfrm>
-            <a:off x="6682775" y="3668058"/>
-            <a:ext cx="4447564" cy="313932"/>
-          </a:xfrm>
-          <a:prstGeom prst="rect">
-            <a:avLst/>
-          </a:prstGeom>
-          <a:noFill/>
-        </p:spPr>
-        <p:txBody>
-          <a:bodyPr wrap="none" rtlCol="0">
-            <a:spAutoFit/>
-          </a:bodyPr>
-          <a:lstStyle/>
-          <a:p>
-            <a:pPr>
+                <a:cs typeface="Times New Roman" panose="02020603050405020304" pitchFamily="18" charset="0"/>
+              </a:defRPr>
+            </a:lvl1pPr>
+            <a:lvl2pPr marL="457200" indent="0" algn="l" defTabSz="914400" rtl="0" eaLnBrk="1" latinLnBrk="0" hangingPunct="1">
               <a:lnSpc>
                 <a:spcPct val="90000"/>
               </a:lnSpc>
               <a:spcBef>
-                <a:spcPts val="1000"/>
+                <a:spcPts val="500"/>
               </a:spcBef>
-            </a:pPr>
-            <a:r>
-              <a:rPr lang="en-US" altLang="zh-CN" sz="1600" dirty="0">
-                <a:latin typeface="微软雅黑" panose="020B0503020204020204" pitchFamily="34" charset="-122"/>
+              <a:buFont typeface="Arial" panose="020B0604020202020204" pitchFamily="34" charset="0"/>
+              <a:buNone/>
+              <a:defRPr sz="2400" kern="1200">
+                <a:solidFill>
+                  <a:schemeClr val="tx1"/>
+                </a:solidFill>
+                <a:latin typeface="Times New Roman" panose="02020603050405020304" pitchFamily="18" charset="0"/>
                 <a:ea typeface="微软雅黑" panose="020B0503020204020204" pitchFamily="34" charset="-122"/>
-              </a:rPr>
-              <a:t>Experiments with </a:t>
-            </a:r>
-            <a:r>
-              <a:rPr lang="en-US" altLang="zh-CN" sz="1600" dirty="0" err="1">
-                <a:latin typeface="微软雅黑" panose="020B0503020204020204" pitchFamily="34" charset="-122"/>
+                <a:cs typeface="Times New Roman" panose="02020603050405020304" pitchFamily="18" charset="0"/>
+              </a:defRPr>
+            </a:lvl2pPr>
+            <a:lvl3pPr marL="914400" indent="0" algn="l" defTabSz="914400" rtl="0" eaLnBrk="1" latinLnBrk="0" hangingPunct="1">
+              <a:lnSpc>
+                <a:spcPct val="90000"/>
+              </a:lnSpc>
+              <a:spcBef>
+                <a:spcPts val="500"/>
+              </a:spcBef>
+              <a:buFont typeface="Arial" panose="020B0604020202020204" pitchFamily="34" charset="0"/>
+              <a:buNone/>
+              <a:defRPr sz="2000" kern="1200">
+                <a:solidFill>
+                  <a:schemeClr val="tx1"/>
+                </a:solidFill>
+                <a:latin typeface="Times New Roman" panose="02020603050405020304" pitchFamily="18" charset="0"/>
                 <a:ea typeface="微软雅黑" panose="020B0503020204020204" pitchFamily="34" charset="-122"/>
-              </a:rPr>
-              <a:t>LSTMP</a:t>
-            </a:r>
-            <a:r>
-              <a:rPr lang="en-US" altLang="zh-CN" sz="1600" dirty="0">
-                <a:latin typeface="微软雅黑" panose="020B0503020204020204" pitchFamily="34" charset="-122"/>
+                <a:cs typeface="Times New Roman" panose="02020603050405020304" pitchFamily="18" charset="0"/>
+              </a:defRPr>
+            </a:lvl3pPr>
+            <a:lvl4pPr marL="1371600" indent="0" algn="l" defTabSz="914400" rtl="0" eaLnBrk="1" latinLnBrk="0" hangingPunct="1">
+              <a:lnSpc>
+                <a:spcPct val="90000"/>
+              </a:lnSpc>
+              <a:spcBef>
+                <a:spcPts val="500"/>
+              </a:spcBef>
+              <a:buFont typeface="Arial" panose="020B0604020202020204" pitchFamily="34" charset="0"/>
+              <a:buNone/>
+              <a:defRPr sz="1800" kern="1200">
+                <a:solidFill>
+                  <a:schemeClr val="tx1"/>
+                </a:solidFill>
+                <a:latin typeface="Times New Roman" panose="02020603050405020304" pitchFamily="18" charset="0"/>
                 <a:ea typeface="微软雅黑" panose="020B0503020204020204" pitchFamily="34" charset="-122"/>
-              </a:rPr>
-              <a:t> </a:t>
-            </a:r>
-            <a:r>
-              <a:rPr lang="en-US" altLang="zh-CN" sz="1600" dirty="0" err="1">
-                <a:latin typeface="微软雅黑" panose="020B0503020204020204" pitchFamily="34" charset="-122"/>
+                <a:cs typeface="Times New Roman" panose="02020603050405020304" pitchFamily="18" charset="0"/>
+              </a:defRPr>
+            </a:lvl4pPr>
+            <a:lvl5pPr marL="1828800" indent="0" algn="l" defTabSz="914400" rtl="0" eaLnBrk="1" latinLnBrk="0" hangingPunct="1">
+              <a:lnSpc>
+                <a:spcPct val="90000"/>
+              </a:lnSpc>
+              <a:spcBef>
+                <a:spcPts val="500"/>
+              </a:spcBef>
+              <a:buFont typeface="Arial" panose="020B0604020202020204" pitchFamily="34" charset="0"/>
+              <a:buNone/>
+              <a:defRPr sz="1800" kern="1200">
+                <a:solidFill>
+                  <a:schemeClr val="tx1"/>
+                </a:solidFill>
+                <a:latin typeface="Times New Roman" panose="02020603050405020304" pitchFamily="18" charset="0"/>
                 <a:ea typeface="微软雅黑" panose="020B0503020204020204" pitchFamily="34" charset="-122"/>
-              </a:rPr>
-              <a:t>RNN</a:t>
-            </a:r>
-            <a:r>
-              <a:rPr lang="en-US" altLang="zh-CN" sz="1600" dirty="0">
-                <a:latin typeface="微软雅黑" panose="020B0503020204020204" pitchFamily="34" charset="-122"/>
-                <a:ea typeface="微软雅黑" panose="020B0503020204020204" pitchFamily="34" charset="-122"/>
-              </a:rPr>
-              <a:t> architectures</a:t>
-            </a:r>
-            <a:endParaRPr lang="zh-CN" altLang="en-US" sz="1600" dirty="0">
-              <a:latin typeface="微软雅黑" panose="020B0503020204020204" pitchFamily="34" charset="-122"/>
-              <a:ea typeface="微软雅黑" panose="020B0503020204020204" pitchFamily="34" charset="-122"/>
-            </a:endParaRPr>
-          </a:p>
-        </p:txBody>
-      </p:sp>
-    </p:spTree>
-    <p:extLst>
-      <p:ext uri="{BB962C8B-B14F-4D97-AF65-F5344CB8AC3E}">
-        <p14:creationId xmlns:p14="http://schemas.microsoft.com/office/powerpoint/2010/main" val="1898421632"/>
-      </p:ext>
-    </p:extLst>
-  </p:cSld>
-  <p:clrMapOvr>
-    <a:masterClrMapping/>
-  </p:clrMapOvr>
-</p:sld>
-</file>
-
-<file path=ppt/slides/slide16.xml><?xml version="1.0" encoding="utf-8"?>
-<p:sld xmlns:a="http://schemas.openxmlformats.org/drawingml/2006/main" xmlns:r="http://schemas.openxmlformats.org/officeDocument/2006/relationships" xmlns:p="http://schemas.openxmlformats.org/presentationml/2006/main">
-  <p:cSld>
-    <p:spTree>
-      <p:nvGrpSpPr>
-        <p:cNvPr id="1" name=""/>
-        <p:cNvGrpSpPr/>
-        <p:nvPr/>
-      </p:nvGrpSpPr>
-      <p:grpSpPr>
-        <a:xfrm>
-          <a:off x="0" y="0"/>
-          <a:ext cx="0" cy="0"/>
-          <a:chOff x="0" y="0"/>
-          <a:chExt cx="0" cy="0"/>
-        </a:xfrm>
-      </p:grpSpPr>
-      <p:sp>
-        <p:nvSpPr>
-          <p:cNvPr id="2" name="内容占位符 1">
-            <a:extLst>
-              <a:ext uri="{FF2B5EF4-FFF2-40B4-BE49-F238E27FC236}">
-                <a16:creationId xmlns:a16="http://schemas.microsoft.com/office/drawing/2014/main" id="{295CD6D9-F3EC-4757-BB59-29EC7248F107}"/>
-              </a:ext>
-            </a:extLst>
-          </p:cNvPr>
-          <p:cNvSpPr>
-            <a:spLocks noGrp="1"/>
-          </p:cNvSpPr>
-          <p:nvPr>
-            <p:ph idx="1"/>
-          </p:nvPr>
-        </p:nvSpPr>
-        <p:spPr/>
-        <p:txBody>
-          <a:bodyPr>
-            <a:normAutofit/>
-          </a:bodyPr>
-          <a:lstStyle/>
-          <a:p>
-            <a:r>
-              <a:rPr lang="en-US" altLang="zh-CN" sz="2400" dirty="0"/>
-              <a:t>1-of-K coding (K: number of words in the vocabulary)</a:t>
-            </a:r>
-          </a:p>
-          <a:p>
-            <a:r>
-              <a:rPr lang="en-US" altLang="zh-CN" sz="2400" dirty="0"/>
-              <a:t>150 hidden nodes corresponds to 7.6 M parameters</a:t>
-            </a:r>
-          </a:p>
-          <a:p>
-            <a:r>
-              <a:rPr lang="en-US" altLang="zh-CN" sz="2400" dirty="0"/>
-              <a:t>350 hidden nodes corresponds to 7.1 M parameters</a:t>
-            </a:r>
-            <a:endParaRPr lang="zh-CN" altLang="en-US" sz="2400" dirty="0"/>
-          </a:p>
-        </p:txBody>
-      </p:sp>
-      <p:sp>
-        <p:nvSpPr>
-          <p:cNvPr id="3" name="标题 2">
-            <a:extLst>
-              <a:ext uri="{FF2B5EF4-FFF2-40B4-BE49-F238E27FC236}">
-                <a16:creationId xmlns:a16="http://schemas.microsoft.com/office/drawing/2014/main" id="{BFD8858C-5CAF-4CB9-9C7C-D9323EA60ED6}"/>
-              </a:ext>
-            </a:extLst>
-          </p:cNvPr>
-          <p:cNvSpPr>
-            <a:spLocks noGrp="1"/>
-          </p:cNvSpPr>
-          <p:nvPr>
-            <p:ph type="title"/>
-          </p:nvPr>
-        </p:nvSpPr>
-        <p:spPr/>
-        <p:txBody>
-          <a:bodyPr>
-            <a:noAutofit/>
-          </a:bodyPr>
-          <a:lstStyle/>
-          <a:p>
-            <a:r>
-              <a:rPr lang="en-US" altLang="zh-CN" sz="2800" dirty="0"/>
-              <a:t>LSTM Neural Networks for Language Modeling</a:t>
-            </a:r>
-            <a:endParaRPr lang="zh-CN" altLang="en-US" sz="2800" dirty="0"/>
+                <a:cs typeface="Times New Roman" panose="02020603050405020304" pitchFamily="18" charset="0"/>
+              </a:defRPr>
+            </a:lvl5pPr>
+            <a:lvl6pPr marL="2514600" indent="-228600" algn="l" defTabSz="914400" rtl="0" eaLnBrk="1" latinLnBrk="0" hangingPunct="1">
+              <a:lnSpc>
+                <a:spcPct val="90000"/>
+              </a:lnSpc>
+              <a:spcBef>
+                <a:spcPts val="500"/>
+              </a:spcBef>
+              <a:buFont typeface="Arial" panose="020B0604020202020204" pitchFamily="34" charset="0"/>
+              <a:buChar char="•"/>
+              <a:defRPr sz="1800" kern="1200">
+                <a:solidFill>
+                  <a:schemeClr val="tx1"/>
+                </a:solidFill>
+                <a:latin typeface="+mn-lt"/>
+                <a:ea typeface="+mn-ea"/>
+                <a:cs typeface="+mn-cs"/>
+              </a:defRPr>
+            </a:lvl6pPr>
+            <a:lvl7pPr marL="2971800" indent="-228600" algn="l" defTabSz="914400" rtl="0" eaLnBrk="1" latinLnBrk="0" hangingPunct="1">
+              <a:lnSpc>
+                <a:spcPct val="90000"/>
+              </a:lnSpc>
+              <a:spcBef>
+                <a:spcPts val="500"/>
+              </a:spcBef>
+              <a:buFont typeface="Arial" panose="020B0604020202020204" pitchFamily="34" charset="0"/>
+              <a:buChar char="•"/>
+              <a:defRPr sz="1800" kern="1200">
+                <a:solidFill>
+                  <a:schemeClr val="tx1"/>
+                </a:solidFill>
+                <a:latin typeface="+mn-lt"/>
+                <a:ea typeface="+mn-ea"/>
+                <a:cs typeface="+mn-cs"/>
+              </a:defRPr>
+            </a:lvl7pPr>
+            <a:lvl8pPr marL="3429000" indent="-228600" algn="l" defTabSz="914400" rtl="0" eaLnBrk="1" latinLnBrk="0" hangingPunct="1">
+              <a:lnSpc>
+                <a:spcPct val="90000"/>
+              </a:lnSpc>
+              <a:spcBef>
+                <a:spcPts val="500"/>
+              </a:spcBef>
+              <a:buFont typeface="Arial" panose="020B0604020202020204" pitchFamily="34" charset="0"/>
+              <a:buChar char="•"/>
+              <a:defRPr sz="1800" kern="1200">
+                <a:solidFill>
+                  <a:schemeClr val="tx1"/>
+                </a:solidFill>
+                <a:latin typeface="+mn-lt"/>
+                <a:ea typeface="+mn-ea"/>
+                <a:cs typeface="+mn-cs"/>
+              </a:defRPr>
+            </a:lvl8pPr>
+            <a:lvl9pPr marL="3886200" indent="-228600" algn="l" defTabSz="914400" rtl="0" eaLnBrk="1" latinLnBrk="0" hangingPunct="1">
+              <a:lnSpc>
+                <a:spcPct val="90000"/>
+              </a:lnSpc>
+              <a:spcBef>
+                <a:spcPts val="500"/>
+              </a:spcBef>
+              <a:buFont typeface="Arial" panose="020B0604020202020204" pitchFamily="34" charset="0"/>
+              <a:buChar char="•"/>
+              <a:defRPr sz="1800" kern="1200">
+                <a:solidFill>
+                  <a:schemeClr val="tx1"/>
+                </a:solidFill>
+                <a:latin typeface="+mn-lt"/>
+                <a:ea typeface="+mn-ea"/>
+                <a:cs typeface="+mn-cs"/>
+              </a:defRPr>
+            </a:lvl9pPr>
+          </a:lstStyle>
+          <a:p>
+            <a:r>
+              <a:rPr lang="en-US" altLang="zh-CN" sz="2000" dirty="0"/>
+              <a:t>input feature vector: 355 dimensions</a:t>
+            </a:r>
+            <a:endParaRPr lang="zh-CN" altLang="en-US" sz="2000" dirty="0"/>
           </a:p>
         </p:txBody>
       </p:sp>
       <p:pic>
         <p:nvPicPr>
-          <p:cNvPr id="4" name="图片 3">
-            <a:extLst>
-              <a:ext uri="{FF2B5EF4-FFF2-40B4-BE49-F238E27FC236}">
-                <a16:creationId xmlns:a16="http://schemas.microsoft.com/office/drawing/2014/main" id="{E87D2478-3DEB-4FE1-834C-EFD5535F07BD}"/>
-              </a:ext>
-            </a:extLst>
-          </p:cNvPr>
-          <p:cNvPicPr>
-            <a:picLocks noChangeAspect="1"/>
-          </p:cNvPicPr>
-          <p:nvPr/>
-        </p:nvPicPr>
-        <p:blipFill>
-          <a:blip r:embed="rId2"/>
-          <a:stretch>
-            <a:fillRect/>
-          </a:stretch>
-        </p:blipFill>
-        <p:spPr>
-          <a:xfrm>
-            <a:off x="7639050" y="1510748"/>
-            <a:ext cx="3714750" cy="2981325"/>
-          </a:xfrm>
-          <a:prstGeom prst="rect">
-            <a:avLst/>
-          </a:prstGeom>
-        </p:spPr>
-      </p:pic>
-      <p:sp>
-        <p:nvSpPr>
-          <p:cNvPr id="8" name="文本框 7">
-            <a:extLst>
-              <a:ext uri="{FF2B5EF4-FFF2-40B4-BE49-F238E27FC236}">
-                <a16:creationId xmlns:a16="http://schemas.microsoft.com/office/drawing/2014/main" id="{F49069FD-104C-40B1-AADA-1534C47C36AA}"/>
-              </a:ext>
-            </a:extLst>
-          </p:cNvPr>
-          <p:cNvSpPr txBox="1"/>
-          <p:nvPr/>
-        </p:nvSpPr>
-        <p:spPr>
-          <a:xfrm>
-            <a:off x="2588822" y="6544068"/>
-            <a:ext cx="7014356" cy="313932"/>
-          </a:xfrm>
-          <a:prstGeom prst="rect">
-            <a:avLst/>
-          </a:prstGeom>
-          <a:noFill/>
-        </p:spPr>
-        <p:txBody>
-          <a:bodyPr wrap="none" rtlCol="0">
-            <a:spAutoFit/>
-          </a:bodyPr>
-          <a:lstStyle/>
-          <a:p>
-            <a:pPr>
-              <a:lnSpc>
-                <a:spcPct val="90000"/>
-              </a:lnSpc>
-              <a:spcBef>
-                <a:spcPts val="1000"/>
-              </a:spcBef>
-            </a:pPr>
-            <a:r>
-              <a:rPr lang="en-US" altLang="zh-CN" sz="1600" dirty="0">
-                <a:latin typeface="微软雅黑" panose="020B0503020204020204" pitchFamily="34" charset="-122"/>
-                <a:ea typeface="微软雅黑" panose="020B0503020204020204" pitchFamily="34" charset="-122"/>
-              </a:rPr>
-              <a:t>https://www.isca-speech.org/archive/interspeech_2012/i12_0194.html</a:t>
-            </a:r>
-            <a:endParaRPr lang="zh-CN" altLang="en-US" sz="1600" dirty="0">
-              <a:latin typeface="微软雅黑" panose="020B0503020204020204" pitchFamily="34" charset="-122"/>
-              <a:ea typeface="微软雅黑" panose="020B0503020204020204" pitchFamily="34" charset="-122"/>
-            </a:endParaRPr>
-          </a:p>
-        </p:txBody>
-      </p:sp>
-    </p:spTree>
-    <p:extLst>
-      <p:ext uri="{BB962C8B-B14F-4D97-AF65-F5344CB8AC3E}">
-        <p14:creationId xmlns:p14="http://schemas.microsoft.com/office/powerpoint/2010/main" val="3049842718"/>
-      </p:ext>
-    </p:extLst>
-  </p:cSld>
-  <p:clrMapOvr>
-    <a:masterClrMapping/>
-  </p:clrMapOvr>
-</p:sld>
-</file>
-
-<file path=ppt/slides/slide17.xml><?xml version="1.0" encoding="utf-8"?>
-<p:sld xmlns:a="http://schemas.openxmlformats.org/drawingml/2006/main" xmlns:r="http://schemas.openxmlformats.org/officeDocument/2006/relationships" xmlns:p="http://schemas.openxmlformats.org/presentationml/2006/main">
-  <p:cSld>
-    <p:spTree>
-      <p:nvGrpSpPr>
-        <p:cNvPr id="1" name=""/>
-        <p:cNvGrpSpPr/>
-        <p:nvPr/>
-      </p:nvGrpSpPr>
-      <p:grpSpPr>
-        <a:xfrm>
-          <a:off x="0" y="0"/>
-          <a:ext cx="0" cy="0"/>
-          <a:chOff x="0" y="0"/>
-          <a:chExt cx="0" cy="0"/>
-        </a:xfrm>
-      </p:grpSpPr>
-      <p:sp>
-        <p:nvSpPr>
-          <p:cNvPr id="2" name="内容占位符 1">
-            <a:extLst>
-              <a:ext uri="{FF2B5EF4-FFF2-40B4-BE49-F238E27FC236}">
-                <a16:creationId xmlns:a16="http://schemas.microsoft.com/office/drawing/2014/main" id="{B6107B67-C906-4A86-88EB-3DE2B37EA27C}"/>
-              </a:ext>
-            </a:extLst>
-          </p:cNvPr>
-          <p:cNvSpPr>
-            <a:spLocks noGrp="1"/>
-          </p:cNvSpPr>
-          <p:nvPr>
-            <p:ph idx="1"/>
-          </p:nvPr>
-        </p:nvSpPr>
-        <p:spPr/>
-        <p:txBody>
-          <a:bodyPr/>
-          <a:lstStyle/>
-          <a:p>
-            <a:r>
-              <a:rPr lang="en-US" altLang="zh-CN" dirty="0"/>
-              <a:t>input feature vector: 355 dimensions</a:t>
-            </a:r>
-            <a:endParaRPr lang="zh-CN" altLang="en-US" dirty="0"/>
-          </a:p>
-        </p:txBody>
-      </p:sp>
-      <p:sp>
-        <p:nvSpPr>
-          <p:cNvPr id="3" name="标题 2">
-            <a:extLst>
-              <a:ext uri="{FF2B5EF4-FFF2-40B4-BE49-F238E27FC236}">
-                <a16:creationId xmlns:a16="http://schemas.microsoft.com/office/drawing/2014/main" id="{002EF8A8-DDD7-4727-B071-D30E0DBDA32F}"/>
-              </a:ext>
-            </a:extLst>
-          </p:cNvPr>
-          <p:cNvSpPr>
-            <a:spLocks noGrp="1"/>
-          </p:cNvSpPr>
-          <p:nvPr>
-            <p:ph type="title"/>
-          </p:nvPr>
-        </p:nvSpPr>
-        <p:spPr/>
-        <p:txBody>
-          <a:bodyPr>
-            <a:noAutofit/>
-          </a:bodyPr>
-          <a:lstStyle/>
-          <a:p>
-            <a:r>
-              <a:rPr lang="en-US" altLang="zh-CN" sz="2800" dirty="0"/>
-              <a:t>TTS Synthesis with Bidirectional LSTM based Recurrent Neural Networks</a:t>
-            </a:r>
-            <a:endParaRPr lang="zh-CN" altLang="en-US" sz="2800" dirty="0"/>
-          </a:p>
-        </p:txBody>
-      </p:sp>
-      <p:pic>
-        <p:nvPicPr>
-          <p:cNvPr id="5" name="图片 4">
-            <a:extLst>
-              <a:ext uri="{FF2B5EF4-FFF2-40B4-BE49-F238E27FC236}">
-                <a16:creationId xmlns:a16="http://schemas.microsoft.com/office/drawing/2014/main" id="{EF0DEFDA-9FFB-452C-9FC8-8E2CE37121C6}"/>
+          <p:cNvPr id="11" name="图片 10">
+            <a:extLst>
+              <a:ext uri="{FF2B5EF4-FFF2-40B4-BE49-F238E27FC236}">
+                <a16:creationId xmlns:a16="http://schemas.microsoft.com/office/drawing/2014/main" id="{F4E6265A-739C-4933-8563-46255CB27FEF}"/>
               </a:ext>
             </a:extLst>
           </p:cNvPr>
@@ -2920,7 +3193,7 @@
         </p:blipFill>
         <p:spPr>
           <a:xfrm>
-            <a:off x="838200" y="2230382"/>
+            <a:off x="5940693" y="1988013"/>
             <a:ext cx="5257800" cy="4058104"/>
           </a:xfrm>
           <a:prstGeom prst="rect">
@@ -2928,10 +3201,60 @@
           </a:prstGeom>
         </p:spPr>
       </p:pic>
+      <p:sp>
+        <p:nvSpPr>
+          <p:cNvPr id="12" name="文本框 11">
+            <a:extLst>
+              <a:ext uri="{FF2B5EF4-FFF2-40B4-BE49-F238E27FC236}">
+                <a16:creationId xmlns:a16="http://schemas.microsoft.com/office/drawing/2014/main" id="{10170991-9C5D-4C32-A26D-469F77217AC2}"/>
+              </a:ext>
+            </a:extLst>
+          </p:cNvPr>
+          <p:cNvSpPr txBox="1"/>
+          <p:nvPr/>
+        </p:nvSpPr>
+        <p:spPr>
+          <a:xfrm>
+            <a:off x="6605323" y="6613318"/>
+            <a:ext cx="4891083" cy="244682"/>
+          </a:xfrm>
+          <a:prstGeom prst="rect">
+            <a:avLst/>
+          </a:prstGeom>
+          <a:noFill/>
+        </p:spPr>
+        <p:txBody>
+          <a:bodyPr wrap="none" rtlCol="0">
+            <a:spAutoFit/>
+          </a:bodyPr>
+          <a:lstStyle/>
+          <a:p>
+            <a:pPr>
+              <a:lnSpc>
+                <a:spcPct val="90000"/>
+              </a:lnSpc>
+              <a:spcBef>
+                <a:spcPts val="1000"/>
+              </a:spcBef>
+            </a:pPr>
+            <a:r>
+              <a:rPr lang="en-US" altLang="zh-CN" sz="1100" dirty="0">
+                <a:latin typeface="微软雅黑" panose="020B0503020204020204" pitchFamily="34" charset="-122"/>
+                <a:ea typeface="微软雅黑" panose="020B0503020204020204" pitchFamily="34" charset="-122"/>
+              </a:rPr>
+              <a:t>https://www.isca-speech.org/archive/interspeech_2014/i14_1964.html</a:t>
+            </a:r>
+            <a:endParaRPr lang="zh-CN" altLang="en-US" sz="1100" dirty="0">
+              <a:latin typeface="微软雅黑" panose="020B0503020204020204" pitchFamily="34" charset="-122"/>
+              <a:ea typeface="微软雅黑" panose="020B0503020204020204" pitchFamily="34" charset="-122"/>
+            </a:endParaRPr>
+          </a:p>
+        </p:txBody>
+      </p:sp>
     </p:spTree>
     <p:extLst>
       <p:ext uri="{BB962C8B-B14F-4D97-AF65-F5344CB8AC3E}">
-        <p14:creationId xmlns:p14="http://schemas.microsoft.com/office/powerpoint/2010/main" val="2343116736"/>
+        <p14:creationId xmlns:p14="http://schemas.microsoft.com/office/powerpoint/2010/main" val="3049842718"/>
       </p:ext>
     </p:extLst>
   </p:cSld>
@@ -2981,10 +3304,14 @@
           <a:p>
             <a:r>
               <a:rPr lang="en-US" altLang="zh-CN" dirty="0"/>
-              <a:t>highpak.com</a:t>
-            </a:r>
-          </a:p>
-          <a:p>
+              <a:t>1. highpak.com</a:t>
+            </a:r>
+          </a:p>
+          <a:p>
+            <a:r>
+              <a:rPr lang="en-US" altLang="zh-CN" dirty="0"/>
+              <a:t>2. </a:t>
+            </a:r>
             <a:r>
               <a:rPr lang="zh-CN" altLang="en-US" dirty="0"/>
               <a:t>西安盛佳光电 </a:t>
@@ -3004,6 +3331,10 @@
           </a:p>
           <a:p>
             <a:r>
+              <a:rPr lang="en-US" altLang="zh-CN" dirty="0"/>
+              <a:t>3. </a:t>
+            </a:r>
+            <a:r>
               <a:rPr lang="zh-CN" altLang="en-US" dirty="0"/>
               <a:t>苏州波弗光电</a:t>
             </a:r>
@@ -3015,10 +3346,19 @@
           <a:p>
             <a:r>
               <a:rPr lang="en-US" altLang="zh-CN" dirty="0"/>
+              <a:t>4. </a:t>
+            </a:r>
+            <a:r>
+              <a:rPr lang="en-US" altLang="zh-CN" dirty="0" err="1"/>
               <a:t>IDIL</a:t>
             </a:r>
-          </a:p>
-          <a:p>
+            <a:endParaRPr lang="en-US" altLang="zh-CN" dirty="0"/>
+          </a:p>
+          <a:p>
+            <a:r>
+              <a:rPr lang="en-US" altLang="zh-CN" dirty="0"/>
+              <a:t>5. </a:t>
+            </a:r>
             <a:r>
               <a:rPr lang="zh-CN" altLang="en-US" dirty="0"/>
               <a:t>深圳艾孚光电</a:t>
@@ -3109,16 +3449,28 @@
             <p:ph idx="1"/>
           </p:nvPr>
         </p:nvSpPr>
-        <p:spPr/>
+        <p:spPr>
+          <a:xfrm>
+            <a:off x="838200" y="1510749"/>
+            <a:ext cx="10515600" cy="946840"/>
+          </a:xfrm>
+          <a:ln>
+            <a:solidFill>
+              <a:srgbClr val="003399"/>
+            </a:solidFill>
+          </a:ln>
+        </p:spPr>
         <p:txBody>
-          <a:bodyPr/>
+          <a:bodyPr>
+            <a:normAutofit/>
+          </a:bodyPr>
           <a:lstStyle/>
           <a:p>
             <a:r>
-              <a:rPr lang="en-US" altLang="zh-CN" dirty="0"/>
-              <a:t>Lensed fiber , lensed fiber assembly, and fiber array are available in single mode, PM fiber, D-shape fiber and multi mode fiber; in conical, wedge, angle and other customer tip shapes with/without AR coating</a:t>
-            </a:r>
-            <a:endParaRPr lang="zh-CN" altLang="en-US" dirty="0"/>
+              <a:rPr lang="en-US" altLang="zh-CN" sz="2000" dirty="0"/>
+              <a:t>Lensed fiber , lensed fiber assembly, and fiber array are available in single mode, PM fiber, D-shape fiber and multi mode fiber; in conical, wedge, angle and other customer tip shapes with/without AR coating.</a:t>
+            </a:r>
+            <a:endParaRPr lang="zh-CN" altLang="en-US" sz="2000" dirty="0"/>
           </a:p>
         </p:txBody>
       </p:sp>
@@ -3201,12 +3553,61 @@
           </a:p>
         </p:txBody>
       </p:sp>
+      <p:sp>
+        <p:nvSpPr>
+          <p:cNvPr id="6" name="矩形 5">
+            <a:extLst>
+              <a:ext uri="{FF2B5EF4-FFF2-40B4-BE49-F238E27FC236}">
+                <a16:creationId xmlns:a16="http://schemas.microsoft.com/office/drawing/2014/main" id="{3039C0B3-D08B-4CF2-9D69-D9425D3A3F9E}"/>
+              </a:ext>
+            </a:extLst>
+          </p:cNvPr>
+          <p:cNvSpPr/>
+          <p:nvPr/>
+        </p:nvSpPr>
+        <p:spPr>
+          <a:xfrm>
+            <a:off x="4701900" y="6516368"/>
+            <a:ext cx="2788199" cy="341632"/>
+          </a:xfrm>
+          <a:prstGeom prst="rect">
+            <a:avLst/>
+          </a:prstGeom>
+        </p:spPr>
+        <p:txBody>
+          <a:bodyPr wrap="none">
+            <a:spAutoFit/>
+          </a:bodyPr>
+          <a:lstStyle/>
+          <a:p>
+            <a:pPr>
+              <a:lnSpc>
+                <a:spcPct val="90000"/>
+              </a:lnSpc>
+              <a:spcBef>
+                <a:spcPts val="1000"/>
+              </a:spcBef>
+            </a:pPr>
+            <a:r>
+              <a:rPr lang="en-US" altLang="zh-CN" dirty="0">
+                <a:latin typeface="微软雅黑" panose="020B0503020204020204" pitchFamily="34" charset="-122"/>
+                <a:ea typeface="微软雅黑" panose="020B0503020204020204" pitchFamily="34" charset="-122"/>
+              </a:rPr>
+              <a:t>highpak.com/fibre.html</a:t>
+            </a:r>
+            <a:endParaRPr lang="zh-CN" altLang="en-US" dirty="0">
+              <a:latin typeface="微软雅黑" panose="020B0503020204020204" pitchFamily="34" charset="-122"/>
+              <a:ea typeface="微软雅黑" panose="020B0503020204020204" pitchFamily="34" charset="-122"/>
+            </a:endParaRPr>
+          </a:p>
+        </p:txBody>
+      </p:sp>
       <p:pic>
         <p:nvPicPr>
-          <p:cNvPr id="5" name="图片 4">
-            <a:extLst>
-              <a:ext uri="{FF2B5EF4-FFF2-40B4-BE49-F238E27FC236}">
-                <a16:creationId xmlns:a16="http://schemas.microsoft.com/office/drawing/2014/main" id="{F2A8AF1E-4076-44BE-A248-4B4624F03E33}"/>
+          <p:cNvPr id="7" name="图片 6">
+            <a:extLst>
+              <a:ext uri="{FF2B5EF4-FFF2-40B4-BE49-F238E27FC236}">
+                <a16:creationId xmlns:a16="http://schemas.microsoft.com/office/drawing/2014/main" id="{18FC9822-FFFC-4E64-B6DE-E362FB469356}"/>
               </a:ext>
             </a:extLst>
           </p:cNvPr>
@@ -3223,14 +3624,639 @@
         </p:blipFill>
         <p:spPr>
           <a:xfrm>
-            <a:off x="1166812" y="3137452"/>
-            <a:ext cx="9858375" cy="2209800"/>
+            <a:off x="3329796" y="2748184"/>
+            <a:ext cx="2430279" cy="1945738"/>
           </a:xfrm>
           <a:prstGeom prst="rect">
             <a:avLst/>
           </a:prstGeom>
         </p:spPr>
       </p:pic>
+      <p:pic>
+        <p:nvPicPr>
+          <p:cNvPr id="8" name="图片 7">
+            <a:extLst>
+              <a:ext uri="{FF2B5EF4-FFF2-40B4-BE49-F238E27FC236}">
+                <a16:creationId xmlns:a16="http://schemas.microsoft.com/office/drawing/2014/main" id="{3FAF087F-4D4D-4A23-A291-937D8E4F7A9F}"/>
+              </a:ext>
+            </a:extLst>
+          </p:cNvPr>
+          <p:cNvPicPr>
+            <a:picLocks noChangeAspect="1"/>
+          </p:cNvPicPr>
+          <p:nvPr/>
+        </p:nvPicPr>
+        <p:blipFill>
+          <a:blip r:embed="rId3"/>
+          <a:stretch>
+            <a:fillRect/>
+          </a:stretch>
+        </p:blipFill>
+        <p:spPr>
+          <a:xfrm>
+            <a:off x="726724" y="4721613"/>
+            <a:ext cx="2522538" cy="1753835"/>
+          </a:xfrm>
+          <a:prstGeom prst="rect">
+            <a:avLst/>
+          </a:prstGeom>
+        </p:spPr>
+      </p:pic>
+      <p:pic>
+        <p:nvPicPr>
+          <p:cNvPr id="9" name="图片 8">
+            <a:extLst>
+              <a:ext uri="{FF2B5EF4-FFF2-40B4-BE49-F238E27FC236}">
+                <a16:creationId xmlns:a16="http://schemas.microsoft.com/office/drawing/2014/main" id="{8B637220-2E89-4250-BCDB-F7365387B617}"/>
+              </a:ext>
+            </a:extLst>
+          </p:cNvPr>
+          <p:cNvPicPr>
+            <a:picLocks noChangeAspect="1"/>
+          </p:cNvPicPr>
+          <p:nvPr/>
+        </p:nvPicPr>
+        <p:blipFill>
+          <a:blip r:embed="rId4"/>
+          <a:stretch>
+            <a:fillRect/>
+          </a:stretch>
+        </p:blipFill>
+        <p:spPr>
+          <a:xfrm>
+            <a:off x="3332871" y="4722874"/>
+            <a:ext cx="2819722" cy="1686393"/>
+          </a:xfrm>
+          <a:prstGeom prst="rect">
+            <a:avLst/>
+          </a:prstGeom>
+        </p:spPr>
+      </p:pic>
+      <p:pic>
+        <p:nvPicPr>
+          <p:cNvPr id="10" name="图片 9">
+            <a:extLst>
+              <a:ext uri="{FF2B5EF4-FFF2-40B4-BE49-F238E27FC236}">
+                <a16:creationId xmlns:a16="http://schemas.microsoft.com/office/drawing/2014/main" id="{FE5E9623-C8A4-4810-BBC5-A2A8794F1469}"/>
+              </a:ext>
+            </a:extLst>
+          </p:cNvPr>
+          <p:cNvPicPr>
+            <a:picLocks noChangeAspect="1"/>
+          </p:cNvPicPr>
+          <p:nvPr/>
+        </p:nvPicPr>
+        <p:blipFill>
+          <a:blip r:embed="rId5"/>
+          <a:stretch>
+            <a:fillRect/>
+          </a:stretch>
+        </p:blipFill>
+        <p:spPr>
+          <a:xfrm>
+            <a:off x="787656" y="2748184"/>
+            <a:ext cx="2430279" cy="1771221"/>
+          </a:xfrm>
+          <a:prstGeom prst="rect">
+            <a:avLst/>
+          </a:prstGeom>
+        </p:spPr>
+      </p:pic>
+      <p:sp>
+        <p:nvSpPr>
+          <p:cNvPr id="11" name="内容占位符 1">
+            <a:extLst>
+              <a:ext uri="{FF2B5EF4-FFF2-40B4-BE49-F238E27FC236}">
+                <a16:creationId xmlns:a16="http://schemas.microsoft.com/office/drawing/2014/main" id="{04A7245A-A7A2-4098-8399-C5051D99B269}"/>
+              </a:ext>
+            </a:extLst>
+          </p:cNvPr>
+          <p:cNvSpPr txBox="1">
+            <a:spLocks/>
+          </p:cNvSpPr>
+          <p:nvPr/>
+        </p:nvSpPr>
+        <p:spPr>
+          <a:xfrm>
+            <a:off x="6431927" y="2748184"/>
+            <a:ext cx="4921872" cy="1945738"/>
+          </a:xfrm>
+          <a:prstGeom prst="rect">
+            <a:avLst/>
+          </a:prstGeom>
+          <a:ln>
+            <a:solidFill>
+              <a:srgbClr val="003399"/>
+            </a:solidFill>
+          </a:ln>
+        </p:spPr>
+        <p:txBody>
+          <a:bodyPr vert="horz" lIns="91440" tIns="45720" rIns="91440" bIns="45720" rtlCol="0">
+            <a:normAutofit/>
+          </a:bodyPr>
+          <a:lstStyle>
+            <a:lvl1pPr marL="0" indent="0" algn="l" defTabSz="914400" rtl="0" eaLnBrk="1" latinLnBrk="0" hangingPunct="1">
+              <a:lnSpc>
+                <a:spcPct val="90000"/>
+              </a:lnSpc>
+              <a:spcBef>
+                <a:spcPts val="1000"/>
+              </a:spcBef>
+              <a:buFont typeface="Arial" panose="020B0604020202020204" pitchFamily="34" charset="0"/>
+              <a:buNone/>
+              <a:defRPr sz="2800" kern="1200">
+                <a:solidFill>
+                  <a:schemeClr val="tx1"/>
+                </a:solidFill>
+                <a:latin typeface="Times New Roman" panose="02020603050405020304" pitchFamily="18" charset="0"/>
+                <a:ea typeface="微软雅黑" panose="020B0503020204020204" pitchFamily="34" charset="-122"/>
+                <a:cs typeface="Times New Roman" panose="02020603050405020304" pitchFamily="18" charset="0"/>
+              </a:defRPr>
+            </a:lvl1pPr>
+            <a:lvl2pPr marL="457200" indent="0" algn="l" defTabSz="914400" rtl="0" eaLnBrk="1" latinLnBrk="0" hangingPunct="1">
+              <a:lnSpc>
+                <a:spcPct val="90000"/>
+              </a:lnSpc>
+              <a:spcBef>
+                <a:spcPts val="500"/>
+              </a:spcBef>
+              <a:buFont typeface="Arial" panose="020B0604020202020204" pitchFamily="34" charset="0"/>
+              <a:buNone/>
+              <a:defRPr sz="2400" kern="1200">
+                <a:solidFill>
+                  <a:schemeClr val="tx1"/>
+                </a:solidFill>
+                <a:latin typeface="Times New Roman" panose="02020603050405020304" pitchFamily="18" charset="0"/>
+                <a:ea typeface="微软雅黑" panose="020B0503020204020204" pitchFamily="34" charset="-122"/>
+                <a:cs typeface="Times New Roman" panose="02020603050405020304" pitchFamily="18" charset="0"/>
+              </a:defRPr>
+            </a:lvl2pPr>
+            <a:lvl3pPr marL="914400" indent="0" algn="l" defTabSz="914400" rtl="0" eaLnBrk="1" latinLnBrk="0" hangingPunct="1">
+              <a:lnSpc>
+                <a:spcPct val="90000"/>
+              </a:lnSpc>
+              <a:spcBef>
+                <a:spcPts val="500"/>
+              </a:spcBef>
+              <a:buFont typeface="Arial" panose="020B0604020202020204" pitchFamily="34" charset="0"/>
+              <a:buNone/>
+              <a:defRPr sz="2000" kern="1200">
+                <a:solidFill>
+                  <a:schemeClr val="tx1"/>
+                </a:solidFill>
+                <a:latin typeface="Times New Roman" panose="02020603050405020304" pitchFamily="18" charset="0"/>
+                <a:ea typeface="微软雅黑" panose="020B0503020204020204" pitchFamily="34" charset="-122"/>
+                <a:cs typeface="Times New Roman" panose="02020603050405020304" pitchFamily="18" charset="0"/>
+              </a:defRPr>
+            </a:lvl3pPr>
+            <a:lvl4pPr marL="1371600" indent="0" algn="l" defTabSz="914400" rtl="0" eaLnBrk="1" latinLnBrk="0" hangingPunct="1">
+              <a:lnSpc>
+                <a:spcPct val="90000"/>
+              </a:lnSpc>
+              <a:spcBef>
+                <a:spcPts val="500"/>
+              </a:spcBef>
+              <a:buFont typeface="Arial" panose="020B0604020202020204" pitchFamily="34" charset="0"/>
+              <a:buNone/>
+              <a:defRPr sz="1800" kern="1200">
+                <a:solidFill>
+                  <a:schemeClr val="tx1"/>
+                </a:solidFill>
+                <a:latin typeface="Times New Roman" panose="02020603050405020304" pitchFamily="18" charset="0"/>
+                <a:ea typeface="微软雅黑" panose="020B0503020204020204" pitchFamily="34" charset="-122"/>
+                <a:cs typeface="Times New Roman" panose="02020603050405020304" pitchFamily="18" charset="0"/>
+              </a:defRPr>
+            </a:lvl4pPr>
+            <a:lvl5pPr marL="1828800" indent="0" algn="l" defTabSz="914400" rtl="0" eaLnBrk="1" latinLnBrk="0" hangingPunct="1">
+              <a:lnSpc>
+                <a:spcPct val="90000"/>
+              </a:lnSpc>
+              <a:spcBef>
+                <a:spcPts val="500"/>
+              </a:spcBef>
+              <a:buFont typeface="Arial" panose="020B0604020202020204" pitchFamily="34" charset="0"/>
+              <a:buNone/>
+              <a:defRPr sz="1800" kern="1200">
+                <a:solidFill>
+                  <a:schemeClr val="tx1"/>
+                </a:solidFill>
+                <a:latin typeface="Times New Roman" panose="02020603050405020304" pitchFamily="18" charset="0"/>
+                <a:ea typeface="微软雅黑" panose="020B0503020204020204" pitchFamily="34" charset="-122"/>
+                <a:cs typeface="Times New Roman" panose="02020603050405020304" pitchFamily="18" charset="0"/>
+              </a:defRPr>
+            </a:lvl5pPr>
+            <a:lvl6pPr marL="2514600" indent="-228600" algn="l" defTabSz="914400" rtl="0" eaLnBrk="1" latinLnBrk="0" hangingPunct="1">
+              <a:lnSpc>
+                <a:spcPct val="90000"/>
+              </a:lnSpc>
+              <a:spcBef>
+                <a:spcPts val="500"/>
+              </a:spcBef>
+              <a:buFont typeface="Arial" panose="020B0604020202020204" pitchFamily="34" charset="0"/>
+              <a:buChar char="•"/>
+              <a:defRPr sz="1800" kern="1200">
+                <a:solidFill>
+                  <a:schemeClr val="tx1"/>
+                </a:solidFill>
+                <a:latin typeface="+mn-lt"/>
+                <a:ea typeface="+mn-ea"/>
+                <a:cs typeface="+mn-cs"/>
+              </a:defRPr>
+            </a:lvl6pPr>
+            <a:lvl7pPr marL="2971800" indent="-228600" algn="l" defTabSz="914400" rtl="0" eaLnBrk="1" latinLnBrk="0" hangingPunct="1">
+              <a:lnSpc>
+                <a:spcPct val="90000"/>
+              </a:lnSpc>
+              <a:spcBef>
+                <a:spcPts val="500"/>
+              </a:spcBef>
+              <a:buFont typeface="Arial" panose="020B0604020202020204" pitchFamily="34" charset="0"/>
+              <a:buChar char="•"/>
+              <a:defRPr sz="1800" kern="1200">
+                <a:solidFill>
+                  <a:schemeClr val="tx1"/>
+                </a:solidFill>
+                <a:latin typeface="+mn-lt"/>
+                <a:ea typeface="+mn-ea"/>
+                <a:cs typeface="+mn-cs"/>
+              </a:defRPr>
+            </a:lvl7pPr>
+            <a:lvl8pPr marL="3429000" indent="-228600" algn="l" defTabSz="914400" rtl="0" eaLnBrk="1" latinLnBrk="0" hangingPunct="1">
+              <a:lnSpc>
+                <a:spcPct val="90000"/>
+              </a:lnSpc>
+              <a:spcBef>
+                <a:spcPts val="500"/>
+              </a:spcBef>
+              <a:buFont typeface="Arial" panose="020B0604020202020204" pitchFamily="34" charset="0"/>
+              <a:buChar char="•"/>
+              <a:defRPr sz="1800" kern="1200">
+                <a:solidFill>
+                  <a:schemeClr val="tx1"/>
+                </a:solidFill>
+                <a:latin typeface="+mn-lt"/>
+                <a:ea typeface="+mn-ea"/>
+                <a:cs typeface="+mn-cs"/>
+              </a:defRPr>
+            </a:lvl8pPr>
+            <a:lvl9pPr marL="3886200" indent="-228600" algn="l" defTabSz="914400" rtl="0" eaLnBrk="1" latinLnBrk="0" hangingPunct="1">
+              <a:lnSpc>
+                <a:spcPct val="90000"/>
+              </a:lnSpc>
+              <a:spcBef>
+                <a:spcPts val="500"/>
+              </a:spcBef>
+              <a:buFont typeface="Arial" panose="020B0604020202020204" pitchFamily="34" charset="0"/>
+              <a:buChar char="•"/>
+              <a:defRPr sz="1800" kern="1200">
+                <a:solidFill>
+                  <a:schemeClr val="tx1"/>
+                </a:solidFill>
+                <a:latin typeface="+mn-lt"/>
+                <a:ea typeface="+mn-ea"/>
+                <a:cs typeface="+mn-cs"/>
+              </a:defRPr>
+            </a:lvl9pPr>
+          </a:lstStyle>
+          <a:p>
+            <a:r>
+              <a:rPr lang="zh-CN" altLang="en-US" sz="1800" dirty="0"/>
+              <a:t>类别</a:t>
+            </a:r>
+            <a:endParaRPr lang="en-US" altLang="zh-CN" sz="1800" dirty="0"/>
+          </a:p>
+          <a:p>
+            <a:pPr marL="514350" indent="-514350">
+              <a:buFont typeface="Arial" panose="020B0604020202020204" pitchFamily="34" charset="0"/>
+              <a:buAutoNum type="arabicPeriod"/>
+            </a:pPr>
+            <a:r>
+              <a:rPr lang="en-US" altLang="zh-CN" sz="1800" dirty="0"/>
+              <a:t>Lensed </a:t>
+            </a:r>
+            <a:r>
+              <a:rPr lang="en-US" altLang="zh-CN" sz="1800" dirty="0" err="1"/>
+              <a:t>Fibre</a:t>
+            </a:r>
+            <a:r>
+              <a:rPr lang="en-US" altLang="zh-CN" sz="1800" dirty="0"/>
+              <a:t> / Metalized </a:t>
+            </a:r>
+            <a:r>
+              <a:rPr lang="en-US" altLang="zh-CN" sz="1800" dirty="0" err="1"/>
+              <a:t>Fibre</a:t>
+            </a:r>
+            <a:endParaRPr lang="en-US" altLang="zh-CN" sz="1800" dirty="0"/>
+          </a:p>
+          <a:p>
+            <a:pPr marL="514350" indent="-514350">
+              <a:buFont typeface="Arial" panose="020B0604020202020204" pitchFamily="34" charset="0"/>
+              <a:buAutoNum type="arabicPeriod"/>
+            </a:pPr>
+            <a:r>
+              <a:rPr lang="en-US" altLang="zh-CN" sz="1800" dirty="0"/>
+              <a:t>Long-focus Lensed </a:t>
+            </a:r>
+            <a:r>
+              <a:rPr lang="en-US" altLang="zh-CN" sz="1800" dirty="0" err="1"/>
+              <a:t>Fibre</a:t>
+            </a:r>
+            <a:r>
+              <a:rPr lang="en-US" altLang="zh-CN" sz="1800" dirty="0"/>
+              <a:t> / Metalized </a:t>
+            </a:r>
+            <a:r>
+              <a:rPr lang="en-US" altLang="zh-CN" sz="1800" dirty="0" err="1"/>
+              <a:t>Fibre</a:t>
+            </a:r>
+            <a:endParaRPr lang="en-US" altLang="zh-CN" sz="1800" dirty="0"/>
+          </a:p>
+          <a:p>
+            <a:pPr marL="514350" indent="-514350">
+              <a:buFont typeface="Arial" panose="020B0604020202020204" pitchFamily="34" charset="0"/>
+              <a:buAutoNum type="arabicPeriod"/>
+            </a:pPr>
+            <a:r>
+              <a:rPr lang="en-US" altLang="zh-CN" sz="1800" dirty="0"/>
+              <a:t>Cylindrical Lensed/Wedged </a:t>
+            </a:r>
+            <a:r>
+              <a:rPr lang="en-US" altLang="zh-CN" sz="1800" dirty="0" err="1"/>
+              <a:t>Fibre</a:t>
+            </a:r>
+            <a:endParaRPr lang="en-US" altLang="zh-CN" sz="1800" dirty="0"/>
+          </a:p>
+          <a:p>
+            <a:pPr marL="514350" indent="-514350">
+              <a:buFont typeface="Arial" panose="020B0604020202020204" pitchFamily="34" charset="0"/>
+              <a:buAutoNum type="arabicPeriod"/>
+            </a:pPr>
+            <a:r>
+              <a:rPr lang="en-US" altLang="zh-CN" sz="1800" dirty="0"/>
+              <a:t>Angle Polished </a:t>
+            </a:r>
+            <a:r>
+              <a:rPr lang="en-US" altLang="zh-CN" sz="1800" dirty="0" err="1"/>
+              <a:t>Fibre</a:t>
+            </a:r>
+            <a:r>
+              <a:rPr lang="en-US" altLang="zh-CN" sz="1800" dirty="0"/>
+              <a:t> (0~10° or 30 - 50°</a:t>
+            </a:r>
+          </a:p>
+        </p:txBody>
+      </p:sp>
+      <p:sp>
+        <p:nvSpPr>
+          <p:cNvPr id="12" name="文本框 11">
+            <a:extLst>
+              <a:ext uri="{FF2B5EF4-FFF2-40B4-BE49-F238E27FC236}">
+                <a16:creationId xmlns:a16="http://schemas.microsoft.com/office/drawing/2014/main" id="{BDFD23BB-E6F0-4E94-A2D3-EF10BB0622E3}"/>
+              </a:ext>
+            </a:extLst>
+          </p:cNvPr>
+          <p:cNvSpPr txBox="1"/>
+          <p:nvPr/>
+        </p:nvSpPr>
+        <p:spPr>
+          <a:xfrm>
+            <a:off x="2795469" y="4129171"/>
+            <a:ext cx="394660" cy="480131"/>
+          </a:xfrm>
+          <a:prstGeom prst="rect">
+            <a:avLst/>
+          </a:prstGeom>
+          <a:noFill/>
+        </p:spPr>
+        <p:txBody>
+          <a:bodyPr wrap="none" rtlCol="0">
+            <a:spAutoFit/>
+          </a:bodyPr>
+          <a:lstStyle/>
+          <a:p>
+            <a:pPr algn="l">
+              <a:lnSpc>
+                <a:spcPct val="90000"/>
+              </a:lnSpc>
+              <a:spcBef>
+                <a:spcPts val="1000"/>
+              </a:spcBef>
+            </a:pPr>
+            <a:r>
+              <a:rPr lang="en-US" altLang="zh-CN" sz="2800" dirty="0">
+                <a:latin typeface="微软雅黑" panose="020B0503020204020204" pitchFamily="34" charset="-122"/>
+                <a:ea typeface="微软雅黑" panose="020B0503020204020204" pitchFamily="34" charset="-122"/>
+              </a:rPr>
+              <a:t>1</a:t>
+            </a:r>
+            <a:endParaRPr lang="zh-CN" altLang="en-US" sz="2800" dirty="0">
+              <a:latin typeface="微软雅黑" panose="020B0503020204020204" pitchFamily="34" charset="-122"/>
+              <a:ea typeface="微软雅黑" panose="020B0503020204020204" pitchFamily="34" charset="-122"/>
+            </a:endParaRPr>
+          </a:p>
+        </p:txBody>
+      </p:sp>
+      <p:sp>
+        <p:nvSpPr>
+          <p:cNvPr id="13" name="文本框 12">
+            <a:extLst>
+              <a:ext uri="{FF2B5EF4-FFF2-40B4-BE49-F238E27FC236}">
+                <a16:creationId xmlns:a16="http://schemas.microsoft.com/office/drawing/2014/main" id="{F782CB99-001F-453B-B806-FCFD8A171474}"/>
+              </a:ext>
+            </a:extLst>
+          </p:cNvPr>
+          <p:cNvSpPr txBox="1"/>
+          <p:nvPr/>
+        </p:nvSpPr>
+        <p:spPr>
+          <a:xfrm>
+            <a:off x="5282674" y="4241482"/>
+            <a:ext cx="394660" cy="480131"/>
+          </a:xfrm>
+          <a:prstGeom prst="rect">
+            <a:avLst/>
+          </a:prstGeom>
+          <a:noFill/>
+        </p:spPr>
+        <p:txBody>
+          <a:bodyPr wrap="none" rtlCol="0">
+            <a:spAutoFit/>
+          </a:bodyPr>
+          <a:lstStyle/>
+          <a:p>
+            <a:pPr algn="l">
+              <a:lnSpc>
+                <a:spcPct val="90000"/>
+              </a:lnSpc>
+              <a:spcBef>
+                <a:spcPts val="1000"/>
+              </a:spcBef>
+            </a:pPr>
+            <a:r>
+              <a:rPr lang="en-US" altLang="zh-CN" sz="2800" dirty="0">
+                <a:latin typeface="微软雅黑" panose="020B0503020204020204" pitchFamily="34" charset="-122"/>
+                <a:ea typeface="微软雅黑" panose="020B0503020204020204" pitchFamily="34" charset="-122"/>
+              </a:rPr>
+              <a:t>2</a:t>
+            </a:r>
+            <a:endParaRPr lang="zh-CN" altLang="en-US" sz="2800" dirty="0">
+              <a:latin typeface="微软雅黑" panose="020B0503020204020204" pitchFamily="34" charset="-122"/>
+              <a:ea typeface="微软雅黑" panose="020B0503020204020204" pitchFamily="34" charset="-122"/>
+            </a:endParaRPr>
+          </a:p>
+        </p:txBody>
+      </p:sp>
+      <p:sp>
+        <p:nvSpPr>
+          <p:cNvPr id="14" name="文本框 13">
+            <a:extLst>
+              <a:ext uri="{FF2B5EF4-FFF2-40B4-BE49-F238E27FC236}">
+                <a16:creationId xmlns:a16="http://schemas.microsoft.com/office/drawing/2014/main" id="{64EFAD35-90A9-4E9D-9A4A-E70B2C86C3A7}"/>
+              </a:ext>
+            </a:extLst>
+          </p:cNvPr>
+          <p:cNvSpPr txBox="1"/>
+          <p:nvPr/>
+        </p:nvSpPr>
+        <p:spPr>
+          <a:xfrm>
+            <a:off x="2827903" y="6085214"/>
+            <a:ext cx="394660" cy="480131"/>
+          </a:xfrm>
+          <a:prstGeom prst="rect">
+            <a:avLst/>
+          </a:prstGeom>
+          <a:noFill/>
+        </p:spPr>
+        <p:txBody>
+          <a:bodyPr wrap="none" rtlCol="0">
+            <a:spAutoFit/>
+          </a:bodyPr>
+          <a:lstStyle/>
+          <a:p>
+            <a:pPr algn="l">
+              <a:lnSpc>
+                <a:spcPct val="90000"/>
+              </a:lnSpc>
+              <a:spcBef>
+                <a:spcPts val="1000"/>
+              </a:spcBef>
+            </a:pPr>
+            <a:r>
+              <a:rPr lang="en-US" altLang="zh-CN" sz="2800" dirty="0">
+                <a:latin typeface="微软雅黑" panose="020B0503020204020204" pitchFamily="34" charset="-122"/>
+                <a:ea typeface="微软雅黑" panose="020B0503020204020204" pitchFamily="34" charset="-122"/>
+              </a:rPr>
+              <a:t>3</a:t>
+            </a:r>
+            <a:endParaRPr lang="zh-CN" altLang="en-US" sz="2800" dirty="0">
+              <a:latin typeface="微软雅黑" panose="020B0503020204020204" pitchFamily="34" charset="-122"/>
+              <a:ea typeface="微软雅黑" panose="020B0503020204020204" pitchFamily="34" charset="-122"/>
+            </a:endParaRPr>
+          </a:p>
+        </p:txBody>
+      </p:sp>
+      <p:sp>
+        <p:nvSpPr>
+          <p:cNvPr id="15" name="文本框 14">
+            <a:extLst>
+              <a:ext uri="{FF2B5EF4-FFF2-40B4-BE49-F238E27FC236}">
+                <a16:creationId xmlns:a16="http://schemas.microsoft.com/office/drawing/2014/main" id="{FC3426A0-B439-412C-B727-A9220B6DB848}"/>
+              </a:ext>
+            </a:extLst>
+          </p:cNvPr>
+          <p:cNvSpPr txBox="1"/>
+          <p:nvPr/>
+        </p:nvSpPr>
+        <p:spPr>
+          <a:xfrm>
+            <a:off x="5701341" y="5936846"/>
+            <a:ext cx="394660" cy="480131"/>
+          </a:xfrm>
+          <a:prstGeom prst="rect">
+            <a:avLst/>
+          </a:prstGeom>
+          <a:noFill/>
+        </p:spPr>
+        <p:txBody>
+          <a:bodyPr wrap="none" rtlCol="0">
+            <a:spAutoFit/>
+          </a:bodyPr>
+          <a:lstStyle/>
+          <a:p>
+            <a:pPr algn="l">
+              <a:lnSpc>
+                <a:spcPct val="90000"/>
+              </a:lnSpc>
+              <a:spcBef>
+                <a:spcPts val="1000"/>
+              </a:spcBef>
+            </a:pPr>
+            <a:r>
+              <a:rPr lang="en-US" altLang="zh-CN" sz="2800" dirty="0">
+                <a:latin typeface="微软雅黑" panose="020B0503020204020204" pitchFamily="34" charset="-122"/>
+                <a:ea typeface="微软雅黑" panose="020B0503020204020204" pitchFamily="34" charset="-122"/>
+              </a:rPr>
+              <a:t>4</a:t>
+            </a:r>
+            <a:endParaRPr lang="zh-CN" altLang="en-US" sz="2800" dirty="0">
+              <a:latin typeface="微软雅黑" panose="020B0503020204020204" pitchFamily="34" charset="-122"/>
+              <a:ea typeface="微软雅黑" panose="020B0503020204020204" pitchFamily="34" charset="-122"/>
+            </a:endParaRPr>
+          </a:p>
+        </p:txBody>
+      </p:sp>
+      <p:sp>
+        <p:nvSpPr>
+          <p:cNvPr id="16" name="矩形 15">
+            <a:extLst>
+              <a:ext uri="{FF2B5EF4-FFF2-40B4-BE49-F238E27FC236}">
+                <a16:creationId xmlns:a16="http://schemas.microsoft.com/office/drawing/2014/main" id="{E5EA2DA4-AF45-4EDA-A519-608A02311BD0}"/>
+              </a:ext>
+            </a:extLst>
+          </p:cNvPr>
+          <p:cNvSpPr/>
+          <p:nvPr/>
+        </p:nvSpPr>
+        <p:spPr>
+          <a:xfrm>
+            <a:off x="10659208" y="6454782"/>
+            <a:ext cx="1532792" cy="369332"/>
+          </a:xfrm>
+          <a:prstGeom prst="rect">
+            <a:avLst/>
+          </a:prstGeom>
+        </p:spPr>
+        <p:txBody>
+          <a:bodyPr wrap="none">
+            <a:spAutoFit/>
+          </a:bodyPr>
+          <a:lstStyle/>
+          <a:p>
+            <a:r>
+              <a:rPr lang="zh-CN" altLang="en-US" dirty="0">
+                <a:latin typeface="微软雅黑" panose="020B0503020204020204" pitchFamily="34" charset="-122"/>
+                <a:ea typeface="微软雅黑" panose="020B0503020204020204" pitchFamily="34" charset="-122"/>
+              </a:rPr>
+              <a:t>进度</a:t>
+            </a:r>
+            <a:r>
+              <a:rPr lang="en-US" altLang="zh-CN" dirty="0">
+                <a:latin typeface="微软雅黑" panose="020B0503020204020204" pitchFamily="34" charset="-122"/>
+                <a:ea typeface="微软雅黑" panose="020B0503020204020204" pitchFamily="34" charset="-122"/>
+              </a:rPr>
+              <a:t>:  </a:t>
+            </a:r>
+            <a:r>
+              <a:rPr lang="zh-CN" altLang="en-US" dirty="0">
+                <a:latin typeface="微软雅黑" panose="020B0503020204020204" pitchFamily="34" charset="-122"/>
+                <a:ea typeface="微软雅黑" panose="020B0503020204020204" pitchFamily="34" charset="-122"/>
+              </a:rPr>
+              <a:t>未回复</a:t>
+            </a:r>
+          </a:p>
+        </p:txBody>
+      </p:sp>
     </p:spTree>
     <p:extLst>
       <p:ext uri="{BB962C8B-B14F-4D97-AF65-F5344CB8AC3E}">
@@ -3266,7 +4292,7 @@
           <p:cNvPr id="2" name="内容占位符 1">
             <a:extLst>
               <a:ext uri="{FF2B5EF4-FFF2-40B4-BE49-F238E27FC236}">
-                <a16:creationId xmlns:a16="http://schemas.microsoft.com/office/drawing/2014/main" id="{CF870ABF-AFBC-458B-AE5A-ADD157EBF2C9}"/>
+                <a16:creationId xmlns:a16="http://schemas.microsoft.com/office/drawing/2014/main" id="{FA894E2C-6D51-4512-8B65-C14AA19A09BF}"/>
               </a:ext>
             </a:extLst>
           </p:cNvPr>
@@ -3279,269 +4305,454 @@
         </p:nvSpPr>
         <p:spPr/>
         <p:txBody>
-          <a:bodyPr/>
+          <a:bodyPr>
+            <a:normAutofit/>
+          </a:bodyPr>
           <a:lstStyle/>
           <a:p>
             <a:pPr marL="0" indent="0">
               <a:buNone/>
             </a:pPr>
             <a:r>
-              <a:rPr lang="zh-CN" altLang="en-US" dirty="0"/>
-              <a:t>类别</a:t>
-            </a:r>
-            <a:endParaRPr lang="en-US" altLang="zh-CN" dirty="0"/>
-          </a:p>
-          <a:p>
-            <a:pPr marL="514350" indent="-514350">
+              <a:rPr lang="zh-CN" altLang="en-US" sz="2000" b="1" dirty="0">
+                <a:latin typeface="微软雅黑" panose="020B0503020204020204" pitchFamily="34" charset="-122"/>
+              </a:rPr>
+              <a:t>可能需要提供的参数</a:t>
+            </a:r>
+            <a:r>
+              <a:rPr lang="zh-CN" altLang="zh-CN" sz="2000" b="1" dirty="0">
+                <a:latin typeface="微软雅黑" panose="020B0503020204020204" pitchFamily="34" charset="-122"/>
+              </a:rPr>
+              <a:t>:</a:t>
+            </a:r>
+            <a:endParaRPr lang="en-US" altLang="zh-CN" sz="2000" b="1" dirty="0">
+              <a:latin typeface="微软雅黑" panose="020B0503020204020204" pitchFamily="34" charset="-122"/>
+            </a:endParaRPr>
+          </a:p>
+          <a:p>
+            <a:pPr marL="0" indent="0">
+              <a:buNone/>
+            </a:pPr>
+            <a:endParaRPr lang="en-US" altLang="zh-CN" sz="2000" b="1" dirty="0">
+              <a:latin typeface="微软雅黑" panose="020B0503020204020204" pitchFamily="34" charset="-122"/>
+            </a:endParaRPr>
+          </a:p>
+          <a:p>
+            <a:pPr marL="0" indent="0">
+              <a:buNone/>
+            </a:pPr>
+            <a:endParaRPr lang="en-US" altLang="zh-CN" sz="2000" b="1" dirty="0">
+              <a:latin typeface="微软雅黑" panose="020B0503020204020204" pitchFamily="34" charset="-122"/>
+            </a:endParaRPr>
+          </a:p>
+          <a:p>
+            <a:pPr marL="0" lvl="0" indent="0" eaLnBrk="0" fontAlgn="base" hangingPunct="0">
+              <a:lnSpc>
+                <a:spcPct val="100000"/>
+              </a:lnSpc>
+              <a:spcBef>
+                <a:spcPct val="0"/>
+              </a:spcBef>
+              <a:spcAft>
+                <a:spcPct val="0"/>
+              </a:spcAft>
+              <a:buFontTx/>
               <a:buAutoNum type="arabicPeriod"/>
             </a:pPr>
             <a:r>
-              <a:rPr lang="en-US" altLang="zh-CN" dirty="0"/>
-              <a:t>Lensed </a:t>
-            </a:r>
-            <a:r>
-              <a:rPr lang="en-US" altLang="zh-CN" dirty="0" err="1"/>
-              <a:t>Fibre</a:t>
-            </a:r>
-            <a:r>
-              <a:rPr lang="en-US" altLang="zh-CN" dirty="0"/>
-              <a:t> / Metalized </a:t>
-            </a:r>
-            <a:r>
-              <a:rPr lang="en-US" altLang="zh-CN" dirty="0" err="1"/>
-              <a:t>Fibre</a:t>
-            </a:r>
-            <a:endParaRPr lang="en-US" altLang="zh-CN" dirty="0"/>
-          </a:p>
-          <a:p>
-            <a:pPr marL="514350" indent="-514350">
+              <a:rPr lang="zh-CN" altLang="zh-CN" sz="2000" dirty="0">
+                <a:latin typeface="微软雅黑" panose="020B0503020204020204" pitchFamily="34" charset="-122"/>
+              </a:rPr>
+              <a:t>Wavelength, type of fib</a:t>
+            </a:r>
+            <a:r>
+              <a:rPr lang="en-US" altLang="zh-CN" sz="2000" dirty="0" err="1">
+                <a:latin typeface="微软雅黑" panose="020B0503020204020204" pitchFamily="34" charset="-122"/>
+              </a:rPr>
+              <a:t>er</a:t>
+            </a:r>
+            <a:r>
+              <a:rPr lang="zh-CN" altLang="zh-CN" sz="2000" dirty="0">
+                <a:latin typeface="微软雅黑" panose="020B0503020204020204" pitchFamily="34" charset="-122"/>
+              </a:rPr>
+              <a:t>, single more or multi-mode fib</a:t>
+            </a:r>
+            <a:r>
+              <a:rPr lang="en-US" altLang="zh-CN" sz="2000" dirty="0" err="1">
+                <a:latin typeface="微软雅黑" panose="020B0503020204020204" pitchFamily="34" charset="-122"/>
+              </a:rPr>
+              <a:t>er</a:t>
+            </a:r>
+            <a:r>
+              <a:rPr lang="zh-CN" altLang="zh-CN" sz="2000" dirty="0">
+                <a:latin typeface="微软雅黑" panose="020B0503020204020204" pitchFamily="34" charset="-122"/>
+              </a:rPr>
+              <a:t>?  e.g. SFM-28,or PM1300, HI1060, etc.</a:t>
+            </a:r>
+            <a:r>
+              <a:rPr lang="en-US" altLang="zh-CN" sz="2000" dirty="0">
+                <a:latin typeface="微软雅黑" panose="020B0503020204020204" pitchFamily="34" charset="-122"/>
+              </a:rPr>
+              <a:t> (</a:t>
+            </a:r>
+            <a:r>
+              <a:rPr lang="zh-CN" altLang="en-US" sz="2000" dirty="0">
+                <a:latin typeface="微软雅黑" panose="020B0503020204020204" pitchFamily="34" charset="-122"/>
+              </a:rPr>
+              <a:t>波长</a:t>
+            </a:r>
+            <a:r>
+              <a:rPr lang="en-US" altLang="zh-CN" sz="2000" dirty="0">
+                <a:latin typeface="微软雅黑" panose="020B0503020204020204" pitchFamily="34" charset="-122"/>
+              </a:rPr>
+              <a:t>, </a:t>
+            </a:r>
+            <a:r>
+              <a:rPr lang="zh-CN" altLang="en-US" sz="2000" dirty="0">
+                <a:latin typeface="微软雅黑" panose="020B0503020204020204" pitchFamily="34" charset="-122"/>
+              </a:rPr>
+              <a:t>光纤类型</a:t>
+            </a:r>
+            <a:r>
+              <a:rPr lang="en-US" altLang="zh-CN" sz="2000" dirty="0">
+                <a:latin typeface="微软雅黑" panose="020B0503020204020204" pitchFamily="34" charset="-122"/>
+              </a:rPr>
+              <a:t>)</a:t>
+            </a:r>
+          </a:p>
+          <a:p>
+            <a:pPr marL="0" lvl="0" indent="0" eaLnBrk="0" fontAlgn="base" hangingPunct="0">
+              <a:lnSpc>
+                <a:spcPct val="100000"/>
+              </a:lnSpc>
+              <a:spcBef>
+                <a:spcPct val="0"/>
+              </a:spcBef>
+              <a:spcAft>
+                <a:spcPct val="0"/>
+              </a:spcAft>
+              <a:buFontTx/>
               <a:buAutoNum type="arabicPeriod"/>
             </a:pPr>
-            <a:r>
-              <a:rPr lang="en-US" altLang="zh-CN" dirty="0"/>
-              <a:t>Long-focus Lensed </a:t>
-            </a:r>
-            <a:r>
-              <a:rPr lang="en-US" altLang="zh-CN" dirty="0" err="1"/>
-              <a:t>Fibre</a:t>
-            </a:r>
-            <a:r>
-              <a:rPr lang="en-US" altLang="zh-CN" dirty="0"/>
-              <a:t> / Metalized </a:t>
-            </a:r>
-            <a:r>
-              <a:rPr lang="en-US" altLang="zh-CN" dirty="0" err="1"/>
-              <a:t>Fibre</a:t>
-            </a:r>
-            <a:endParaRPr lang="en-US" altLang="zh-CN" dirty="0"/>
-          </a:p>
-          <a:p>
-            <a:pPr marL="514350" indent="-514350">
-              <a:buAutoNum type="arabicPeriod"/>
-            </a:pPr>
-            <a:r>
-              <a:rPr lang="en-US" altLang="zh-CN" dirty="0"/>
-              <a:t>Cylindrical Lensed/Wedged </a:t>
-            </a:r>
-            <a:r>
-              <a:rPr lang="en-US" altLang="zh-CN" dirty="0" err="1"/>
-              <a:t>Fibre</a:t>
-            </a:r>
-            <a:endParaRPr lang="en-US" altLang="zh-CN" dirty="0"/>
-          </a:p>
-          <a:p>
-            <a:pPr marL="514350" indent="-514350">
-              <a:buAutoNum type="arabicPeriod"/>
-            </a:pPr>
-            <a:r>
-              <a:rPr lang="en-US" altLang="zh-CN" dirty="0"/>
-              <a:t>Angle Polished </a:t>
-            </a:r>
-            <a:r>
-              <a:rPr lang="en-US" altLang="zh-CN" dirty="0" err="1"/>
-              <a:t>Fibre</a:t>
-            </a:r>
-            <a:r>
-              <a:rPr lang="en-US" altLang="zh-CN" dirty="0"/>
-              <a:t> (0~10° or 30 - 50°)</a:t>
-            </a:r>
-            <a:endParaRPr lang="zh-CN" altLang="en-US" dirty="0"/>
-          </a:p>
-        </p:txBody>
-      </p:sp>
-      <p:pic>
-        <p:nvPicPr>
-          <p:cNvPr id="3" name="图片 2">
-            <a:extLst>
-              <a:ext uri="{FF2B5EF4-FFF2-40B4-BE49-F238E27FC236}">
-                <a16:creationId xmlns:a16="http://schemas.microsoft.com/office/drawing/2014/main" id="{4763B4B3-8478-4790-8A26-2EAD80717984}"/>
-              </a:ext>
-            </a:extLst>
-          </p:cNvPr>
-          <p:cNvPicPr>
-            <a:picLocks noChangeAspect="1"/>
-          </p:cNvPicPr>
-          <p:nvPr/>
-        </p:nvPicPr>
-        <p:blipFill>
-          <a:blip r:embed="rId2"/>
-          <a:stretch>
-            <a:fillRect/>
-          </a:stretch>
-        </p:blipFill>
-        <p:spPr>
-          <a:xfrm>
-            <a:off x="3093304" y="3414933"/>
-            <a:ext cx="2795791" cy="2238375"/>
-          </a:xfrm>
-          <a:prstGeom prst="rect">
-            <a:avLst/>
-          </a:prstGeom>
-        </p:spPr>
-      </p:pic>
-      <p:pic>
-        <p:nvPicPr>
-          <p:cNvPr id="4" name="图片 3">
-            <a:extLst>
-              <a:ext uri="{FF2B5EF4-FFF2-40B4-BE49-F238E27FC236}">
-                <a16:creationId xmlns:a16="http://schemas.microsoft.com/office/drawing/2014/main" id="{9068BFF9-FAC7-4F3F-B440-6B04F47A6E2F}"/>
-              </a:ext>
-            </a:extLst>
-          </p:cNvPr>
-          <p:cNvPicPr>
-            <a:picLocks noChangeAspect="1"/>
-          </p:cNvPicPr>
-          <p:nvPr/>
-        </p:nvPicPr>
-        <p:blipFill>
-          <a:blip r:embed="rId3"/>
-          <a:stretch>
-            <a:fillRect/>
-          </a:stretch>
-        </p:blipFill>
-        <p:spPr>
-          <a:xfrm>
-            <a:off x="5889095" y="3401483"/>
-            <a:ext cx="3219450" cy="2238375"/>
-          </a:xfrm>
-          <a:prstGeom prst="rect">
-            <a:avLst/>
-          </a:prstGeom>
-        </p:spPr>
-      </p:pic>
-      <p:pic>
-        <p:nvPicPr>
-          <p:cNvPr id="5" name="图片 4">
-            <a:extLst>
-              <a:ext uri="{FF2B5EF4-FFF2-40B4-BE49-F238E27FC236}">
-                <a16:creationId xmlns:a16="http://schemas.microsoft.com/office/drawing/2014/main" id="{2B3DDBCA-2955-4ECA-A267-1731F66E42BC}"/>
-              </a:ext>
-            </a:extLst>
-          </p:cNvPr>
-          <p:cNvPicPr>
-            <a:picLocks noChangeAspect="1"/>
-          </p:cNvPicPr>
-          <p:nvPr/>
-        </p:nvPicPr>
-        <p:blipFill>
-          <a:blip r:embed="rId4"/>
-          <a:stretch>
-            <a:fillRect/>
-          </a:stretch>
-        </p:blipFill>
-        <p:spPr>
-          <a:xfrm>
-            <a:off x="9108545" y="3634845"/>
-            <a:ext cx="2962275" cy="1771650"/>
-          </a:xfrm>
-          <a:prstGeom prst="rect">
-            <a:avLst/>
-          </a:prstGeom>
-        </p:spPr>
-      </p:pic>
-      <p:pic>
-        <p:nvPicPr>
-          <p:cNvPr id="6" name="图片 5">
-            <a:extLst>
-              <a:ext uri="{FF2B5EF4-FFF2-40B4-BE49-F238E27FC236}">
-                <a16:creationId xmlns:a16="http://schemas.microsoft.com/office/drawing/2014/main" id="{95A302D1-85AF-4C2C-AF31-78F7F1FDD293}"/>
-              </a:ext>
-            </a:extLst>
-          </p:cNvPr>
-          <p:cNvPicPr>
-            <a:picLocks noChangeAspect="1"/>
-          </p:cNvPicPr>
-          <p:nvPr/>
-        </p:nvPicPr>
-        <p:blipFill>
-          <a:blip r:embed="rId5"/>
-          <a:stretch>
-            <a:fillRect/>
-          </a:stretch>
-        </p:blipFill>
-        <p:spPr>
-          <a:xfrm>
-            <a:off x="229129" y="3510184"/>
-            <a:ext cx="2809875" cy="2047875"/>
-          </a:xfrm>
-          <a:prstGeom prst="rect">
-            <a:avLst/>
-          </a:prstGeom>
-        </p:spPr>
-      </p:pic>
-      <p:sp>
-        <p:nvSpPr>
-          <p:cNvPr id="7" name="矩形 6">
-            <a:extLst>
-              <a:ext uri="{FF2B5EF4-FFF2-40B4-BE49-F238E27FC236}">
-                <a16:creationId xmlns:a16="http://schemas.microsoft.com/office/drawing/2014/main" id="{002875DD-3F3E-4225-962B-1230A2A04DAC}"/>
-              </a:ext>
-            </a:extLst>
-          </p:cNvPr>
-          <p:cNvSpPr/>
-          <p:nvPr/>
-        </p:nvSpPr>
-        <p:spPr>
-          <a:xfrm>
-            <a:off x="4701900" y="6516368"/>
-            <a:ext cx="2788199" cy="341632"/>
-          </a:xfrm>
-          <a:prstGeom prst="rect">
-            <a:avLst/>
-          </a:prstGeom>
-        </p:spPr>
-        <p:txBody>
-          <a:bodyPr wrap="none">
-            <a:spAutoFit/>
-          </a:bodyPr>
-          <a:lstStyle/>
-          <a:p>
-            <a:pPr>
+            <a:endParaRPr lang="zh-CN" altLang="zh-CN" sz="2000" dirty="0">
+              <a:latin typeface="微软雅黑" panose="020B0503020204020204" pitchFamily="34" charset="-122"/>
+            </a:endParaRPr>
+          </a:p>
+          <a:p>
+            <a:pPr marL="0" lvl="0" indent="0" eaLnBrk="0" fontAlgn="base" hangingPunct="0">
               <a:lnSpc>
-                <a:spcPct val="90000"/>
+                <a:spcPct val="100000"/>
               </a:lnSpc>
               <a:spcBef>
-                <a:spcPts val="1000"/>
+                <a:spcPct val="0"/>
               </a:spcBef>
+              <a:spcAft>
+                <a:spcPct val="0"/>
+              </a:spcAft>
+              <a:buFontTx/>
+              <a:buAutoNum type="arabicPeriod" startAt="2"/>
             </a:pPr>
             <a:r>
-              <a:rPr lang="en-US" altLang="zh-CN" dirty="0">
-                <a:latin typeface="微软雅黑" panose="020B0503020204020204" pitchFamily="34" charset="-122"/>
-                <a:ea typeface="微软雅黑" panose="020B0503020204020204" pitchFamily="34" charset="-122"/>
-              </a:rPr>
-              <a:t>highpak.com/fibre.html</a:t>
-            </a:r>
-            <a:endParaRPr lang="zh-CN" altLang="en-US" dirty="0">
+              <a:rPr lang="zh-CN" altLang="zh-CN" sz="2000" dirty="0">
+                <a:latin typeface="微软雅黑" panose="020B0503020204020204" pitchFamily="34" charset="-122"/>
+              </a:rPr>
+              <a:t>Type of lens:  conical, wedge/cylindrical lens, or  angled cylindrical lens, etc.</a:t>
+            </a:r>
+            <a:r>
+              <a:rPr lang="en-US" altLang="zh-CN" sz="2000" dirty="0">
+                <a:latin typeface="微软雅黑" panose="020B0503020204020204" pitchFamily="34" charset="-122"/>
+              </a:rPr>
+              <a:t> (</a:t>
+            </a:r>
+            <a:r>
+              <a:rPr lang="zh-CN" altLang="en-US" sz="2000" dirty="0">
+                <a:latin typeface="微软雅黑" panose="020B0503020204020204" pitchFamily="34" charset="-122"/>
+              </a:rPr>
+              <a:t>镜头类型</a:t>
+            </a:r>
+            <a:r>
+              <a:rPr lang="en-US" altLang="zh-CN" sz="2000" dirty="0">
+                <a:latin typeface="微软雅黑" panose="020B0503020204020204" pitchFamily="34" charset="-122"/>
+              </a:rPr>
+              <a:t>) </a:t>
+            </a:r>
+          </a:p>
+          <a:p>
+            <a:pPr marL="0" lvl="0" indent="0" eaLnBrk="0" fontAlgn="base" hangingPunct="0">
+              <a:lnSpc>
+                <a:spcPct val="100000"/>
+              </a:lnSpc>
+              <a:spcBef>
+                <a:spcPct val="0"/>
+              </a:spcBef>
+              <a:spcAft>
+                <a:spcPct val="0"/>
+              </a:spcAft>
+              <a:buFontTx/>
+              <a:buAutoNum type="arabicPeriod" startAt="2"/>
+            </a:pPr>
+            <a:endParaRPr lang="zh-CN" altLang="zh-CN" sz="2000" dirty="0">
               <a:latin typeface="微软雅黑" panose="020B0503020204020204" pitchFamily="34" charset="-122"/>
-              <a:ea typeface="微软雅黑" panose="020B0503020204020204" pitchFamily="34" charset="-122"/>
             </a:endParaRPr>
+          </a:p>
+          <a:p>
+            <a:pPr marL="0" lvl="0" indent="0" eaLnBrk="0" fontAlgn="base" hangingPunct="0">
+              <a:lnSpc>
+                <a:spcPct val="100000"/>
+              </a:lnSpc>
+              <a:spcBef>
+                <a:spcPct val="0"/>
+              </a:spcBef>
+              <a:spcAft>
+                <a:spcPct val="0"/>
+              </a:spcAft>
+              <a:buFontTx/>
+              <a:buAutoNum type="arabicPeriod" startAt="3"/>
+            </a:pPr>
+            <a:r>
+              <a:rPr lang="zh-CN" altLang="zh-CN" sz="2000" dirty="0">
+                <a:latin typeface="微软雅黑" panose="020B0503020204020204" pitchFamily="34" charset="-122"/>
+              </a:rPr>
+              <a:t>Radius or lens, or far-field angle, or spot size</a:t>
+            </a:r>
+            <a:r>
+              <a:rPr lang="en-US" altLang="zh-CN" sz="2000" dirty="0">
+                <a:latin typeface="微软雅黑" panose="020B0503020204020204" pitchFamily="34" charset="-122"/>
+              </a:rPr>
+              <a:t>. (</a:t>
+            </a:r>
+            <a:r>
+              <a:rPr lang="zh-CN" altLang="en-US" sz="2000" dirty="0">
+                <a:latin typeface="微软雅黑" panose="020B0503020204020204" pitchFamily="34" charset="-122"/>
+              </a:rPr>
+              <a:t>半径或透镜</a:t>
+            </a:r>
+            <a:r>
+              <a:rPr lang="en-US" altLang="zh-CN" sz="2000" dirty="0">
+                <a:latin typeface="微软雅黑" panose="020B0503020204020204" pitchFamily="34" charset="-122"/>
+              </a:rPr>
+              <a:t>, </a:t>
+            </a:r>
+            <a:r>
+              <a:rPr lang="zh-CN" altLang="en-US" sz="2000" dirty="0">
+                <a:latin typeface="微软雅黑" panose="020B0503020204020204" pitchFamily="34" charset="-122"/>
+              </a:rPr>
+              <a:t>远视场角</a:t>
+            </a:r>
+            <a:r>
+              <a:rPr lang="en-US" altLang="zh-CN" sz="2000" dirty="0">
+                <a:latin typeface="微软雅黑" panose="020B0503020204020204" pitchFamily="34" charset="-122"/>
+              </a:rPr>
+              <a:t>, </a:t>
+            </a:r>
+            <a:r>
+              <a:rPr lang="zh-CN" altLang="en-US" sz="2000" dirty="0">
+                <a:latin typeface="微软雅黑" panose="020B0503020204020204" pitchFamily="34" charset="-122"/>
+              </a:rPr>
+              <a:t>光斑大小等光学参数</a:t>
+            </a:r>
+            <a:r>
+              <a:rPr lang="en-US" altLang="zh-CN" sz="2000" dirty="0">
+                <a:latin typeface="微软雅黑" panose="020B0503020204020204" pitchFamily="34" charset="-122"/>
+              </a:rPr>
+              <a:t>)</a:t>
+            </a:r>
+          </a:p>
+          <a:p>
+            <a:pPr marL="0" lvl="0" indent="0" eaLnBrk="0" fontAlgn="base" hangingPunct="0">
+              <a:lnSpc>
+                <a:spcPct val="100000"/>
+              </a:lnSpc>
+              <a:spcBef>
+                <a:spcPct val="0"/>
+              </a:spcBef>
+              <a:spcAft>
+                <a:spcPct val="0"/>
+              </a:spcAft>
+              <a:buFontTx/>
+              <a:buAutoNum type="arabicPeriod" startAt="3"/>
+            </a:pPr>
+            <a:endParaRPr lang="zh-CN" altLang="zh-CN" sz="2000" dirty="0">
+              <a:latin typeface="微软雅黑" panose="020B0503020204020204" pitchFamily="34" charset="-122"/>
+            </a:endParaRPr>
+          </a:p>
+          <a:p>
+            <a:pPr marL="0" lvl="0" indent="0" eaLnBrk="0" fontAlgn="base" hangingPunct="0">
+              <a:lnSpc>
+                <a:spcPct val="100000"/>
+              </a:lnSpc>
+              <a:spcBef>
+                <a:spcPct val="0"/>
+              </a:spcBef>
+              <a:spcAft>
+                <a:spcPct val="0"/>
+              </a:spcAft>
+              <a:buFontTx/>
+              <a:buAutoNum type="arabicPeriod" startAt="4"/>
+            </a:pPr>
+            <a:r>
+              <a:rPr lang="zh-CN" altLang="zh-CN" sz="2000" dirty="0">
+                <a:latin typeface="微软雅黑" panose="020B0503020204020204" pitchFamily="34" charset="-122"/>
+              </a:rPr>
+              <a:t>Stripe length for lensed fib</a:t>
+            </a:r>
+            <a:r>
+              <a:rPr lang="en-US" altLang="zh-CN" sz="2000" dirty="0" err="1">
+                <a:latin typeface="微软雅黑" panose="020B0503020204020204" pitchFamily="34" charset="-122"/>
+              </a:rPr>
+              <a:t>er</a:t>
+            </a:r>
+            <a:r>
+              <a:rPr lang="zh-CN" altLang="zh-CN" sz="2000" dirty="0">
+                <a:latin typeface="微软雅黑" panose="020B0503020204020204" pitchFamily="34" charset="-122"/>
+              </a:rPr>
+              <a:t>, dimension of fib</a:t>
+            </a:r>
+            <a:r>
+              <a:rPr lang="en-US" altLang="zh-CN" sz="2000" dirty="0" err="1">
+                <a:latin typeface="微软雅黑" panose="020B0503020204020204" pitchFamily="34" charset="-122"/>
+              </a:rPr>
+              <a:t>er</a:t>
+            </a:r>
+            <a:r>
+              <a:rPr lang="zh-CN" altLang="zh-CN" sz="2000" dirty="0">
+                <a:latin typeface="微软雅黑" panose="020B0503020204020204" pitchFamily="34" charset="-122"/>
+              </a:rPr>
+              <a:t> assembly</a:t>
+            </a:r>
+            <a:endParaRPr lang="en-US" altLang="zh-CN" sz="2000" dirty="0">
+              <a:latin typeface="微软雅黑" panose="020B0503020204020204" pitchFamily="34" charset="-122"/>
+            </a:endParaRPr>
+          </a:p>
+          <a:p>
+            <a:pPr marL="0" lvl="0" indent="0" eaLnBrk="0" fontAlgn="base" hangingPunct="0">
+              <a:lnSpc>
+                <a:spcPct val="100000"/>
+              </a:lnSpc>
+              <a:spcBef>
+                <a:spcPct val="0"/>
+              </a:spcBef>
+              <a:spcAft>
+                <a:spcPct val="0"/>
+              </a:spcAft>
+              <a:buFontTx/>
+              <a:buAutoNum type="arabicPeriod" startAt="4"/>
+            </a:pPr>
+            <a:endParaRPr lang="zh-CN" altLang="zh-CN" sz="2000" dirty="0">
+              <a:latin typeface="微软雅黑" panose="020B0503020204020204" pitchFamily="34" charset="-122"/>
+            </a:endParaRPr>
+          </a:p>
+          <a:p>
+            <a:pPr marL="0" lvl="0" indent="0" eaLnBrk="0" fontAlgn="base" hangingPunct="0">
+              <a:lnSpc>
+                <a:spcPct val="100000"/>
+              </a:lnSpc>
+              <a:spcBef>
+                <a:spcPct val="0"/>
+              </a:spcBef>
+              <a:spcAft>
+                <a:spcPct val="0"/>
+              </a:spcAft>
+              <a:buFontTx/>
+              <a:buAutoNum type="arabicPeriod" startAt="5"/>
+            </a:pPr>
+            <a:r>
+              <a:rPr lang="zh-CN" altLang="zh-CN" sz="2000" dirty="0">
+                <a:latin typeface="微软雅黑" panose="020B0503020204020204" pitchFamily="34" charset="-122"/>
+              </a:rPr>
+              <a:t>Total length, connector, AR coating?</a:t>
+            </a:r>
+            <a:r>
+              <a:rPr lang="en-US" altLang="zh-CN" sz="2000" dirty="0">
+                <a:latin typeface="微软雅黑" panose="020B0503020204020204" pitchFamily="34" charset="-122"/>
+              </a:rPr>
+              <a:t> (</a:t>
+            </a:r>
+            <a:r>
+              <a:rPr lang="zh-CN" altLang="en-US" sz="2000" dirty="0">
+                <a:latin typeface="微软雅黑" panose="020B0503020204020204" pitchFamily="34" charset="-122"/>
+              </a:rPr>
+              <a:t>总长度等</a:t>
+            </a:r>
+            <a:r>
+              <a:rPr lang="en-US" altLang="zh-CN" sz="2000" dirty="0">
+                <a:latin typeface="微软雅黑" panose="020B0503020204020204" pitchFamily="34" charset="-122"/>
+              </a:rPr>
+              <a:t>)</a:t>
+            </a:r>
+          </a:p>
+          <a:p>
+            <a:pPr marL="0" lvl="0" indent="0" eaLnBrk="0" fontAlgn="base" hangingPunct="0">
+              <a:lnSpc>
+                <a:spcPct val="100000"/>
+              </a:lnSpc>
+              <a:spcBef>
+                <a:spcPct val="0"/>
+              </a:spcBef>
+              <a:spcAft>
+                <a:spcPct val="0"/>
+              </a:spcAft>
+              <a:buFontTx/>
+              <a:buAutoNum type="arabicPeriod" startAt="5"/>
+            </a:pPr>
+            <a:endParaRPr lang="zh-CN" altLang="zh-CN" sz="2000" dirty="0">
+              <a:latin typeface="微软雅黑" panose="020B0503020204020204" pitchFamily="34" charset="-122"/>
+            </a:endParaRPr>
+          </a:p>
+          <a:p>
+            <a:pPr marL="0" lvl="0" indent="0" eaLnBrk="0" fontAlgn="base" hangingPunct="0">
+              <a:lnSpc>
+                <a:spcPct val="100000"/>
+              </a:lnSpc>
+              <a:spcBef>
+                <a:spcPct val="0"/>
+              </a:spcBef>
+              <a:spcAft>
+                <a:spcPct val="0"/>
+              </a:spcAft>
+              <a:buFontTx/>
+              <a:buAutoNum type="arabicPeriod" startAt="6"/>
+            </a:pPr>
+            <a:r>
+              <a:rPr lang="zh-CN" altLang="zh-CN" sz="2000" dirty="0">
+                <a:latin typeface="微软雅黑" panose="020B0503020204020204" pitchFamily="34" charset="-122"/>
+              </a:rPr>
+              <a:t>Quantity</a:t>
+            </a:r>
+            <a:r>
+              <a:rPr lang="en-US" altLang="zh-CN" sz="2000" dirty="0">
+                <a:latin typeface="微软雅黑" panose="020B0503020204020204" pitchFamily="34" charset="-122"/>
+              </a:rPr>
+              <a:t> (</a:t>
+            </a:r>
+            <a:r>
+              <a:rPr lang="zh-CN" altLang="en-US" sz="2000" dirty="0">
+                <a:latin typeface="微软雅黑" panose="020B0503020204020204" pitchFamily="34" charset="-122"/>
+              </a:rPr>
+              <a:t>数量</a:t>
+            </a:r>
+            <a:r>
+              <a:rPr lang="en-US" altLang="zh-CN" sz="2000" dirty="0">
+                <a:latin typeface="微软雅黑" panose="020B0503020204020204" pitchFamily="34" charset="-122"/>
+              </a:rPr>
+              <a:t>)</a:t>
+            </a:r>
+            <a:endParaRPr lang="zh-CN" altLang="zh-CN" sz="2000" dirty="0">
+              <a:latin typeface="微软雅黑" panose="020B0503020204020204" pitchFamily="34" charset="-122"/>
+            </a:endParaRPr>
+          </a:p>
+          <a:p>
+            <a:pPr marL="0" indent="0">
+              <a:buNone/>
+            </a:pPr>
+            <a:endParaRPr lang="zh-CN" altLang="zh-CN" sz="2000" dirty="0"/>
           </a:p>
         </p:txBody>
       </p:sp>
     </p:spTree>
     <p:extLst>
       <p:ext uri="{BB962C8B-B14F-4D97-AF65-F5344CB8AC3E}">
-        <p14:creationId xmlns:p14="http://schemas.microsoft.com/office/powerpoint/2010/main" val="4271997201"/>
+        <p14:creationId xmlns:p14="http://schemas.microsoft.com/office/powerpoint/2010/main" val="2341644338"/>
       </p:ext>
     </p:extLst>
   </p:cSld>
@@ -3573,7 +4784,7 @@
           <p:cNvPr id="2" name="内容占位符 1">
             <a:extLst>
               <a:ext uri="{FF2B5EF4-FFF2-40B4-BE49-F238E27FC236}">
-                <a16:creationId xmlns:a16="http://schemas.microsoft.com/office/drawing/2014/main" id="{FA894E2C-6D51-4512-8B65-C14AA19A09BF}"/>
+                <a16:creationId xmlns:a16="http://schemas.microsoft.com/office/drawing/2014/main" id="{9D4D0292-208E-46EB-8874-F2FB78522AA9}"/>
               </a:ext>
             </a:extLst>
           </p:cNvPr>
@@ -3586,357 +4797,330 @@
         </p:nvSpPr>
         <p:spPr/>
         <p:txBody>
-          <a:bodyPr>
-            <a:normAutofit/>
+          <a:bodyPr/>
+          <a:lstStyle/>
+          <a:p>
+            <a:r>
+              <a:rPr lang="zh-CN" altLang="en-US" dirty="0"/>
+              <a:t>可以实现球形</a:t>
+            </a:r>
+            <a:r>
+              <a:rPr lang="en-US" altLang="zh-CN" dirty="0"/>
+              <a:t>, </a:t>
+            </a:r>
+            <a:r>
+              <a:rPr lang="zh-CN" altLang="en-US" dirty="0"/>
+              <a:t>锥形</a:t>
+            </a:r>
+            <a:r>
+              <a:rPr lang="en-US" altLang="zh-CN" dirty="0"/>
+              <a:t>, </a:t>
+            </a:r>
+            <a:r>
+              <a:rPr lang="zh-CN" altLang="en-US" dirty="0"/>
+              <a:t>楔形</a:t>
+            </a:r>
+            <a:r>
+              <a:rPr lang="en-US" altLang="zh-CN" dirty="0"/>
+              <a:t>, </a:t>
+            </a:r>
+            <a:r>
+              <a:rPr lang="zh-CN" altLang="en-US" dirty="0"/>
+              <a:t>斜楔形</a:t>
+            </a:r>
+            <a:r>
+              <a:rPr lang="en-US" altLang="zh-CN" dirty="0"/>
+              <a:t>, </a:t>
+            </a:r>
+            <a:r>
+              <a:rPr lang="zh-CN" altLang="en-US" dirty="0"/>
+              <a:t>斜面多种形状</a:t>
+            </a:r>
+            <a:endParaRPr lang="en-US" altLang="zh-CN" dirty="0"/>
+          </a:p>
+          <a:p>
+            <a:r>
+              <a:rPr lang="zh-CN" altLang="en-US" dirty="0"/>
+              <a:t>对透镜的光斑</a:t>
+            </a:r>
+            <a:r>
+              <a:rPr lang="en-US" altLang="zh-CN" dirty="0"/>
+              <a:t>, </a:t>
+            </a:r>
+            <a:r>
+              <a:rPr lang="zh-CN" altLang="en-US" dirty="0"/>
+              <a:t>远场等参数进行测试</a:t>
+            </a:r>
+            <a:endParaRPr lang="en-US" altLang="zh-CN" dirty="0"/>
+          </a:p>
+          <a:p>
+            <a:r>
+              <a:rPr lang="zh-CN" altLang="en-US" dirty="0"/>
+              <a:t>额外</a:t>
+            </a:r>
+            <a:r>
+              <a:rPr lang="en-US" altLang="zh-CN" dirty="0"/>
+              <a:t>: </a:t>
+            </a:r>
+            <a:r>
+              <a:rPr lang="zh-CN" altLang="en-US" dirty="0"/>
+              <a:t>金属化</a:t>
+            </a:r>
+            <a:r>
+              <a:rPr lang="en-US" altLang="zh-CN" dirty="0"/>
+              <a:t>, </a:t>
+            </a:r>
+            <a:r>
+              <a:rPr lang="zh-CN" altLang="en-US" dirty="0"/>
+              <a:t>镀高反膜</a:t>
+            </a:r>
+            <a:r>
+              <a:rPr lang="en-US" altLang="zh-CN" dirty="0"/>
+              <a:t>, FC</a:t>
+            </a:r>
+            <a:r>
+              <a:rPr lang="zh-CN" altLang="en-US" dirty="0"/>
+              <a:t>封装</a:t>
+            </a:r>
+            <a:r>
+              <a:rPr lang="en-US" altLang="zh-CN" dirty="0"/>
+              <a:t>, </a:t>
+            </a:r>
+            <a:r>
+              <a:rPr lang="zh-CN" altLang="en-US" dirty="0"/>
+              <a:t>加光纤光栅</a:t>
+            </a:r>
+            <a:endParaRPr lang="en-US" altLang="zh-CN" dirty="0"/>
+          </a:p>
+          <a:p>
+            <a:endParaRPr lang="en-US" altLang="zh-CN" dirty="0"/>
+          </a:p>
+          <a:p>
+            <a:r>
+              <a:rPr lang="zh-CN" altLang="en-US" dirty="0"/>
+              <a:t>咨询结果</a:t>
+            </a:r>
+            <a:endParaRPr lang="en-US" altLang="zh-CN" dirty="0"/>
+          </a:p>
+          <a:p>
+            <a:pPr marL="514350" indent="-514350">
+              <a:buAutoNum type="arabicPeriod"/>
+            </a:pPr>
+            <a:r>
+              <a:rPr lang="zh-CN" altLang="en-US" dirty="0"/>
+              <a:t>他们的测试工艺是红外波段</a:t>
+            </a:r>
+            <a:endParaRPr lang="en-US" altLang="zh-CN" dirty="0"/>
+          </a:p>
+          <a:p>
+            <a:pPr marL="514350" indent="-514350">
+              <a:buAutoNum type="arabicPeriod"/>
+            </a:pPr>
+            <a:r>
+              <a:rPr lang="zh-CN" altLang="en-US" dirty="0"/>
+              <a:t>可以提供光纤</a:t>
+            </a:r>
+            <a:r>
+              <a:rPr lang="en-US" altLang="zh-CN" dirty="0"/>
+              <a:t>, </a:t>
+            </a:r>
+            <a:r>
+              <a:rPr lang="zh-CN" altLang="en-US" dirty="0"/>
+              <a:t>我们设计</a:t>
+            </a:r>
+            <a:r>
+              <a:rPr lang="en-US" altLang="zh-CN" dirty="0"/>
+              <a:t>, </a:t>
+            </a:r>
+            <a:r>
+              <a:rPr lang="zh-CN" altLang="en-US" dirty="0"/>
+              <a:t>按照我们的要求进行加工</a:t>
+            </a:r>
+            <a:r>
+              <a:rPr lang="en-US" altLang="zh-CN" dirty="0"/>
+              <a:t>. (</a:t>
+            </a:r>
+            <a:r>
+              <a:rPr lang="zh-CN" altLang="en-US" dirty="0"/>
+              <a:t>前提</a:t>
+            </a:r>
+            <a:r>
+              <a:rPr lang="en-US" altLang="zh-CN" dirty="0"/>
+              <a:t>: </a:t>
+            </a:r>
+            <a:r>
+              <a:rPr lang="zh-CN" altLang="en-US" dirty="0"/>
+              <a:t>光纤规格符合他们机器的要求</a:t>
+            </a:r>
+            <a:r>
+              <a:rPr lang="en-US" altLang="zh-CN" dirty="0"/>
+              <a:t>, </a:t>
+            </a:r>
+            <a:r>
+              <a:rPr lang="zh-CN" altLang="en-US" dirty="0"/>
+              <a:t>包层是</a:t>
+            </a:r>
+            <a:r>
+              <a:rPr lang="en-US" altLang="zh-CN" dirty="0"/>
+              <a:t>250(</a:t>
+            </a:r>
+            <a:r>
+              <a:rPr lang="zh-CN" altLang="en-US" dirty="0"/>
+              <a:t>普通的康宁等</a:t>
+            </a:r>
+            <a:r>
+              <a:rPr lang="en-US" altLang="zh-CN" dirty="0"/>
+              <a:t>)</a:t>
+            </a:r>
+            <a:r>
+              <a:rPr lang="zh-CN" altLang="en-US" dirty="0"/>
+              <a:t>的都可以</a:t>
+            </a:r>
+            <a:r>
+              <a:rPr lang="en-US" altLang="zh-CN" dirty="0"/>
+              <a:t>.)</a:t>
+            </a:r>
+          </a:p>
+        </p:txBody>
+      </p:sp>
+      <p:sp>
+        <p:nvSpPr>
+          <p:cNvPr id="3" name="标题 2">
+            <a:extLst>
+              <a:ext uri="{FF2B5EF4-FFF2-40B4-BE49-F238E27FC236}">
+                <a16:creationId xmlns:a16="http://schemas.microsoft.com/office/drawing/2014/main" id="{CE34E8CB-DDA3-4BAE-95D4-CF68E158BB40}"/>
+              </a:ext>
+            </a:extLst>
+          </p:cNvPr>
+          <p:cNvSpPr>
+            <a:spLocks noGrp="1"/>
+          </p:cNvSpPr>
+          <p:nvPr>
+            <p:ph type="title"/>
+          </p:nvPr>
+        </p:nvSpPr>
+        <p:spPr/>
+        <p:txBody>
+          <a:bodyPr/>
+          <a:lstStyle/>
+          <a:p>
+            <a:r>
+              <a:rPr lang="zh-CN" altLang="en-US" dirty="0"/>
+              <a:t>西安盛佳光电</a:t>
+            </a:r>
+          </a:p>
+        </p:txBody>
+      </p:sp>
+      <p:sp>
+        <p:nvSpPr>
+          <p:cNvPr id="4" name="矩形 3">
+            <a:extLst>
+              <a:ext uri="{FF2B5EF4-FFF2-40B4-BE49-F238E27FC236}">
+                <a16:creationId xmlns:a16="http://schemas.microsoft.com/office/drawing/2014/main" id="{BD10DB13-284A-4D30-BE35-314E6860BD49}"/>
+              </a:ext>
+            </a:extLst>
+          </p:cNvPr>
+          <p:cNvSpPr/>
+          <p:nvPr/>
+        </p:nvSpPr>
+        <p:spPr>
+          <a:xfrm>
+            <a:off x="4448682" y="838546"/>
+            <a:ext cx="1476686" cy="341632"/>
+          </a:xfrm>
+          <a:prstGeom prst="rect">
+            <a:avLst/>
+          </a:prstGeom>
+        </p:spPr>
+        <p:txBody>
+          <a:bodyPr wrap="none">
+            <a:spAutoFit/>
           </a:bodyPr>
           <a:lstStyle/>
           <a:p>
-            <a:pPr marL="0" indent="0">
-              <a:buNone/>
-            </a:pPr>
-            <a:r>
-              <a:rPr lang="zh-CN" altLang="en-US" sz="2000" b="1" dirty="0">
-                <a:latin typeface="微软雅黑" panose="020B0503020204020204" pitchFamily="34" charset="-122"/>
-              </a:rPr>
-              <a:t>可能需要提供的参数</a:t>
-            </a:r>
-            <a:r>
-              <a:rPr lang="zh-CN" altLang="zh-CN" sz="2000" b="1" dirty="0">
-                <a:latin typeface="微软雅黑" panose="020B0503020204020204" pitchFamily="34" charset="-122"/>
-              </a:rPr>
-              <a:t>:</a:t>
-            </a:r>
-            <a:endParaRPr lang="en-US" altLang="zh-CN" sz="2000" b="1" dirty="0">
-              <a:latin typeface="微软雅黑" panose="020B0503020204020204" pitchFamily="34" charset="-122"/>
-            </a:endParaRPr>
-          </a:p>
-          <a:p>
-            <a:pPr marL="0" lvl="0" indent="0" eaLnBrk="0" fontAlgn="base" hangingPunct="0">
+            <a:pPr>
               <a:lnSpc>
-                <a:spcPct val="100000"/>
+                <a:spcPct val="90000"/>
               </a:lnSpc>
               <a:spcBef>
-                <a:spcPct val="0"/>
+                <a:spcPts val="1000"/>
               </a:spcBef>
-              <a:spcAft>
-                <a:spcPct val="0"/>
-              </a:spcAft>
-              <a:buFontTx/>
-              <a:buAutoNum type="arabicPeriod"/>
             </a:pPr>
             <a:r>
-              <a:rPr lang="zh-CN" altLang="zh-CN" sz="2000" dirty="0">
-                <a:latin typeface="微软雅黑" panose="020B0503020204020204" pitchFamily="34" charset="-122"/>
-              </a:rPr>
-              <a:t>Wavelength, type of fib</a:t>
-            </a:r>
-            <a:r>
-              <a:rPr lang="en-US" altLang="zh-CN" sz="2000" dirty="0" err="1">
-                <a:latin typeface="微软雅黑" panose="020B0503020204020204" pitchFamily="34" charset="-122"/>
-              </a:rPr>
-              <a:t>er</a:t>
-            </a:r>
-            <a:r>
-              <a:rPr lang="zh-CN" altLang="zh-CN" sz="2000" dirty="0">
-                <a:latin typeface="微软雅黑" panose="020B0503020204020204" pitchFamily="34" charset="-122"/>
-              </a:rPr>
-              <a:t>, single more or multi-mode fib</a:t>
-            </a:r>
-            <a:r>
-              <a:rPr lang="en-US" altLang="zh-CN" sz="2000" dirty="0" err="1">
-                <a:latin typeface="微软雅黑" panose="020B0503020204020204" pitchFamily="34" charset="-122"/>
-              </a:rPr>
-              <a:t>er</a:t>
-            </a:r>
-            <a:r>
-              <a:rPr lang="zh-CN" altLang="zh-CN" sz="2000" dirty="0">
-                <a:latin typeface="微软雅黑" panose="020B0503020204020204" pitchFamily="34" charset="-122"/>
-              </a:rPr>
-              <a:t>?  e.g. SFM-28,or PM1300, HI1060, etc.</a:t>
-            </a:r>
-            <a:r>
-              <a:rPr lang="en-US" altLang="zh-CN" sz="2000" dirty="0">
-                <a:latin typeface="微软雅黑" panose="020B0503020204020204" pitchFamily="34" charset="-122"/>
-              </a:rPr>
-              <a:t> (</a:t>
-            </a:r>
-            <a:r>
-              <a:rPr lang="zh-CN" altLang="en-US" sz="2000" dirty="0">
-                <a:latin typeface="微软雅黑" panose="020B0503020204020204" pitchFamily="34" charset="-122"/>
-              </a:rPr>
-              <a:t>波长</a:t>
-            </a:r>
-            <a:r>
-              <a:rPr lang="en-US" altLang="zh-CN" sz="2000" dirty="0">
-                <a:latin typeface="微软雅黑" panose="020B0503020204020204" pitchFamily="34" charset="-122"/>
-              </a:rPr>
-              <a:t>, </a:t>
-            </a:r>
-            <a:r>
-              <a:rPr lang="zh-CN" altLang="en-US" sz="2000" dirty="0">
-                <a:latin typeface="微软雅黑" panose="020B0503020204020204" pitchFamily="34" charset="-122"/>
-              </a:rPr>
-              <a:t>光纤类型</a:t>
-            </a:r>
-            <a:r>
-              <a:rPr lang="en-US" altLang="zh-CN" sz="2000" dirty="0">
-                <a:latin typeface="微软雅黑" panose="020B0503020204020204" pitchFamily="34" charset="-122"/>
-              </a:rPr>
-              <a:t>)</a:t>
-            </a:r>
-            <a:endParaRPr lang="zh-CN" altLang="zh-CN" sz="2000" dirty="0">
+              <a:rPr lang="en-US" altLang="zh-CN" dirty="0">
+                <a:latin typeface="微软雅黑" panose="020B0503020204020204" pitchFamily="34" charset="-122"/>
+                <a:ea typeface="微软雅黑" panose="020B0503020204020204" pitchFamily="34" charset="-122"/>
+              </a:rPr>
+              <a:t>raysung.cn/</a:t>
+            </a:r>
+            <a:endParaRPr lang="zh-CN" altLang="en-US" dirty="0">
               <a:latin typeface="微软雅黑" panose="020B0503020204020204" pitchFamily="34" charset="-122"/>
+              <a:ea typeface="微软雅黑" panose="020B0503020204020204" pitchFamily="34" charset="-122"/>
             </a:endParaRPr>
           </a:p>
-          <a:p>
-            <a:pPr marL="0" lvl="0" indent="0" eaLnBrk="0" fontAlgn="base" hangingPunct="0">
+        </p:txBody>
+      </p:sp>
+      <p:sp>
+        <p:nvSpPr>
+          <p:cNvPr id="6" name="文本框 5">
+            <a:extLst>
+              <a:ext uri="{FF2B5EF4-FFF2-40B4-BE49-F238E27FC236}">
+                <a16:creationId xmlns:a16="http://schemas.microsoft.com/office/drawing/2014/main" id="{26F683B3-44DE-4119-B2EA-AA516DA734C1}"/>
+              </a:ext>
+            </a:extLst>
+          </p:cNvPr>
+          <p:cNvSpPr txBox="1"/>
+          <p:nvPr/>
+        </p:nvSpPr>
+        <p:spPr>
+          <a:xfrm>
+            <a:off x="10096555" y="6484692"/>
+            <a:ext cx="2095445" cy="369332"/>
+          </a:xfrm>
+          <a:prstGeom prst="rect">
+            <a:avLst/>
+          </a:prstGeom>
+          <a:noFill/>
+        </p:spPr>
+        <p:txBody>
+          <a:bodyPr wrap="none" rtlCol="0">
+            <a:spAutoFit/>
+          </a:bodyPr>
+          <a:lstStyle/>
+          <a:p>
+            <a:pPr algn="l">
               <a:lnSpc>
-                <a:spcPct val="100000"/>
+                <a:spcPct val="90000"/>
               </a:lnSpc>
               <a:spcBef>
-                <a:spcPct val="0"/>
+                <a:spcPts val="1000"/>
               </a:spcBef>
-              <a:spcAft>
-                <a:spcPct val="0"/>
-              </a:spcAft>
-              <a:buFontTx/>
-              <a:buAutoNum type="arabicPeriod" startAt="2"/>
             </a:pPr>
             <a:r>
-              <a:rPr lang="zh-CN" altLang="zh-CN" sz="2000" dirty="0">
-                <a:latin typeface="微软雅黑" panose="020B0503020204020204" pitchFamily="34" charset="-122"/>
-              </a:rPr>
-              <a:t>Type of lens:  conical, wedge/cylindrical lens, or  angled cylindrical lens, etc.</a:t>
+              <a:rPr lang="en-US" altLang="zh-CN" sz="2000" dirty="0" err="1">
+                <a:latin typeface="微软雅黑" panose="020B0503020204020204" pitchFamily="34" charset="-122"/>
+                <a:ea typeface="微软雅黑" panose="020B0503020204020204" pitchFamily="34" charset="-122"/>
+              </a:rPr>
+              <a:t>QQ</a:t>
             </a:r>
             <a:r>
               <a:rPr lang="en-US" altLang="zh-CN" sz="2000" dirty="0">
                 <a:latin typeface="微软雅黑" panose="020B0503020204020204" pitchFamily="34" charset="-122"/>
-              </a:rPr>
-              <a:t> (</a:t>
-            </a:r>
-            <a:r>
-              <a:rPr lang="zh-CN" altLang="en-US" sz="2000" dirty="0">
-                <a:latin typeface="微软雅黑" panose="020B0503020204020204" pitchFamily="34" charset="-122"/>
-              </a:rPr>
-              <a:t>镜头类型</a:t>
-            </a:r>
-            <a:r>
-              <a:rPr lang="en-US" altLang="zh-CN" sz="2000" dirty="0">
-                <a:latin typeface="微软雅黑" panose="020B0503020204020204" pitchFamily="34" charset="-122"/>
-              </a:rPr>
-              <a:t>) </a:t>
-            </a:r>
-            <a:endParaRPr lang="zh-CN" altLang="zh-CN" sz="2000" dirty="0">
+                <a:ea typeface="微软雅黑" panose="020B0503020204020204" pitchFamily="34" charset="-122"/>
+              </a:rPr>
+              <a:t>: 191528965</a:t>
+            </a:r>
+            <a:endParaRPr lang="zh-CN" altLang="en-US" sz="2000" dirty="0">
               <a:latin typeface="微软雅黑" panose="020B0503020204020204" pitchFamily="34" charset="-122"/>
+              <a:ea typeface="微软雅黑" panose="020B0503020204020204" pitchFamily="34" charset="-122"/>
             </a:endParaRPr>
-          </a:p>
-          <a:p>
-            <a:pPr marL="0" lvl="0" indent="0" eaLnBrk="0" fontAlgn="base" hangingPunct="0">
-              <a:lnSpc>
-                <a:spcPct val="100000"/>
-              </a:lnSpc>
-              <a:spcBef>
-                <a:spcPct val="0"/>
-              </a:spcBef>
-              <a:spcAft>
-                <a:spcPct val="0"/>
-              </a:spcAft>
-              <a:buFontTx/>
-              <a:buAutoNum type="arabicPeriod" startAt="3"/>
-            </a:pPr>
-            <a:r>
-              <a:rPr lang="zh-CN" altLang="zh-CN" sz="2000" dirty="0">
-                <a:latin typeface="微软雅黑" panose="020B0503020204020204" pitchFamily="34" charset="-122"/>
-              </a:rPr>
-              <a:t>Radius or lens, or far-field angle, or spot size</a:t>
-            </a:r>
-            <a:r>
-              <a:rPr lang="en-US" altLang="zh-CN" sz="2000" dirty="0">
-                <a:latin typeface="微软雅黑" panose="020B0503020204020204" pitchFamily="34" charset="-122"/>
-              </a:rPr>
-              <a:t>. (</a:t>
-            </a:r>
-            <a:r>
-              <a:rPr lang="zh-CN" altLang="en-US" sz="2000" dirty="0">
-                <a:latin typeface="微软雅黑" panose="020B0503020204020204" pitchFamily="34" charset="-122"/>
-              </a:rPr>
-              <a:t>半径或透镜</a:t>
-            </a:r>
-            <a:r>
-              <a:rPr lang="en-US" altLang="zh-CN" sz="2000" dirty="0">
-                <a:latin typeface="微软雅黑" panose="020B0503020204020204" pitchFamily="34" charset="-122"/>
-              </a:rPr>
-              <a:t>, </a:t>
-            </a:r>
-            <a:r>
-              <a:rPr lang="zh-CN" altLang="en-US" sz="2000" dirty="0">
-                <a:latin typeface="微软雅黑" panose="020B0503020204020204" pitchFamily="34" charset="-122"/>
-              </a:rPr>
-              <a:t>远视场角</a:t>
-            </a:r>
-            <a:r>
-              <a:rPr lang="en-US" altLang="zh-CN" sz="2000" dirty="0">
-                <a:latin typeface="微软雅黑" panose="020B0503020204020204" pitchFamily="34" charset="-122"/>
-              </a:rPr>
-              <a:t>, </a:t>
-            </a:r>
-            <a:r>
-              <a:rPr lang="zh-CN" altLang="en-US" sz="2000" dirty="0">
-                <a:latin typeface="微软雅黑" panose="020B0503020204020204" pitchFamily="34" charset="-122"/>
-              </a:rPr>
-              <a:t>光斑大小等光学参数</a:t>
-            </a:r>
-            <a:r>
-              <a:rPr lang="en-US" altLang="zh-CN" sz="2000" dirty="0">
-                <a:latin typeface="微软雅黑" panose="020B0503020204020204" pitchFamily="34" charset="-122"/>
-              </a:rPr>
-              <a:t>)</a:t>
-            </a:r>
-            <a:endParaRPr lang="zh-CN" altLang="zh-CN" sz="2000" dirty="0">
-              <a:latin typeface="微软雅黑" panose="020B0503020204020204" pitchFamily="34" charset="-122"/>
-            </a:endParaRPr>
-          </a:p>
-          <a:p>
-            <a:pPr marL="0" lvl="0" indent="0" eaLnBrk="0" fontAlgn="base" hangingPunct="0">
-              <a:lnSpc>
-                <a:spcPct val="100000"/>
-              </a:lnSpc>
-              <a:spcBef>
-                <a:spcPct val="0"/>
-              </a:spcBef>
-              <a:spcAft>
-                <a:spcPct val="0"/>
-              </a:spcAft>
-              <a:buFontTx/>
-              <a:buAutoNum type="arabicPeriod" startAt="4"/>
-            </a:pPr>
-            <a:r>
-              <a:rPr lang="zh-CN" altLang="zh-CN" sz="2000" dirty="0">
-                <a:latin typeface="微软雅黑" panose="020B0503020204020204" pitchFamily="34" charset="-122"/>
-              </a:rPr>
-              <a:t>Stripe length for lensed fib</a:t>
-            </a:r>
-            <a:r>
-              <a:rPr lang="en-US" altLang="zh-CN" sz="2000" dirty="0" err="1">
-                <a:latin typeface="微软雅黑" panose="020B0503020204020204" pitchFamily="34" charset="-122"/>
-              </a:rPr>
-              <a:t>er</a:t>
-            </a:r>
-            <a:r>
-              <a:rPr lang="zh-CN" altLang="zh-CN" sz="2000" dirty="0">
-                <a:latin typeface="微软雅黑" panose="020B0503020204020204" pitchFamily="34" charset="-122"/>
-              </a:rPr>
-              <a:t>, dimension of fib</a:t>
-            </a:r>
-            <a:r>
-              <a:rPr lang="en-US" altLang="zh-CN" sz="2000" dirty="0" err="1">
-                <a:latin typeface="微软雅黑" panose="020B0503020204020204" pitchFamily="34" charset="-122"/>
-              </a:rPr>
-              <a:t>er</a:t>
-            </a:r>
-            <a:r>
-              <a:rPr lang="zh-CN" altLang="zh-CN" sz="2000" dirty="0">
-                <a:latin typeface="微软雅黑" panose="020B0503020204020204" pitchFamily="34" charset="-122"/>
-              </a:rPr>
-              <a:t> assembly</a:t>
-            </a:r>
-          </a:p>
-          <a:p>
-            <a:pPr marL="0" lvl="0" indent="0" eaLnBrk="0" fontAlgn="base" hangingPunct="0">
-              <a:lnSpc>
-                <a:spcPct val="100000"/>
-              </a:lnSpc>
-              <a:spcBef>
-                <a:spcPct val="0"/>
-              </a:spcBef>
-              <a:spcAft>
-                <a:spcPct val="0"/>
-              </a:spcAft>
-              <a:buFontTx/>
-              <a:buAutoNum type="arabicPeriod" startAt="5"/>
-            </a:pPr>
-            <a:r>
-              <a:rPr lang="zh-CN" altLang="zh-CN" sz="2000" dirty="0">
-                <a:latin typeface="微软雅黑" panose="020B0503020204020204" pitchFamily="34" charset="-122"/>
-              </a:rPr>
-              <a:t>Total length, connector, AR coating?</a:t>
-            </a:r>
-            <a:r>
-              <a:rPr lang="en-US" altLang="zh-CN" sz="2000" dirty="0">
-                <a:latin typeface="微软雅黑" panose="020B0503020204020204" pitchFamily="34" charset="-122"/>
-              </a:rPr>
-              <a:t> (</a:t>
-            </a:r>
-            <a:r>
-              <a:rPr lang="zh-CN" altLang="en-US" sz="2000" dirty="0">
-                <a:latin typeface="微软雅黑" panose="020B0503020204020204" pitchFamily="34" charset="-122"/>
-              </a:rPr>
-              <a:t>总长度等</a:t>
-            </a:r>
-            <a:r>
-              <a:rPr lang="en-US" altLang="zh-CN" sz="2000" dirty="0">
-                <a:latin typeface="微软雅黑" panose="020B0503020204020204" pitchFamily="34" charset="-122"/>
-              </a:rPr>
-              <a:t>)</a:t>
-            </a:r>
-            <a:endParaRPr lang="zh-CN" altLang="zh-CN" sz="2000" dirty="0">
-              <a:latin typeface="微软雅黑" panose="020B0503020204020204" pitchFamily="34" charset="-122"/>
-            </a:endParaRPr>
-          </a:p>
-          <a:p>
-            <a:pPr marL="0" lvl="0" indent="0" eaLnBrk="0" fontAlgn="base" hangingPunct="0">
-              <a:lnSpc>
-                <a:spcPct val="100000"/>
-              </a:lnSpc>
-              <a:spcBef>
-                <a:spcPct val="0"/>
-              </a:spcBef>
-              <a:spcAft>
-                <a:spcPct val="0"/>
-              </a:spcAft>
-              <a:buFontTx/>
-              <a:buAutoNum type="arabicPeriod" startAt="6"/>
-            </a:pPr>
-            <a:r>
-              <a:rPr lang="zh-CN" altLang="zh-CN" sz="2000" dirty="0">
-                <a:latin typeface="微软雅黑" panose="020B0503020204020204" pitchFamily="34" charset="-122"/>
-              </a:rPr>
-              <a:t>Quantity</a:t>
-            </a:r>
-            <a:r>
-              <a:rPr lang="en-US" altLang="zh-CN" sz="2000" dirty="0">
-                <a:latin typeface="微软雅黑" panose="020B0503020204020204" pitchFamily="34" charset="-122"/>
-              </a:rPr>
-              <a:t> (</a:t>
-            </a:r>
-            <a:r>
-              <a:rPr lang="zh-CN" altLang="en-US" sz="2000" dirty="0">
-                <a:latin typeface="微软雅黑" panose="020B0503020204020204" pitchFamily="34" charset="-122"/>
-              </a:rPr>
-              <a:t>数量</a:t>
-            </a:r>
-            <a:r>
-              <a:rPr lang="en-US" altLang="zh-CN" sz="2000" dirty="0">
-                <a:latin typeface="微软雅黑" panose="020B0503020204020204" pitchFamily="34" charset="-122"/>
-              </a:rPr>
-              <a:t>)</a:t>
-            </a:r>
-            <a:endParaRPr lang="zh-CN" altLang="zh-CN" sz="2000" dirty="0">
-              <a:latin typeface="微软雅黑" panose="020B0503020204020204" pitchFamily="34" charset="-122"/>
-            </a:endParaRPr>
-          </a:p>
-          <a:p>
-            <a:pPr marL="0" indent="0">
-              <a:buNone/>
-            </a:pPr>
-            <a:endParaRPr lang="zh-CN" altLang="zh-CN" sz="2000" dirty="0"/>
           </a:p>
         </p:txBody>
       </p:sp>
     </p:spTree>
     <p:extLst>
       <p:ext uri="{BB962C8B-B14F-4D97-AF65-F5344CB8AC3E}">
-        <p14:creationId xmlns:p14="http://schemas.microsoft.com/office/powerpoint/2010/main" val="2341644338"/>
+        <p14:creationId xmlns:p14="http://schemas.microsoft.com/office/powerpoint/2010/main" val="3463549614"/>
       </p:ext>
     </p:extLst>
   </p:cSld>
@@ -3965,125 +5149,10 @@
       </p:grpSpPr>
       <p:sp>
         <p:nvSpPr>
-          <p:cNvPr id="2" name="内容占位符 1">
-            <a:extLst>
-              <a:ext uri="{FF2B5EF4-FFF2-40B4-BE49-F238E27FC236}">
-                <a16:creationId xmlns:a16="http://schemas.microsoft.com/office/drawing/2014/main" id="{9D4D0292-208E-46EB-8874-F2FB78522AA9}"/>
-              </a:ext>
-            </a:extLst>
-          </p:cNvPr>
-          <p:cNvSpPr>
-            <a:spLocks noGrp="1"/>
-          </p:cNvSpPr>
-          <p:nvPr>
-            <p:ph idx="1"/>
-          </p:nvPr>
-        </p:nvSpPr>
-        <p:spPr/>
-        <p:txBody>
-          <a:bodyPr/>
-          <a:lstStyle/>
-          <a:p>
-            <a:r>
-              <a:rPr lang="zh-CN" altLang="en-US" dirty="0"/>
-              <a:t>可以实现球形</a:t>
-            </a:r>
-            <a:r>
-              <a:rPr lang="en-US" altLang="zh-CN" dirty="0"/>
-              <a:t>, </a:t>
-            </a:r>
-            <a:r>
-              <a:rPr lang="zh-CN" altLang="en-US" dirty="0"/>
-              <a:t>锥形</a:t>
-            </a:r>
-            <a:r>
-              <a:rPr lang="en-US" altLang="zh-CN" dirty="0"/>
-              <a:t>, </a:t>
-            </a:r>
-            <a:r>
-              <a:rPr lang="zh-CN" altLang="en-US" dirty="0"/>
-              <a:t>楔形</a:t>
-            </a:r>
-            <a:r>
-              <a:rPr lang="en-US" altLang="zh-CN" dirty="0"/>
-              <a:t>, </a:t>
-            </a:r>
-            <a:r>
-              <a:rPr lang="zh-CN" altLang="en-US" dirty="0"/>
-              <a:t>斜楔形</a:t>
-            </a:r>
-            <a:r>
-              <a:rPr lang="en-US" altLang="zh-CN" dirty="0"/>
-              <a:t>, </a:t>
-            </a:r>
-            <a:r>
-              <a:rPr lang="zh-CN" altLang="en-US" dirty="0"/>
-              <a:t>斜面多种形状</a:t>
-            </a:r>
-            <a:endParaRPr lang="en-US" altLang="zh-CN" dirty="0"/>
-          </a:p>
-          <a:p>
-            <a:r>
-              <a:rPr lang="zh-CN" altLang="en-US" dirty="0"/>
-              <a:t>对透镜的光斑</a:t>
-            </a:r>
-            <a:r>
-              <a:rPr lang="en-US" altLang="zh-CN" dirty="0"/>
-              <a:t>, </a:t>
-            </a:r>
-            <a:r>
-              <a:rPr lang="zh-CN" altLang="en-US" dirty="0"/>
-              <a:t>远场等参数进行测试</a:t>
-            </a:r>
-            <a:endParaRPr lang="en-US" altLang="zh-CN" dirty="0"/>
-          </a:p>
-          <a:p>
-            <a:r>
-              <a:rPr lang="zh-CN" altLang="en-US" dirty="0"/>
-              <a:t>额外</a:t>
-            </a:r>
-            <a:r>
-              <a:rPr lang="en-US" altLang="zh-CN" dirty="0"/>
-              <a:t>: </a:t>
-            </a:r>
-            <a:r>
-              <a:rPr lang="zh-CN" altLang="en-US" dirty="0"/>
-              <a:t>金属化</a:t>
-            </a:r>
-            <a:r>
-              <a:rPr lang="en-US" altLang="zh-CN" dirty="0"/>
-              <a:t>, </a:t>
-            </a:r>
-            <a:r>
-              <a:rPr lang="zh-CN" altLang="en-US" dirty="0"/>
-              <a:t>镀高反膜</a:t>
-            </a:r>
-            <a:r>
-              <a:rPr lang="en-US" altLang="zh-CN" dirty="0"/>
-              <a:t>, FC</a:t>
-            </a:r>
-            <a:r>
-              <a:rPr lang="zh-CN" altLang="en-US" dirty="0"/>
-              <a:t>封装</a:t>
-            </a:r>
-            <a:r>
-              <a:rPr lang="en-US" altLang="zh-CN" dirty="0"/>
-              <a:t>, </a:t>
-            </a:r>
-            <a:r>
-              <a:rPr lang="zh-CN" altLang="en-US" dirty="0"/>
-              <a:t>加光纤光栅</a:t>
-            </a:r>
-            <a:endParaRPr lang="en-US" altLang="zh-CN" dirty="0"/>
-          </a:p>
-        </p:txBody>
-      </p:sp>
-      <p:sp>
-        <p:nvSpPr>
           <p:cNvPr id="3" name="标题 2">
             <a:extLst>
               <a:ext uri="{FF2B5EF4-FFF2-40B4-BE49-F238E27FC236}">
-                <a16:creationId xmlns:a16="http://schemas.microsoft.com/office/drawing/2014/main" id="{CE34E8CB-DDA3-4BAE-95D4-CF68E158BB40}"/>
+                <a16:creationId xmlns:a16="http://schemas.microsoft.com/office/drawing/2014/main" id="{596B591A-872A-4C7C-9C14-9190BBB1F1A5}"/>
               </a:ext>
             </a:extLst>
           </p:cNvPr>
@@ -4101,17 +5170,106 @@
           <a:p>
             <a:r>
               <a:rPr lang="zh-CN" altLang="en-US" dirty="0"/>
-              <a:t>西安盛佳光电</a:t>
+              <a:t>斜楔形光纤透镜</a:t>
             </a:r>
           </a:p>
         </p:txBody>
       </p:sp>
+      <p:pic>
+        <p:nvPicPr>
+          <p:cNvPr id="4" name="内容占位符 3">
+            <a:extLst>
+              <a:ext uri="{FF2B5EF4-FFF2-40B4-BE49-F238E27FC236}">
+                <a16:creationId xmlns:a16="http://schemas.microsoft.com/office/drawing/2014/main" id="{EC5FBF93-CA35-4D11-BDC6-D98507AE07A5}"/>
+              </a:ext>
+            </a:extLst>
+          </p:cNvPr>
+          <p:cNvPicPr>
+            <a:picLocks noChangeAspect="1"/>
+          </p:cNvPicPr>
+          <p:nvPr/>
+        </p:nvPicPr>
+        <p:blipFill>
+          <a:blip r:embed="rId2"/>
+          <a:stretch>
+            <a:fillRect/>
+          </a:stretch>
+        </p:blipFill>
+        <p:spPr>
+          <a:xfrm>
+            <a:off x="506924" y="1767261"/>
+            <a:ext cx="6038861" cy="1924206"/>
+          </a:xfrm>
+          <a:prstGeom prst="rect">
+            <a:avLst/>
+          </a:prstGeom>
+        </p:spPr>
+      </p:pic>
+      <p:pic>
+        <p:nvPicPr>
+          <p:cNvPr id="5" name="图片 4">
+            <a:extLst>
+              <a:ext uri="{FF2B5EF4-FFF2-40B4-BE49-F238E27FC236}">
+                <a16:creationId xmlns:a16="http://schemas.microsoft.com/office/drawing/2014/main" id="{6CA7919E-DD63-4AD7-85A0-47F5054DFEB6}"/>
+              </a:ext>
+            </a:extLst>
+          </p:cNvPr>
+          <p:cNvPicPr>
+            <a:picLocks noChangeAspect="1"/>
+          </p:cNvPicPr>
+          <p:nvPr/>
+        </p:nvPicPr>
+        <p:blipFill>
+          <a:blip r:embed="rId3"/>
+          <a:stretch>
+            <a:fillRect/>
+          </a:stretch>
+        </p:blipFill>
+        <p:spPr>
+          <a:xfrm>
+            <a:off x="406377" y="3691467"/>
+            <a:ext cx="6239956" cy="2460828"/>
+          </a:xfrm>
+          <a:prstGeom prst="rect">
+            <a:avLst/>
+          </a:prstGeom>
+        </p:spPr>
+      </p:pic>
+      <p:pic>
+        <p:nvPicPr>
+          <p:cNvPr id="6" name="图片 5">
+            <a:extLst>
+              <a:ext uri="{FF2B5EF4-FFF2-40B4-BE49-F238E27FC236}">
+                <a16:creationId xmlns:a16="http://schemas.microsoft.com/office/drawing/2014/main" id="{3C1BE80C-E4C1-4678-863D-6670AFAB1F49}"/>
+              </a:ext>
+            </a:extLst>
+          </p:cNvPr>
+          <p:cNvPicPr>
+            <a:picLocks noChangeAspect="1"/>
+          </p:cNvPicPr>
+          <p:nvPr/>
+        </p:nvPicPr>
+        <p:blipFill rotWithShape="1">
+          <a:blip r:embed="rId4"/>
+          <a:srcRect b="33142"/>
+          <a:stretch/>
+        </p:blipFill>
+        <p:spPr>
+          <a:xfrm>
+            <a:off x="6646332" y="3691467"/>
+            <a:ext cx="4298758" cy="2675466"/>
+          </a:xfrm>
+          <a:prstGeom prst="rect">
+            <a:avLst/>
+          </a:prstGeom>
+        </p:spPr>
+      </p:pic>
       <p:sp>
         <p:nvSpPr>
-          <p:cNvPr id="4" name="矩形 3">
-            <a:extLst>
-              <a:ext uri="{FF2B5EF4-FFF2-40B4-BE49-F238E27FC236}">
-                <a16:creationId xmlns:a16="http://schemas.microsoft.com/office/drawing/2014/main" id="{BD10DB13-284A-4D30-BE35-314E6860BD49}"/>
+          <p:cNvPr id="7" name="矩形 6">
+            <a:extLst>
+              <a:ext uri="{FF2B5EF4-FFF2-40B4-BE49-F238E27FC236}">
+                <a16:creationId xmlns:a16="http://schemas.microsoft.com/office/drawing/2014/main" id="{DF76C753-3AA1-4232-8A3A-FB70D017FCE0}"/>
               </a:ext>
             </a:extLst>
           </p:cNvPr>
@@ -4120,7 +5278,7 @@
         </p:nvSpPr>
         <p:spPr>
           <a:xfrm>
-            <a:off x="4448682" y="838546"/>
+            <a:off x="5357657" y="6492874"/>
             <a:ext cx="1476686" cy="341632"/>
           </a:xfrm>
           <a:prstGeom prst="rect">
@@ -4155,10 +5313,40 @@
           </a:p>
         </p:txBody>
       </p:sp>
+      <p:pic>
+        <p:nvPicPr>
+          <p:cNvPr id="8" name="图片 7">
+            <a:extLst>
+              <a:ext uri="{FF2B5EF4-FFF2-40B4-BE49-F238E27FC236}">
+                <a16:creationId xmlns:a16="http://schemas.microsoft.com/office/drawing/2014/main" id="{A2F4D943-92B1-4E54-87A8-83414CE2390E}"/>
+              </a:ext>
+            </a:extLst>
+          </p:cNvPr>
+          <p:cNvPicPr>
+            <a:picLocks noChangeAspect="1"/>
+          </p:cNvPicPr>
+          <p:nvPr/>
+        </p:nvPicPr>
+        <p:blipFill>
+          <a:blip r:embed="rId5"/>
+          <a:stretch>
+            <a:fillRect/>
+          </a:stretch>
+        </p:blipFill>
+        <p:spPr>
+          <a:xfrm>
+            <a:off x="6646332" y="1767261"/>
+            <a:ext cx="5067300" cy="1914525"/>
+          </a:xfrm>
+          <a:prstGeom prst="rect">
+            <a:avLst/>
+          </a:prstGeom>
+        </p:spPr>
+      </p:pic>
     </p:spTree>
     <p:extLst>
       <p:ext uri="{BB962C8B-B14F-4D97-AF65-F5344CB8AC3E}">
-        <p14:creationId xmlns:p14="http://schemas.microsoft.com/office/powerpoint/2010/main" val="3463549614"/>
+        <p14:creationId xmlns:p14="http://schemas.microsoft.com/office/powerpoint/2010/main" val="3834394050"/>
       </p:ext>
     </p:extLst>
   </p:cSld>
@@ -4187,10 +5375,96 @@
       </p:grpSpPr>
       <p:sp>
         <p:nvSpPr>
+          <p:cNvPr id="2" name="内容占位符 1">
+            <a:extLst>
+              <a:ext uri="{FF2B5EF4-FFF2-40B4-BE49-F238E27FC236}">
+                <a16:creationId xmlns:a16="http://schemas.microsoft.com/office/drawing/2014/main" id="{13EACBDB-3BC1-48E8-81B3-9BC230E2B986}"/>
+              </a:ext>
+            </a:extLst>
+          </p:cNvPr>
+          <p:cNvSpPr>
+            <a:spLocks noGrp="1"/>
+          </p:cNvSpPr>
+          <p:nvPr>
+            <p:ph idx="1"/>
+          </p:nvPr>
+        </p:nvSpPr>
+        <p:spPr/>
+        <p:txBody>
+          <a:bodyPr>
+            <a:normAutofit/>
+          </a:bodyPr>
+          <a:lstStyle/>
+          <a:p>
+            <a:r>
+              <a:rPr lang="zh-CN" altLang="en-US" sz="2000" dirty="0"/>
+              <a:t>斜面光纤 </a:t>
+            </a:r>
+            <a:r>
+              <a:rPr lang="en-US" altLang="zh-CN" sz="2000" dirty="0"/>
+              <a:t>(1)</a:t>
+            </a:r>
+          </a:p>
+          <a:p>
+            <a:r>
+              <a:rPr lang="zh-CN" altLang="en-US" sz="2000" dirty="0"/>
+              <a:t>大工作距离透镜光纤 </a:t>
+            </a:r>
+            <a:r>
+              <a:rPr lang="en-US" altLang="zh-CN" sz="2000" dirty="0"/>
+              <a:t>(2) (3)</a:t>
+            </a:r>
+          </a:p>
+          <a:p>
+            <a:r>
+              <a:rPr lang="zh-CN" altLang="en-US" sz="2000" dirty="0"/>
+              <a:t>锥形透镜单模光纤 </a:t>
+            </a:r>
+            <a:r>
+              <a:rPr lang="en-US" altLang="zh-CN" sz="2000" dirty="0"/>
+              <a:t>(4)</a:t>
+            </a:r>
+          </a:p>
+          <a:p>
+            <a:endParaRPr lang="en-US" altLang="zh-CN" sz="2000" dirty="0"/>
+          </a:p>
+          <a:p>
+            <a:r>
+              <a:rPr lang="zh-CN" altLang="en-US" sz="2000" dirty="0"/>
+              <a:t>咨询结果</a:t>
+            </a:r>
+            <a:r>
+              <a:rPr lang="en-US" altLang="zh-CN" sz="2000" dirty="0"/>
+              <a:t>:</a:t>
+            </a:r>
+          </a:p>
+          <a:p>
+            <a:r>
+              <a:rPr lang="zh-CN" altLang="en-US" sz="2000" dirty="0"/>
+              <a:t>代理</a:t>
+            </a:r>
+            <a:r>
+              <a:rPr lang="en-US" altLang="zh-CN" sz="2000" dirty="0"/>
+              <a:t>, </a:t>
+            </a:r>
+            <a:r>
+              <a:rPr lang="zh-CN" altLang="en-US" sz="2000" dirty="0"/>
+              <a:t>网址</a:t>
+            </a:r>
+            <a:r>
+              <a:rPr lang="en-US" altLang="zh-CN" sz="2000" dirty="0"/>
+              <a:t>: www.wttechnology.com.</a:t>
+            </a:r>
+            <a:endParaRPr lang="zh-CN" altLang="en-US" sz="2000" dirty="0"/>
+          </a:p>
+        </p:txBody>
+      </p:sp>
+      <p:sp>
+        <p:nvSpPr>
           <p:cNvPr id="3" name="标题 2">
             <a:extLst>
               <a:ext uri="{FF2B5EF4-FFF2-40B4-BE49-F238E27FC236}">
-                <a16:creationId xmlns:a16="http://schemas.microsoft.com/office/drawing/2014/main" id="{596B591A-872A-4C7C-9C14-9190BBB1F1A5}"/>
+                <a16:creationId xmlns:a16="http://schemas.microsoft.com/office/drawing/2014/main" id="{90D4B15B-E712-4461-A41B-C90FD4F2CB4F}"/>
               </a:ext>
             </a:extLst>
           </p:cNvPr>
@@ -4208,17 +5482,66 @@
           <a:p>
             <a:r>
               <a:rPr lang="zh-CN" altLang="en-US" dirty="0"/>
-              <a:t>斜楔形光纤透镜</a:t>
-            </a:r>
+              <a:t>苏州波弗光电</a:t>
+            </a:r>
+          </a:p>
+        </p:txBody>
+      </p:sp>
+      <p:sp>
+        <p:nvSpPr>
+          <p:cNvPr id="4" name="矩形 3">
+            <a:extLst>
+              <a:ext uri="{FF2B5EF4-FFF2-40B4-BE49-F238E27FC236}">
+                <a16:creationId xmlns:a16="http://schemas.microsoft.com/office/drawing/2014/main" id="{282CCC33-59E2-410F-9A2C-86A648538BF6}"/>
+              </a:ext>
+            </a:extLst>
+          </p:cNvPr>
+          <p:cNvSpPr/>
+          <p:nvPr/>
+        </p:nvSpPr>
+        <p:spPr>
+          <a:xfrm>
+            <a:off x="4513596" y="838546"/>
+            <a:ext cx="5138394" cy="341632"/>
+          </a:xfrm>
+          <a:prstGeom prst="rect">
+            <a:avLst/>
+          </a:prstGeom>
+        </p:spPr>
+        <p:txBody>
+          <a:bodyPr wrap="none">
+            <a:spAutoFit/>
+          </a:bodyPr>
+          <a:lstStyle/>
+          <a:p>
+            <a:pPr>
+              <a:lnSpc>
+                <a:spcPct val="90000"/>
+              </a:lnSpc>
+              <a:spcBef>
+                <a:spcPts val="1000"/>
+              </a:spcBef>
+            </a:pPr>
+            <a:r>
+              <a:rPr lang="en-US" altLang="zh-CN" dirty="0">
+                <a:latin typeface="微软雅黑" panose="020B0503020204020204" pitchFamily="34" charset="-122"/>
+                <a:ea typeface="微软雅黑" panose="020B0503020204020204" pitchFamily="34" charset="-122"/>
+              </a:rPr>
+              <a:t>http://www.bonphot.com/cp/html/?754.html</a:t>
+            </a:r>
+            <a:endParaRPr lang="zh-CN" altLang="en-US" dirty="0">
+              <a:latin typeface="微软雅黑" panose="020B0503020204020204" pitchFamily="34" charset="-122"/>
+              <a:ea typeface="微软雅黑" panose="020B0503020204020204" pitchFamily="34" charset="-122"/>
+            </a:endParaRPr>
           </a:p>
         </p:txBody>
       </p:sp>
       <p:pic>
         <p:nvPicPr>
-          <p:cNvPr id="4" name="内容占位符 3">
-            <a:extLst>
-              <a:ext uri="{FF2B5EF4-FFF2-40B4-BE49-F238E27FC236}">
-                <a16:creationId xmlns:a16="http://schemas.microsoft.com/office/drawing/2014/main" id="{EC5FBF93-CA35-4D11-BDC6-D98507AE07A5}"/>
+          <p:cNvPr id="5" name="图片 4">
+            <a:extLst>
+              <a:ext uri="{FF2B5EF4-FFF2-40B4-BE49-F238E27FC236}">
+                <a16:creationId xmlns:a16="http://schemas.microsoft.com/office/drawing/2014/main" id="{6AD7C5D4-CD5E-4E7A-9976-90AB8A3D0C2A}"/>
               </a:ext>
             </a:extLst>
           </p:cNvPr>
@@ -4235,8 +5558,8 @@
         </p:blipFill>
         <p:spPr>
           <a:xfrm>
-            <a:off x="506924" y="1767261"/>
-            <a:ext cx="6038861" cy="1924206"/>
+            <a:off x="4393939" y="1285876"/>
+            <a:ext cx="1666699" cy="1415122"/>
           </a:xfrm>
           <a:prstGeom prst="rect">
             <a:avLst/>
@@ -4245,10 +5568,10 @@
       </p:pic>
       <p:pic>
         <p:nvPicPr>
-          <p:cNvPr id="5" name="图片 4">
-            <a:extLst>
-              <a:ext uri="{FF2B5EF4-FFF2-40B4-BE49-F238E27FC236}">
-                <a16:creationId xmlns:a16="http://schemas.microsoft.com/office/drawing/2014/main" id="{6CA7919E-DD63-4AD7-85A0-47F5054DFEB6}"/>
+          <p:cNvPr id="6" name="图片 5">
+            <a:extLst>
+              <a:ext uri="{FF2B5EF4-FFF2-40B4-BE49-F238E27FC236}">
+                <a16:creationId xmlns:a16="http://schemas.microsoft.com/office/drawing/2014/main" id="{05E1D94B-5808-442C-829C-8816FD5D136C}"/>
               </a:ext>
             </a:extLst>
           </p:cNvPr>
@@ -4265,8 +5588,8 @@
         </p:blipFill>
         <p:spPr>
           <a:xfrm>
-            <a:off x="406377" y="3691467"/>
-            <a:ext cx="6239956" cy="2460828"/>
+            <a:off x="6245743" y="1285876"/>
+            <a:ext cx="1679278" cy="1415122"/>
           </a:xfrm>
           <a:prstGeom prst="rect">
             <a:avLst/>
@@ -4275,10 +5598,10 @@
       </p:pic>
       <p:pic>
         <p:nvPicPr>
-          <p:cNvPr id="6" name="图片 5">
-            <a:extLst>
-              <a:ext uri="{FF2B5EF4-FFF2-40B4-BE49-F238E27FC236}">
-                <a16:creationId xmlns:a16="http://schemas.microsoft.com/office/drawing/2014/main" id="{3C1BE80C-E4C1-4678-863D-6670AFAB1F49}"/>
+          <p:cNvPr id="7" name="图片 6">
+            <a:extLst>
+              <a:ext uri="{FF2B5EF4-FFF2-40B4-BE49-F238E27FC236}">
+                <a16:creationId xmlns:a16="http://schemas.microsoft.com/office/drawing/2014/main" id="{4432C12D-4638-4846-AA2B-AC2AB811BDE0}"/>
               </a:ext>
             </a:extLst>
           </p:cNvPr>
@@ -4287,76 +5610,28 @@
           </p:cNvPicPr>
           <p:nvPr/>
         </p:nvPicPr>
-        <p:blipFill rotWithShape="1">
+        <p:blipFill>
           <a:blip r:embed="rId4"/>
-          <a:srcRect b="33142"/>
-          <a:stretch/>
+          <a:stretch>
+            <a:fillRect/>
+          </a:stretch>
         </p:blipFill>
         <p:spPr>
           <a:xfrm>
-            <a:off x="6646332" y="3691467"/>
-            <a:ext cx="4298758" cy="2675466"/>
+            <a:off x="8110126" y="1260535"/>
+            <a:ext cx="1698147" cy="1427701"/>
           </a:xfrm>
           <a:prstGeom prst="rect">
             <a:avLst/>
           </a:prstGeom>
         </p:spPr>
       </p:pic>
-      <p:sp>
-        <p:nvSpPr>
-          <p:cNvPr id="7" name="矩形 6">
-            <a:extLst>
-              <a:ext uri="{FF2B5EF4-FFF2-40B4-BE49-F238E27FC236}">
-                <a16:creationId xmlns:a16="http://schemas.microsoft.com/office/drawing/2014/main" id="{DF76C753-3AA1-4232-8A3A-FB70D017FCE0}"/>
-              </a:ext>
-            </a:extLst>
-          </p:cNvPr>
-          <p:cNvSpPr/>
-          <p:nvPr/>
-        </p:nvSpPr>
-        <p:spPr>
-          <a:xfrm>
-            <a:off x="5357657" y="6492874"/>
-            <a:ext cx="1476686" cy="341632"/>
-          </a:xfrm>
-          <a:prstGeom prst="rect">
-            <a:avLst/>
-          </a:prstGeom>
-        </p:spPr>
-        <p:txBody>
-          <a:bodyPr wrap="none">
-            <a:spAutoFit/>
-          </a:bodyPr>
-          <a:lstStyle/>
-          <a:p>
-            <a:pPr>
-              <a:lnSpc>
-                <a:spcPct val="90000"/>
-              </a:lnSpc>
-              <a:spcBef>
-                <a:spcPts val="1000"/>
-              </a:spcBef>
-            </a:pPr>
-            <a:r>
-              <a:rPr lang="en-US" altLang="zh-CN" dirty="0">
-                <a:latin typeface="微软雅黑" panose="020B0503020204020204" pitchFamily="34" charset="-122"/>
-                <a:ea typeface="微软雅黑" panose="020B0503020204020204" pitchFamily="34" charset="-122"/>
-              </a:rPr>
-              <a:t>raysung.cn/</a:t>
-            </a:r>
-            <a:endParaRPr lang="zh-CN" altLang="en-US" dirty="0">
-              <a:latin typeface="微软雅黑" panose="020B0503020204020204" pitchFamily="34" charset="-122"/>
-              <a:ea typeface="微软雅黑" panose="020B0503020204020204" pitchFamily="34" charset="-122"/>
-            </a:endParaRPr>
-          </a:p>
-        </p:txBody>
-      </p:sp>
       <p:pic>
         <p:nvPicPr>
           <p:cNvPr id="8" name="图片 7">
             <a:extLst>
               <a:ext uri="{FF2B5EF4-FFF2-40B4-BE49-F238E27FC236}">
-                <a16:creationId xmlns:a16="http://schemas.microsoft.com/office/drawing/2014/main" id="{A2F4D943-92B1-4E54-87A8-83414CE2390E}"/>
+                <a16:creationId xmlns:a16="http://schemas.microsoft.com/office/drawing/2014/main" id="{92626C2C-796C-407F-99BB-B6E6A83FBF03}"/>
               </a:ext>
             </a:extLst>
           </p:cNvPr>
@@ -4373,18 +5648,75 @@
         </p:blipFill>
         <p:spPr>
           <a:xfrm>
-            <a:off x="6646332" y="1767261"/>
-            <a:ext cx="5067300" cy="1914525"/>
+            <a:off x="9993378" y="1266825"/>
+            <a:ext cx="1672988" cy="1421411"/>
           </a:xfrm>
           <a:prstGeom prst="rect">
             <a:avLst/>
           </a:prstGeom>
         </p:spPr>
       </p:pic>
+      <p:sp>
+        <p:nvSpPr>
+          <p:cNvPr id="9" name="文本框 8">
+            <a:extLst>
+              <a:ext uri="{FF2B5EF4-FFF2-40B4-BE49-F238E27FC236}">
+                <a16:creationId xmlns:a16="http://schemas.microsoft.com/office/drawing/2014/main" id="{E3D8FF47-3CA1-484D-86C3-30F5D77B94FC}"/>
+              </a:ext>
+            </a:extLst>
+          </p:cNvPr>
+          <p:cNvSpPr txBox="1"/>
+          <p:nvPr/>
+        </p:nvSpPr>
+        <p:spPr>
+          <a:xfrm>
+            <a:off x="9699010" y="6492874"/>
+            <a:ext cx="2492990" cy="369332"/>
+          </a:xfrm>
+          <a:prstGeom prst="rect">
+            <a:avLst/>
+          </a:prstGeom>
+          <a:noFill/>
+        </p:spPr>
+        <p:txBody>
+          <a:bodyPr wrap="none" rtlCol="0">
+            <a:spAutoFit/>
+          </a:bodyPr>
+          <a:lstStyle/>
+          <a:p>
+            <a:pPr>
+              <a:lnSpc>
+                <a:spcPct val="90000"/>
+              </a:lnSpc>
+              <a:spcBef>
+                <a:spcPts val="1000"/>
+              </a:spcBef>
+            </a:pPr>
+            <a:r>
+              <a:rPr lang="zh-CN" altLang="en-US" sz="2000" dirty="0">
+                <a:latin typeface="微软雅黑" panose="020B0503020204020204" pitchFamily="34" charset="-122"/>
+                <a:ea typeface="微软雅黑" panose="020B0503020204020204" pitchFamily="34" charset="-122"/>
+              </a:rPr>
+              <a:t>微信</a:t>
+            </a:r>
+            <a:r>
+              <a:rPr lang="en-US" altLang="zh-CN" sz="2000" dirty="0">
+                <a:latin typeface="微软雅黑" panose="020B0503020204020204" pitchFamily="34" charset="-122"/>
+                <a:ea typeface="微软雅黑" panose="020B0503020204020204" pitchFamily="34" charset="-122"/>
+              </a:rPr>
+              <a:t>: 13584890322</a:t>
+            </a:r>
+            <a:endParaRPr lang="zh-CN" altLang="en-US" sz="2000" dirty="0">
+              <a:latin typeface="微软雅黑" panose="020B0503020204020204" pitchFamily="34" charset="-122"/>
+              <a:ea typeface="微软雅黑" panose="020B0503020204020204" pitchFamily="34" charset="-122"/>
+            </a:endParaRPr>
+          </a:p>
+        </p:txBody>
+      </p:sp>
     </p:spTree>
     <p:extLst>
       <p:ext uri="{BB962C8B-B14F-4D97-AF65-F5344CB8AC3E}">
-        <p14:creationId xmlns:p14="http://schemas.microsoft.com/office/powerpoint/2010/main" val="3834394050"/>
+        <p14:creationId xmlns:p14="http://schemas.microsoft.com/office/powerpoint/2010/main" val="2256172276"/>
       </p:ext>
     </p:extLst>
   </p:cSld>
@@ -4416,7 +5748,7 @@
           <p:cNvPr id="2" name="内容占位符 1">
             <a:extLst>
               <a:ext uri="{FF2B5EF4-FFF2-40B4-BE49-F238E27FC236}">
-                <a16:creationId xmlns:a16="http://schemas.microsoft.com/office/drawing/2014/main" id="{13EACBDB-3BC1-48E8-81B3-9BC230E2B986}"/>
+                <a16:creationId xmlns:a16="http://schemas.microsoft.com/office/drawing/2014/main" id="{425C39E3-93C4-4050-80F5-CBCD49468340}"/>
               </a:ext>
             </a:extLst>
           </p:cNvPr>
@@ -4427,40 +5759,31 @@
             <p:ph idx="1"/>
           </p:nvPr>
         </p:nvSpPr>
-        <p:spPr/>
+        <p:spPr>
+          <a:xfrm>
+            <a:off x="838200" y="1510748"/>
+            <a:ext cx="4115232" cy="5144494"/>
+          </a:xfrm>
+        </p:spPr>
         <p:txBody>
-          <a:bodyPr/>
+          <a:bodyPr>
+            <a:normAutofit/>
+          </a:bodyPr>
           <a:lstStyle/>
           <a:p>
             <a:r>
-              <a:rPr lang="zh-CN" altLang="en-US" dirty="0"/>
-              <a:t>斜面光纤 </a:t>
-            </a:r>
-            <a:r>
-              <a:rPr lang="en-US" altLang="zh-CN" dirty="0"/>
-              <a:t>(1)</a:t>
-            </a:r>
-          </a:p>
-          <a:p>
-            <a:r>
-              <a:rPr lang="zh-CN" altLang="en-US" dirty="0"/>
-              <a:t>大工作距离透镜光纤 </a:t>
-            </a:r>
-            <a:r>
-              <a:rPr lang="en-US" altLang="zh-CN" dirty="0"/>
-              <a:t>(2) (3)</a:t>
-            </a:r>
-          </a:p>
-          <a:p>
-            <a:r>
-              <a:rPr lang="zh-CN" altLang="en-US" dirty="0"/>
-              <a:t>锥形透镜单模光纤 </a:t>
-            </a:r>
-            <a:r>
-              <a:rPr lang="en-US" altLang="zh-CN" dirty="0"/>
-              <a:t>(4)</a:t>
-            </a:r>
-            <a:endParaRPr lang="zh-CN" altLang="en-US" dirty="0"/>
+              <a:rPr lang="en-US" altLang="zh-CN" sz="2400" dirty="0"/>
+              <a:t>different wavelengths: 405, 677, 860, 980, 1300 - 2000 nm</a:t>
+            </a:r>
+          </a:p>
+          <a:p>
+            <a:r>
+              <a:rPr lang="en-US" altLang="zh-CN" sz="2400" dirty="0"/>
+              <a:t>Manufacturing cycle: 1 – 3 weeks</a:t>
+            </a:r>
+          </a:p>
+          <a:p>
+            <a:endParaRPr lang="zh-CN" altLang="en-US" sz="2400" dirty="0"/>
           </a:p>
         </p:txBody>
       </p:sp>
@@ -4469,7 +5792,7 @@
           <p:cNvPr id="3" name="标题 2">
             <a:extLst>
               <a:ext uri="{FF2B5EF4-FFF2-40B4-BE49-F238E27FC236}">
-                <a16:creationId xmlns:a16="http://schemas.microsoft.com/office/drawing/2014/main" id="{90D4B15B-E712-4461-A41B-C90FD4F2CB4F}"/>
+                <a16:creationId xmlns:a16="http://schemas.microsoft.com/office/drawing/2014/main" id="{58283FCE-938B-4F03-A82C-8936A26CC010}"/>
               </a:ext>
             </a:extLst>
           </p:cNvPr>
@@ -4486,67 +5809,19 @@
           <a:lstStyle/>
           <a:p>
             <a:r>
-              <a:rPr lang="zh-CN" altLang="en-US" dirty="0"/>
-              <a:t>苏州波弗光电</a:t>
-            </a:r>
-          </a:p>
-        </p:txBody>
-      </p:sp>
-      <p:sp>
-        <p:nvSpPr>
-          <p:cNvPr id="4" name="矩形 3">
-            <a:extLst>
-              <a:ext uri="{FF2B5EF4-FFF2-40B4-BE49-F238E27FC236}">
-                <a16:creationId xmlns:a16="http://schemas.microsoft.com/office/drawing/2014/main" id="{282CCC33-59E2-410F-9A2C-86A648538BF6}"/>
-              </a:ext>
-            </a:extLst>
-          </p:cNvPr>
-          <p:cNvSpPr/>
-          <p:nvPr/>
-        </p:nvSpPr>
-        <p:spPr>
-          <a:xfrm>
-            <a:off x="4513596" y="838546"/>
-            <a:ext cx="5138394" cy="341632"/>
-          </a:xfrm>
-          <a:prstGeom prst="rect">
-            <a:avLst/>
-          </a:prstGeom>
-        </p:spPr>
-        <p:txBody>
-          <a:bodyPr wrap="none">
-            <a:spAutoFit/>
-          </a:bodyPr>
-          <a:lstStyle/>
-          <a:p>
-            <a:pPr>
-              <a:lnSpc>
-                <a:spcPct val="90000"/>
-              </a:lnSpc>
-              <a:spcBef>
-                <a:spcPts val="1000"/>
-              </a:spcBef>
-            </a:pPr>
-            <a:r>
-              <a:rPr lang="en-US" altLang="zh-CN" dirty="0">
-                <a:latin typeface="微软雅黑" panose="020B0503020204020204" pitchFamily="34" charset="-122"/>
-                <a:ea typeface="微软雅黑" panose="020B0503020204020204" pitchFamily="34" charset="-122"/>
-              </a:rPr>
-              <a:t>http://www.bonphot.com/cp/html/?754.html</a:t>
-            </a:r>
-            <a:endParaRPr lang="zh-CN" altLang="en-US" dirty="0">
-              <a:latin typeface="微软雅黑" panose="020B0503020204020204" pitchFamily="34" charset="-122"/>
-              <a:ea typeface="微软雅黑" panose="020B0503020204020204" pitchFamily="34" charset="-122"/>
-            </a:endParaRPr>
+              <a:rPr lang="en-US" altLang="zh-CN" dirty="0" err="1"/>
+              <a:t>wttechnology</a:t>
+            </a:r>
+            <a:endParaRPr lang="zh-CN" altLang="en-US" dirty="0"/>
           </a:p>
         </p:txBody>
       </p:sp>
       <p:pic>
         <p:nvPicPr>
-          <p:cNvPr id="5" name="图片 4">
-            <a:extLst>
-              <a:ext uri="{FF2B5EF4-FFF2-40B4-BE49-F238E27FC236}">
-                <a16:creationId xmlns:a16="http://schemas.microsoft.com/office/drawing/2014/main" id="{6AD7C5D4-CD5E-4E7A-9976-90AB8A3D0C2A}"/>
+          <p:cNvPr id="4" name="图片 3">
+            <a:extLst>
+              <a:ext uri="{FF2B5EF4-FFF2-40B4-BE49-F238E27FC236}">
+                <a16:creationId xmlns:a16="http://schemas.microsoft.com/office/drawing/2014/main" id="{F94501A0-1361-44AD-9364-8F3CE2DFDC90}"/>
               </a:ext>
             </a:extLst>
           </p:cNvPr>
@@ -4563,8 +5838,8 @@
         </p:blipFill>
         <p:spPr>
           <a:xfrm>
-            <a:off x="838200" y="3383280"/>
-            <a:ext cx="2524125" cy="2143125"/>
+            <a:off x="9218520" y="1311966"/>
+            <a:ext cx="2838665" cy="5347252"/>
           </a:xfrm>
           <a:prstGeom prst="rect">
             <a:avLst/>
@@ -4573,10 +5848,10 @@
       </p:pic>
       <p:pic>
         <p:nvPicPr>
-          <p:cNvPr id="6" name="图片 5">
-            <a:extLst>
-              <a:ext uri="{FF2B5EF4-FFF2-40B4-BE49-F238E27FC236}">
-                <a16:creationId xmlns:a16="http://schemas.microsoft.com/office/drawing/2014/main" id="{05E1D94B-5808-442C-829C-8816FD5D136C}"/>
+          <p:cNvPr id="5" name="图片 4">
+            <a:extLst>
+              <a:ext uri="{FF2B5EF4-FFF2-40B4-BE49-F238E27FC236}">
+                <a16:creationId xmlns:a16="http://schemas.microsoft.com/office/drawing/2014/main" id="{6595A66A-8A78-46F9-BFC9-984BC2209609}"/>
               </a:ext>
             </a:extLst>
           </p:cNvPr>
@@ -4585,16 +5860,15 @@
           </p:cNvPicPr>
           <p:nvPr/>
         </p:nvPicPr>
-        <p:blipFill>
+        <p:blipFill rotWithShape="1">
           <a:blip r:embed="rId3"/>
-          <a:stretch>
-            <a:fillRect/>
-          </a:stretch>
+          <a:srcRect b="39431"/>
+          <a:stretch/>
         </p:blipFill>
         <p:spPr>
           <a:xfrm>
-            <a:off x="3543300" y="3383280"/>
-            <a:ext cx="2543175" cy="2143125"/>
+            <a:off x="5196765" y="838546"/>
+            <a:ext cx="3473114" cy="2658656"/>
           </a:xfrm>
           <a:prstGeom prst="rect">
             <a:avLst/>
@@ -4603,10 +5877,10 @@
       </p:pic>
       <p:pic>
         <p:nvPicPr>
-          <p:cNvPr id="7" name="图片 6">
-            <a:extLst>
-              <a:ext uri="{FF2B5EF4-FFF2-40B4-BE49-F238E27FC236}">
-                <a16:creationId xmlns:a16="http://schemas.microsoft.com/office/drawing/2014/main" id="{4432C12D-4638-4846-AA2B-AC2AB811BDE0}"/>
+          <p:cNvPr id="6" name="图片 5">
+            <a:extLst>
+              <a:ext uri="{FF2B5EF4-FFF2-40B4-BE49-F238E27FC236}">
+                <a16:creationId xmlns:a16="http://schemas.microsoft.com/office/drawing/2014/main" id="{31AA02ED-7482-4F90-8832-D7DDCEB7C515}"/>
               </a:ext>
             </a:extLst>
           </p:cNvPr>
@@ -4623,48 +5897,121 @@
         </p:blipFill>
         <p:spPr>
           <a:xfrm>
-            <a:off x="6267450" y="3364230"/>
-            <a:ext cx="2571750" cy="2162175"/>
+            <a:off x="838199" y="3628865"/>
+            <a:ext cx="7588348" cy="2667062"/>
           </a:xfrm>
           <a:prstGeom prst="rect">
             <a:avLst/>
           </a:prstGeom>
         </p:spPr>
       </p:pic>
-      <p:pic>
-        <p:nvPicPr>
-          <p:cNvPr id="8" name="图片 7">
-            <a:extLst>
-              <a:ext uri="{FF2B5EF4-FFF2-40B4-BE49-F238E27FC236}">
-                <a16:creationId xmlns:a16="http://schemas.microsoft.com/office/drawing/2014/main" id="{92626C2C-796C-407F-99BB-B6E6A83FBF03}"/>
-              </a:ext>
-            </a:extLst>
-          </p:cNvPr>
-          <p:cNvPicPr>
-            <a:picLocks noChangeAspect="1"/>
-          </p:cNvPicPr>
+      <p:sp>
+        <p:nvSpPr>
+          <p:cNvPr id="7" name="箭头: 右 6">
+            <a:extLst>
+              <a:ext uri="{FF2B5EF4-FFF2-40B4-BE49-F238E27FC236}">
+                <a16:creationId xmlns:a16="http://schemas.microsoft.com/office/drawing/2014/main" id="{84C67AA4-1345-4227-90F4-A4F3BEBF2254}"/>
+              </a:ext>
+            </a:extLst>
+          </p:cNvPr>
+          <p:cNvSpPr/>
           <p:nvPr/>
-        </p:nvPicPr>
-        <p:blipFill>
-          <a:blip r:embed="rId5"/>
-          <a:stretch>
-            <a:fillRect/>
-          </a:stretch>
-        </p:blipFill>
-        <p:spPr>
-          <a:xfrm>
-            <a:off x="9020175" y="3364230"/>
-            <a:ext cx="2533650" cy="2152650"/>
+        </p:nvSpPr>
+        <p:spPr>
+          <a:xfrm>
+            <a:off x="7665972" y="5731933"/>
+            <a:ext cx="1642533" cy="143934"/>
+          </a:xfrm>
+          <a:prstGeom prst="rightArrow">
+            <a:avLst/>
+          </a:prstGeom>
+        </p:spPr>
+        <p:style>
+          <a:lnRef idx="2">
+            <a:schemeClr val="accent1">
+              <a:shade val="50000"/>
+            </a:schemeClr>
+          </a:lnRef>
+          <a:fillRef idx="1">
+            <a:schemeClr val="accent1"/>
+          </a:fillRef>
+          <a:effectRef idx="0">
+            <a:schemeClr val="accent1"/>
+          </a:effectRef>
+          <a:fontRef idx="minor">
+            <a:schemeClr val="lt1"/>
+          </a:fontRef>
+        </p:style>
+        <p:txBody>
+          <a:bodyPr rtlCol="0" anchor="ctr"/>
+          <a:lstStyle/>
+          <a:p>
+            <a:pPr algn="ctr"/>
+            <a:endParaRPr lang="zh-CN" altLang="en-US"/>
+          </a:p>
+        </p:txBody>
+      </p:sp>
+      <p:sp>
+        <p:nvSpPr>
+          <p:cNvPr id="8" name="文本框 7">
+            <a:extLst>
+              <a:ext uri="{FF2B5EF4-FFF2-40B4-BE49-F238E27FC236}">
+                <a16:creationId xmlns:a16="http://schemas.microsoft.com/office/drawing/2014/main" id="{817FD500-5941-47E2-B04A-3FB4750798DC}"/>
+              </a:ext>
+            </a:extLst>
+          </p:cNvPr>
+          <p:cNvSpPr txBox="1"/>
+          <p:nvPr/>
+        </p:nvSpPr>
+        <p:spPr>
+          <a:xfrm>
+            <a:off x="5347471" y="3183270"/>
+            <a:ext cx="1104790" cy="313932"/>
           </a:xfrm>
           <a:prstGeom prst="rect">
             <a:avLst/>
           </a:prstGeom>
-        </p:spPr>
-      </p:pic>
+          <a:noFill/>
+        </p:spPr>
+        <p:txBody>
+          <a:bodyPr wrap="none" rtlCol="0">
+            <a:spAutoFit/>
+          </a:bodyPr>
+          <a:lstStyle/>
+          <a:p>
+            <a:pPr algn="l">
+              <a:lnSpc>
+                <a:spcPct val="90000"/>
+              </a:lnSpc>
+              <a:spcBef>
+                <a:spcPts val="1000"/>
+              </a:spcBef>
+            </a:pPr>
+            <a:r>
+              <a:rPr lang="zh-CN" altLang="en-US" sz="1600" dirty="0">
+                <a:latin typeface="微软雅黑" panose="020B0503020204020204" pitchFamily="34" charset="-122"/>
+                <a:ea typeface="微软雅黑" panose="020B0503020204020204" pitchFamily="34" charset="-122"/>
+              </a:rPr>
+              <a:t>光路翻折</a:t>
+            </a:r>
+            <a:r>
+              <a:rPr lang="en-US" altLang="zh-CN" sz="1600" dirty="0">
+                <a:latin typeface="微软雅黑" panose="020B0503020204020204" pitchFamily="34" charset="-122"/>
+                <a:ea typeface="微软雅黑" panose="020B0503020204020204" pitchFamily="34" charset="-122"/>
+              </a:rPr>
+              <a:t>?</a:t>
+            </a:r>
+            <a:endParaRPr lang="zh-CN" altLang="en-US" sz="1600" dirty="0">
+              <a:latin typeface="微软雅黑" panose="020B0503020204020204" pitchFamily="34" charset="-122"/>
+              <a:ea typeface="微软雅黑" panose="020B0503020204020204" pitchFamily="34" charset="-122"/>
+            </a:endParaRPr>
+          </a:p>
+        </p:txBody>
+      </p:sp>
     </p:spTree>
     <p:extLst>
       <p:ext uri="{BB962C8B-B14F-4D97-AF65-F5344CB8AC3E}">
-        <p14:creationId xmlns:p14="http://schemas.microsoft.com/office/powerpoint/2010/main" val="2256172276"/>
+        <p14:creationId xmlns:p14="http://schemas.microsoft.com/office/powerpoint/2010/main" val="2766418463"/>
       </p:ext>
     </p:extLst>
   </p:cSld>
